--- a/talk-slides/16x9-template.pptx
+++ b/talk-slides/16x9-template.pptx
@@ -199,7 +199,7 @@
           <a:p>
             <a:fld id="{33639637-A6E8-452D-98B2-51C8A29CC287}" type="datetime1">
               <a:rPr lang="en-US" smtClean="0"/>
-              <a:t>4/18/2023</a:t>
+              <a:t>4/19/2023</a:t>
             </a:fld>
             <a:endParaRPr lang="en-US"/>
           </a:p>
@@ -576,7 +576,7 @@
           <a:p>
             <a:fld id="{F830ACF9-5D1D-4DBF-ABEA-93C42033C8AC}" type="datetime1">
               <a:rPr lang="en-US" smtClean="0"/>
-              <a:t>4/18/2023</a:t>
+              <a:t>4/19/2023</a:t>
             </a:fld>
             <a:endParaRPr lang="en-US"/>
           </a:p>
@@ -689,7 +689,7 @@
           <a:p>
             <a:fld id="{345D3C59-926E-44D2-B63C-57B70178FAAA}" type="datetime1">
               <a:rPr lang="en-US" smtClean="0"/>
-              <a:t>4/18/2023</a:t>
+              <a:t>4/19/2023</a:t>
             </a:fld>
             <a:endParaRPr lang="en-US"/>
           </a:p>
@@ -1085,7 +1085,7 @@
           <a:p>
             <a:fld id="{2DFC615C-B564-43D1-81E8-3A51D4599FB9}" type="datetime1">
               <a:rPr lang="en-US" smtClean="0"/>
-              <a:t>4/18/2023</a:t>
+              <a:t>4/19/2023</a:t>
             </a:fld>
             <a:endParaRPr lang="en-US"/>
           </a:p>
@@ -1360,7 +1360,7 @@
           <a:p>
             <a:fld id="{C8CB1670-9DD0-459B-977E-B405486FFF41}" type="datetime1">
               <a:rPr lang="en-US" smtClean="0"/>
-              <a:t>4/18/2023</a:t>
+              <a:t>4/19/2023</a:t>
             </a:fld>
             <a:endParaRPr lang="en-US"/>
           </a:p>
@@ -1689,7 +1689,7 @@
           <a:p>
             <a:fld id="{D83046E4-BD1F-46AE-B11D-82FA519AC7FB}" type="datetime1">
               <a:rPr lang="en-US" smtClean="0"/>
-              <a:t>4/18/2023</a:t>
+              <a:t>4/19/2023</a:t>
             </a:fld>
             <a:endParaRPr lang="en-US"/>
           </a:p>
@@ -2117,7 +2117,7 @@
           <a:p>
             <a:fld id="{F830ACF9-5D1D-4DBF-ABEA-93C42033C8AC}" type="datetime1">
               <a:rPr lang="en-US" smtClean="0"/>
-              <a:t>4/18/2023</a:t>
+              <a:t>4/19/2023</a:t>
             </a:fld>
             <a:endParaRPr lang="en-US"/>
           </a:p>
@@ -2500,7 +2500,7 @@
           <a:p>
             <a:fld id="{345D3C59-926E-44D2-B63C-57B70178FAAA}" type="datetime1">
               <a:rPr lang="en-US" smtClean="0"/>
-              <a:t>4/18/2023</a:t>
+              <a:t>4/19/2023</a:t>
             </a:fld>
             <a:endParaRPr lang="en-US"/>
           </a:p>
@@ -2892,7 +2892,7 @@
           <a:p>
             <a:fld id="{2DFC615C-B564-43D1-81E8-3A51D4599FB9}" type="datetime1">
               <a:rPr lang="en-US" smtClean="0"/>
-              <a:t>4/18/2023</a:t>
+              <a:t>4/19/2023</a:t>
             </a:fld>
             <a:endParaRPr lang="en-US"/>
           </a:p>
@@ -3274,7 +3274,7 @@
           <a:p>
             <a:fld id="{33639637-A6E8-452D-98B2-51C8A29CC287}" type="datetime1">
               <a:rPr lang="en-US" smtClean="0"/>
-              <a:t>4/18/2023</a:t>
+              <a:t>4/19/2023</a:t>
             </a:fld>
             <a:endParaRPr lang="en-US"/>
           </a:p>
@@ -3559,7 +3559,7 @@
           <a:p>
             <a:fld id="{C8CB1670-9DD0-459B-977E-B405486FFF41}" type="datetime1">
               <a:rPr lang="en-US" smtClean="0"/>
-              <a:t>4/18/2023</a:t>
+              <a:t>4/19/2023</a:t>
             </a:fld>
             <a:endParaRPr lang="en-US"/>
           </a:p>
@@ -3672,7 +3672,7 @@
           <a:p>
             <a:fld id="{D83046E4-BD1F-46AE-B11D-82FA519AC7FB}" type="datetime1">
               <a:rPr lang="en-US" smtClean="0"/>
-              <a:t>4/18/2023</a:t>
+              <a:t>4/19/2023</a:t>
             </a:fld>
             <a:endParaRPr lang="en-US"/>
           </a:p>
@@ -4197,7 +4197,7 @@
           <a:p>
             <a:fld id="{75FE7A0E-B73F-47A5-93F2-3016E1DE3045}" type="datetime1">
               <a:rPr lang="en-US" smtClean="0"/>
-              <a:t>4/18/2023</a:t>
+              <a:t>4/19/2023</a:t>
             </a:fld>
             <a:endParaRPr lang="en-US"/>
           </a:p>
@@ -4760,7 +4760,7 @@
           <a:p>
             <a:fld id="{75FE7A0E-B73F-47A5-93F2-3016E1DE3045}" type="datetime1">
               <a:rPr lang="en-US" smtClean="0"/>
-              <a:t>4/18/2023</a:t>
+              <a:t>4/19/2023</a:t>
             </a:fld>
             <a:endParaRPr lang="en-US"/>
           </a:p>
@@ -5372,7 +5372,73 @@
       </a:bgFillStyleLst>
     </a:fmtScheme>
   </a:themeElements>
-  <a:objectDefaults/>
+  <a:objectDefaults>
+    <a:spDef>
+      <a:spPr>
+        <a:solidFill>
+          <a:schemeClr val="bg2"/>
+        </a:solidFill>
+        <a:ln>
+          <a:noFill/>
+        </a:ln>
+      </a:spPr>
+      <a:bodyPr rtlCol="0" anchor="ctr"/>
+      <a:lstStyle>
+        <a:defPPr algn="ctr">
+          <a:defRPr sz="2400" dirty="0" smtClean="0">
+            <a:solidFill>
+              <a:schemeClr val="tx1"/>
+            </a:solidFill>
+          </a:defRPr>
+        </a:defPPr>
+      </a:lstStyle>
+      <a:style>
+        <a:lnRef idx="2">
+          <a:schemeClr val="accent1">
+            <a:shade val="50000"/>
+          </a:schemeClr>
+        </a:lnRef>
+        <a:fillRef idx="1">
+          <a:schemeClr val="accent1"/>
+        </a:fillRef>
+        <a:effectRef idx="0">
+          <a:schemeClr val="accent1"/>
+        </a:effectRef>
+        <a:fontRef idx="minor">
+          <a:schemeClr val="lt1"/>
+        </a:fontRef>
+      </a:style>
+    </a:spDef>
+    <a:lnDef>
+      <a:spPr>
+        <a:ln w="38100">
+          <a:solidFill>
+            <a:schemeClr val="tx1">
+              <a:lumMod val="50000"/>
+              <a:lumOff val="50000"/>
+            </a:schemeClr>
+          </a:solidFill>
+          <a:tailEnd type="triangle" w="lg" len="lg"/>
+        </a:ln>
+      </a:spPr>
+      <a:bodyPr/>
+      <a:lstStyle/>
+      <a:style>
+        <a:lnRef idx="1">
+          <a:schemeClr val="accent1"/>
+        </a:lnRef>
+        <a:fillRef idx="0">
+          <a:schemeClr val="accent1"/>
+        </a:fillRef>
+        <a:effectRef idx="0">
+          <a:schemeClr val="accent1"/>
+        </a:effectRef>
+        <a:fontRef idx="minor">
+          <a:schemeClr val="tx1"/>
+        </a:fontRef>
+      </a:style>
+    </a:lnDef>
+  </a:objectDefaults>
   <a:extraClrSchemeLst/>
   <a:extLst>
     <a:ext uri="{05A4C25C-085E-4340-85A3-A5531E510DB2}">

--- a/talk-slides/16x9-template.pptx
+++ b/talk-slides/16x9-template.pptx
@@ -199,7 +199,7 @@
           <a:p>
             <a:fld id="{33639637-A6E8-452D-98B2-51C8A29CC287}" type="datetime1">
               <a:rPr lang="en-US" smtClean="0"/>
-              <a:t>4/19/2023</a:t>
+              <a:t>5/15/2023</a:t>
             </a:fld>
             <a:endParaRPr lang="en-US"/>
           </a:p>
@@ -576,7 +576,7 @@
           <a:p>
             <a:fld id="{F830ACF9-5D1D-4DBF-ABEA-93C42033C8AC}" type="datetime1">
               <a:rPr lang="en-US" smtClean="0"/>
-              <a:t>4/19/2023</a:t>
+              <a:t>5/15/2023</a:t>
             </a:fld>
             <a:endParaRPr lang="en-US"/>
           </a:p>
@@ -689,7 +689,7 @@
           <a:p>
             <a:fld id="{345D3C59-926E-44D2-B63C-57B70178FAAA}" type="datetime1">
               <a:rPr lang="en-US" smtClean="0"/>
-              <a:t>4/19/2023</a:t>
+              <a:t>5/15/2023</a:t>
             </a:fld>
             <a:endParaRPr lang="en-US"/>
           </a:p>
@@ -1085,7 +1085,7 @@
           <a:p>
             <a:fld id="{2DFC615C-B564-43D1-81E8-3A51D4599FB9}" type="datetime1">
               <a:rPr lang="en-US" smtClean="0"/>
-              <a:t>4/19/2023</a:t>
+              <a:t>5/15/2023</a:t>
             </a:fld>
             <a:endParaRPr lang="en-US"/>
           </a:p>
@@ -1360,7 +1360,7 @@
           <a:p>
             <a:fld id="{C8CB1670-9DD0-459B-977E-B405486FFF41}" type="datetime1">
               <a:rPr lang="en-US" smtClean="0"/>
-              <a:t>4/19/2023</a:t>
+              <a:t>5/15/2023</a:t>
             </a:fld>
             <a:endParaRPr lang="en-US"/>
           </a:p>
@@ -1689,7 +1689,7 @@
           <a:p>
             <a:fld id="{D83046E4-BD1F-46AE-B11D-82FA519AC7FB}" type="datetime1">
               <a:rPr lang="en-US" smtClean="0"/>
-              <a:t>4/19/2023</a:t>
+              <a:t>5/15/2023</a:t>
             </a:fld>
             <a:endParaRPr lang="en-US"/>
           </a:p>
@@ -2117,7 +2117,7 @@
           <a:p>
             <a:fld id="{F830ACF9-5D1D-4DBF-ABEA-93C42033C8AC}" type="datetime1">
               <a:rPr lang="en-US" smtClean="0"/>
-              <a:t>4/19/2023</a:t>
+              <a:t>5/15/2023</a:t>
             </a:fld>
             <a:endParaRPr lang="en-US"/>
           </a:p>
@@ -2500,7 +2500,7 @@
           <a:p>
             <a:fld id="{345D3C59-926E-44D2-B63C-57B70178FAAA}" type="datetime1">
               <a:rPr lang="en-US" smtClean="0"/>
-              <a:t>4/19/2023</a:t>
+              <a:t>5/15/2023</a:t>
             </a:fld>
             <a:endParaRPr lang="en-US"/>
           </a:p>
@@ -2892,7 +2892,7 @@
           <a:p>
             <a:fld id="{2DFC615C-B564-43D1-81E8-3A51D4599FB9}" type="datetime1">
               <a:rPr lang="en-US" smtClean="0"/>
-              <a:t>4/19/2023</a:t>
+              <a:t>5/15/2023</a:t>
             </a:fld>
             <a:endParaRPr lang="en-US"/>
           </a:p>
@@ -3274,7 +3274,7 @@
           <a:p>
             <a:fld id="{33639637-A6E8-452D-98B2-51C8A29CC287}" type="datetime1">
               <a:rPr lang="en-US" smtClean="0"/>
-              <a:t>4/19/2023</a:t>
+              <a:t>5/15/2023</a:t>
             </a:fld>
             <a:endParaRPr lang="en-US"/>
           </a:p>
@@ -3559,7 +3559,7 @@
           <a:p>
             <a:fld id="{C8CB1670-9DD0-459B-977E-B405486FFF41}" type="datetime1">
               <a:rPr lang="en-US" smtClean="0"/>
-              <a:t>4/19/2023</a:t>
+              <a:t>5/15/2023</a:t>
             </a:fld>
             <a:endParaRPr lang="en-US"/>
           </a:p>
@@ -3672,7 +3672,7 @@
           <a:p>
             <a:fld id="{D83046E4-BD1F-46AE-B11D-82FA519AC7FB}" type="datetime1">
               <a:rPr lang="en-US" smtClean="0"/>
-              <a:t>4/19/2023</a:t>
+              <a:t>5/15/2023</a:t>
             </a:fld>
             <a:endParaRPr lang="en-US"/>
           </a:p>
@@ -4197,7 +4197,7 @@
           <a:p>
             <a:fld id="{75FE7A0E-B73F-47A5-93F2-3016E1DE3045}" type="datetime1">
               <a:rPr lang="en-US" smtClean="0"/>
-              <a:t>4/19/2023</a:t>
+              <a:t>5/15/2023</a:t>
             </a:fld>
             <a:endParaRPr lang="en-US"/>
           </a:p>
@@ -4760,7 +4760,7 @@
           <a:p>
             <a:fld id="{75FE7A0E-B73F-47A5-93F2-3016E1DE3045}" type="datetime1">
               <a:rPr lang="en-US" smtClean="0"/>
-              <a:t>4/19/2023</a:t>
+              <a:t>5/15/2023</a:t>
             </a:fld>
             <a:endParaRPr lang="en-US"/>
           </a:p>
@@ -5253,15 +5253,15 @@
         <a:srgbClr val="0070C0"/>
       </a:folHlink>
     </a:clrScheme>
-    <a:fontScheme name="Candara-Candara">
+    <a:fontScheme name="Candara-SourceHansSans">
       <a:majorFont>
         <a:latin typeface="Candara"/>
-        <a:ea typeface="楷体"/>
+        <a:ea typeface="思源黑体 CN"/>
         <a:cs typeface=""/>
       </a:majorFont>
       <a:minorFont>
         <a:latin typeface="Candara"/>
-        <a:ea typeface="新宋体"/>
+        <a:ea typeface="思源黑体 CN"/>
         <a:cs typeface=""/>
       </a:minorFont>
     </a:fontScheme>
@@ -5489,15 +5489,15 @@
         <a:srgbClr val="0070C0"/>
       </a:folHlink>
     </a:clrScheme>
-    <a:fontScheme name="Candara-Candara">
+    <a:fontScheme name="Candara-SourceHansSans">
       <a:majorFont>
         <a:latin typeface="Candara"/>
-        <a:ea typeface="楷体"/>
+        <a:ea typeface="思源黑体 CN"/>
         <a:cs typeface=""/>
       </a:majorFont>
       <a:minorFont>
         <a:latin typeface="Candara"/>
-        <a:ea typeface="新宋体"/>
+        <a:ea typeface="思源黑体 CN"/>
         <a:cs typeface=""/>
       </a:minorFont>
     </a:fontScheme>

--- a/talk-slides/16x9-template.pptx
+++ b/talk-slides/16x9-template.pptx
@@ -4,9 +4,11 @@
   <p:sldMasterIdLst>
     <p:sldMasterId id="2147483648" r:id="rId1"/>
     <p:sldMasterId id="2147483655" r:id="rId2"/>
+    <p:sldMasterId id="2147483662" r:id="rId3"/>
+    <p:sldMasterId id="2147483669" r:id="rId4"/>
   </p:sldMasterIdLst>
   <p:sldIdLst>
-    <p:sldId id="256" r:id="rId3"/>
+    <p:sldId id="256" r:id="rId5"/>
   </p:sldIdLst>
   <p:sldSz cx="12192000" cy="6858000"/>
   <p:notesSz cx="6858000" cy="9144000"/>
@@ -199,7 +201,7 @@
           <a:p>
             <a:fld id="{33639637-A6E8-452D-98B2-51C8A29CC287}" type="datetime1">
               <a:rPr lang="en-US" smtClean="0"/>
-              <a:t>5/15/2023</a:t>
+              <a:t>8/23/2023</a:t>
             </a:fld>
             <a:endParaRPr lang="en-US"/>
           </a:p>
@@ -576,7 +578,7 @@
           <a:p>
             <a:fld id="{F830ACF9-5D1D-4DBF-ABEA-93C42033C8AC}" type="datetime1">
               <a:rPr lang="en-US" smtClean="0"/>
-              <a:t>5/15/2023</a:t>
+              <a:t>8/23/2023</a:t>
             </a:fld>
             <a:endParaRPr lang="en-US"/>
           </a:p>
@@ -689,7 +691,7 @@
           <a:p>
             <a:fld id="{345D3C59-926E-44D2-B63C-57B70178FAAA}" type="datetime1">
               <a:rPr lang="en-US" smtClean="0"/>
-              <a:t>5/15/2023</a:t>
+              <a:t>8/23/2023</a:t>
             </a:fld>
             <a:endParaRPr lang="en-US"/>
           </a:p>
@@ -1085,7 +1087,7 @@
           <a:p>
             <a:fld id="{2DFC615C-B564-43D1-81E8-3A51D4599FB9}" type="datetime1">
               <a:rPr lang="en-US" smtClean="0"/>
-              <a:t>5/15/2023</a:t>
+              <a:t>8/23/2023</a:t>
             </a:fld>
             <a:endParaRPr lang="en-US"/>
           </a:p>
@@ -1158,7 +1160,451 @@
 </p:sldLayout>
 </file>
 
-<file path=ppt/slideLayouts/slideLayout2.xml><?xml version="1.0" encoding="utf-8"?>
+<file path=ppt/slideLayouts/slideLayout13.xml><?xml version="1.0" encoding="utf-8"?>
+<p:sldLayout xmlns:a="http://schemas.openxmlformats.org/drawingml/2006/main" xmlns:r="http://schemas.openxmlformats.org/officeDocument/2006/relationships" xmlns:p="http://schemas.openxmlformats.org/presentationml/2006/main" preserve="1" userDrawn="1">
+  <p:cSld name="Title Slide">
+    <p:spTree>
+      <p:nvGrpSpPr>
+        <p:cNvPr id="1" name=""/>
+        <p:cNvGrpSpPr/>
+        <p:nvPr/>
+      </p:nvGrpSpPr>
+      <p:grpSpPr>
+        <a:xfrm>
+          <a:off x="0" y="0"/>
+          <a:ext cx="0" cy="0"/>
+          <a:chOff x="0" y="0"/>
+          <a:chExt cx="0" cy="0"/>
+        </a:xfrm>
+      </p:grpSpPr>
+      <p:sp>
+        <p:nvSpPr>
+          <p:cNvPr id="7" name="Title 1">
+            <a:extLst>
+              <a:ext uri="{FF2B5EF4-FFF2-40B4-BE49-F238E27FC236}">
+                <a16:creationId xmlns:a16="http://schemas.microsoft.com/office/drawing/2014/main" id="{93DCDFFD-8420-DD3C-AAEA-433B74A2AB48}"/>
+              </a:ext>
+            </a:extLst>
+          </p:cNvPr>
+          <p:cNvSpPr>
+            <a:spLocks noGrp="1"/>
+          </p:cNvSpPr>
+          <p:nvPr>
+            <p:ph type="ctrTitle"/>
+          </p:nvPr>
+        </p:nvSpPr>
+        <p:spPr>
+          <a:xfrm>
+            <a:off x="155448" y="1005840"/>
+            <a:ext cx="11887200" cy="2377440"/>
+          </a:xfrm>
+        </p:spPr>
+        <p:txBody>
+          <a:bodyPr anchor="b"/>
+          <a:lstStyle>
+            <a:lvl1pPr algn="ctr">
+              <a:lnSpc>
+                <a:spcPct val="120000"/>
+              </a:lnSpc>
+              <a:defRPr sz="4400"/>
+            </a:lvl1pPr>
+          </a:lstStyle>
+          <a:p>
+            <a:r>
+              <a:rPr lang="en-US"/>
+              <a:t>Click to edit Master title style</a:t>
+            </a:r>
+            <a:endParaRPr lang="en-US" dirty="0"/>
+          </a:p>
+        </p:txBody>
+      </p:sp>
+      <p:sp>
+        <p:nvSpPr>
+          <p:cNvPr id="14" name="Date Placeholder 6">
+            <a:extLst>
+              <a:ext uri="{FF2B5EF4-FFF2-40B4-BE49-F238E27FC236}">
+                <a16:creationId xmlns:a16="http://schemas.microsoft.com/office/drawing/2014/main" id="{BDD71AF5-1AC3-2FF7-B571-1C7AA917C8F0}"/>
+              </a:ext>
+            </a:extLst>
+          </p:cNvPr>
+          <p:cNvSpPr>
+            <a:spLocks noGrp="1"/>
+          </p:cNvSpPr>
+          <p:nvPr>
+            <p:ph type="dt" sz="half" idx="10"/>
+          </p:nvPr>
+        </p:nvSpPr>
+        <p:spPr>
+          <a:xfrm>
+            <a:off x="365760" y="6583680"/>
+            <a:ext cx="2743200" cy="274320"/>
+          </a:xfrm>
+        </p:spPr>
+        <p:txBody>
+          <a:bodyPr/>
+          <a:lstStyle/>
+          <a:p>
+            <a:fld id="{33639637-A6E8-452D-98B2-51C8A29CC287}" type="datetime1">
+              <a:rPr lang="en-US" smtClean="0"/>
+              <a:t>8/23/2023</a:t>
+            </a:fld>
+            <a:endParaRPr lang="en-US"/>
+          </a:p>
+        </p:txBody>
+      </p:sp>
+      <p:sp>
+        <p:nvSpPr>
+          <p:cNvPr id="15" name="Footer Placeholder 12">
+            <a:extLst>
+              <a:ext uri="{FF2B5EF4-FFF2-40B4-BE49-F238E27FC236}">
+                <a16:creationId xmlns:a16="http://schemas.microsoft.com/office/drawing/2014/main" id="{DFDA877D-6069-8C07-DA58-96AFF2122DC1}"/>
+              </a:ext>
+            </a:extLst>
+          </p:cNvPr>
+          <p:cNvSpPr>
+            <a:spLocks noGrp="1"/>
+          </p:cNvSpPr>
+          <p:nvPr>
+            <p:ph type="ftr" sz="quarter" idx="11"/>
+          </p:nvPr>
+        </p:nvSpPr>
+        <p:spPr>
+          <a:xfrm>
+            <a:off x="3813048" y="6583680"/>
+            <a:ext cx="4572000" cy="274320"/>
+          </a:xfrm>
+        </p:spPr>
+        <p:txBody>
+          <a:bodyPr/>
+          <a:lstStyle/>
+          <a:p>
+            <a:endParaRPr lang="en-US"/>
+          </a:p>
+        </p:txBody>
+      </p:sp>
+      <p:sp>
+        <p:nvSpPr>
+          <p:cNvPr id="16" name="Slide Number Placeholder 13">
+            <a:extLst>
+              <a:ext uri="{FF2B5EF4-FFF2-40B4-BE49-F238E27FC236}">
+                <a16:creationId xmlns:a16="http://schemas.microsoft.com/office/drawing/2014/main" id="{59623009-302D-9819-0CF5-98D8D87968C2}"/>
+              </a:ext>
+            </a:extLst>
+          </p:cNvPr>
+          <p:cNvSpPr>
+            <a:spLocks noGrp="1"/>
+          </p:cNvSpPr>
+          <p:nvPr>
+            <p:ph type="sldNum" sz="quarter" idx="12"/>
+          </p:nvPr>
+        </p:nvSpPr>
+        <p:spPr>
+          <a:xfrm>
+            <a:off x="9079992" y="6583680"/>
+            <a:ext cx="2743200" cy="274320"/>
+          </a:xfrm>
+        </p:spPr>
+        <p:txBody>
+          <a:bodyPr/>
+          <a:lstStyle/>
+          <a:p>
+            <a:r>
+              <a:rPr lang="en-US"/>
+              <a:t>Use macro for slide numbers</a:t>
+            </a:r>
+            <a:endParaRPr lang="en-US" dirty="0"/>
+          </a:p>
+        </p:txBody>
+      </p:sp>
+      <p:sp>
+        <p:nvSpPr>
+          <p:cNvPr id="10" name="Rectangle 9">
+            <a:extLst>
+              <a:ext uri="{FF2B5EF4-FFF2-40B4-BE49-F238E27FC236}">
+                <a16:creationId xmlns:a16="http://schemas.microsoft.com/office/drawing/2014/main" id="{82D61378-C083-D497-81E2-C44FA692D369}"/>
+              </a:ext>
+            </a:extLst>
+          </p:cNvPr>
+          <p:cNvSpPr/>
+          <p:nvPr userDrawn="1"/>
+        </p:nvSpPr>
+        <p:spPr>
+          <a:xfrm>
+            <a:off x="0" y="0"/>
+            <a:ext cx="155448" cy="6858000"/>
+          </a:xfrm>
+          <a:prstGeom prst="rect">
+            <a:avLst/>
+          </a:prstGeom>
+          <a:solidFill>
+            <a:schemeClr val="bg1">
+              <a:lumMod val="85000"/>
+            </a:schemeClr>
+          </a:solidFill>
+          <a:ln>
+            <a:noFill/>
+          </a:ln>
+        </p:spPr>
+        <p:style>
+          <a:lnRef idx="2">
+            <a:schemeClr val="accent1">
+              <a:shade val="50000"/>
+            </a:schemeClr>
+          </a:lnRef>
+          <a:fillRef idx="1">
+            <a:schemeClr val="accent1"/>
+          </a:fillRef>
+          <a:effectRef idx="0">
+            <a:schemeClr val="accent1"/>
+          </a:effectRef>
+          <a:fontRef idx="minor">
+            <a:schemeClr val="lt1"/>
+          </a:fontRef>
+        </p:style>
+        <p:txBody>
+          <a:bodyPr rtlCol="0" anchor="ctr"/>
+          <a:lstStyle/>
+          <a:p>
+            <a:pPr algn="ctr"/>
+            <a:endParaRPr lang="en-US" dirty="0"/>
+          </a:p>
+        </p:txBody>
+      </p:sp>
+      <p:sp>
+        <p:nvSpPr>
+          <p:cNvPr id="11" name="Rectangle 10">
+            <a:extLst>
+              <a:ext uri="{FF2B5EF4-FFF2-40B4-BE49-F238E27FC236}">
+                <a16:creationId xmlns:a16="http://schemas.microsoft.com/office/drawing/2014/main" id="{056B6EAE-C869-79BE-1872-3EB3A054F7DA}"/>
+              </a:ext>
+            </a:extLst>
+          </p:cNvPr>
+          <p:cNvSpPr/>
+          <p:nvPr userDrawn="1"/>
+        </p:nvSpPr>
+        <p:spPr>
+          <a:xfrm>
+            <a:off x="12033504" y="0"/>
+            <a:ext cx="155448" cy="6858000"/>
+          </a:xfrm>
+          <a:prstGeom prst="rect">
+            <a:avLst/>
+          </a:prstGeom>
+          <a:solidFill>
+            <a:schemeClr val="bg1">
+              <a:lumMod val="85000"/>
+            </a:schemeClr>
+          </a:solidFill>
+          <a:ln>
+            <a:noFill/>
+          </a:ln>
+        </p:spPr>
+        <p:style>
+          <a:lnRef idx="2">
+            <a:schemeClr val="accent1">
+              <a:shade val="50000"/>
+            </a:schemeClr>
+          </a:lnRef>
+          <a:fillRef idx="1">
+            <a:schemeClr val="accent1"/>
+          </a:fillRef>
+          <a:effectRef idx="0">
+            <a:schemeClr val="accent1"/>
+          </a:effectRef>
+          <a:fontRef idx="minor">
+            <a:schemeClr val="lt1"/>
+          </a:fontRef>
+        </p:style>
+        <p:txBody>
+          <a:bodyPr rtlCol="0" anchor="ctr"/>
+          <a:lstStyle/>
+          <a:p>
+            <a:pPr algn="ctr"/>
+            <a:endParaRPr lang="en-US" dirty="0"/>
+          </a:p>
+        </p:txBody>
+      </p:sp>
+      <p:sp>
+        <p:nvSpPr>
+          <p:cNvPr id="12" name="Rectangle 11">
+            <a:extLst>
+              <a:ext uri="{FF2B5EF4-FFF2-40B4-BE49-F238E27FC236}">
+                <a16:creationId xmlns:a16="http://schemas.microsoft.com/office/drawing/2014/main" id="{2C365456-DD93-C052-880C-E4F8F4562D64}"/>
+              </a:ext>
+            </a:extLst>
+          </p:cNvPr>
+          <p:cNvSpPr/>
+          <p:nvPr userDrawn="1"/>
+        </p:nvSpPr>
+        <p:spPr>
+          <a:xfrm>
+            <a:off x="0" y="0"/>
+            <a:ext cx="12188952" cy="1005840"/>
+          </a:xfrm>
+          <a:prstGeom prst="rect">
+            <a:avLst/>
+          </a:prstGeom>
+          <a:solidFill>
+            <a:schemeClr val="bg1">
+              <a:lumMod val="85000"/>
+            </a:schemeClr>
+          </a:solidFill>
+          <a:ln>
+            <a:noFill/>
+          </a:ln>
+        </p:spPr>
+        <p:style>
+          <a:lnRef idx="2">
+            <a:schemeClr val="accent1">
+              <a:shade val="50000"/>
+            </a:schemeClr>
+          </a:lnRef>
+          <a:fillRef idx="1">
+            <a:schemeClr val="accent1"/>
+          </a:fillRef>
+          <a:effectRef idx="0">
+            <a:schemeClr val="accent1"/>
+          </a:effectRef>
+          <a:fontRef idx="minor">
+            <a:schemeClr val="lt1"/>
+          </a:fontRef>
+        </p:style>
+        <p:txBody>
+          <a:bodyPr rtlCol="0" anchor="ctr"/>
+          <a:lstStyle/>
+          <a:p>
+            <a:pPr algn="ctr"/>
+            <a:endParaRPr lang="en-US" dirty="0"/>
+          </a:p>
+        </p:txBody>
+      </p:sp>
+      <p:sp>
+        <p:nvSpPr>
+          <p:cNvPr id="13" name="Rectangle 12">
+            <a:extLst>
+              <a:ext uri="{FF2B5EF4-FFF2-40B4-BE49-F238E27FC236}">
+                <a16:creationId xmlns:a16="http://schemas.microsoft.com/office/drawing/2014/main" id="{D0B04A12-0CD2-D19E-4333-9E13354CF974}"/>
+              </a:ext>
+            </a:extLst>
+          </p:cNvPr>
+          <p:cNvSpPr/>
+          <p:nvPr userDrawn="1"/>
+        </p:nvSpPr>
+        <p:spPr>
+          <a:xfrm>
+            <a:off x="3048" y="6400800"/>
+            <a:ext cx="12188952" cy="182880"/>
+          </a:xfrm>
+          <a:prstGeom prst="rect">
+            <a:avLst/>
+          </a:prstGeom>
+          <a:solidFill>
+            <a:schemeClr val="bg1">
+              <a:lumMod val="85000"/>
+            </a:schemeClr>
+          </a:solidFill>
+          <a:ln>
+            <a:noFill/>
+          </a:ln>
+        </p:spPr>
+        <p:style>
+          <a:lnRef idx="2">
+            <a:schemeClr val="accent1">
+              <a:shade val="50000"/>
+            </a:schemeClr>
+          </a:lnRef>
+          <a:fillRef idx="1">
+            <a:schemeClr val="accent1"/>
+          </a:fillRef>
+          <a:effectRef idx="0">
+            <a:schemeClr val="accent1"/>
+          </a:effectRef>
+          <a:fontRef idx="minor">
+            <a:schemeClr val="lt1"/>
+          </a:fontRef>
+        </p:style>
+        <p:txBody>
+          <a:bodyPr rtlCol="0" anchor="ctr"/>
+          <a:lstStyle/>
+          <a:p>
+            <a:pPr algn="ctr"/>
+            <a:endParaRPr lang="en-US" dirty="0"/>
+          </a:p>
+        </p:txBody>
+      </p:sp>
+      <p:sp>
+        <p:nvSpPr>
+          <p:cNvPr id="2" name="Rectangle 1">
+            <a:extLst>
+              <a:ext uri="{FF2B5EF4-FFF2-40B4-BE49-F238E27FC236}">
+                <a16:creationId xmlns:a16="http://schemas.microsoft.com/office/drawing/2014/main" id="{116DE371-CEB7-5486-D840-45AEE5B2D190}"/>
+              </a:ext>
+            </a:extLst>
+          </p:cNvPr>
+          <p:cNvSpPr/>
+          <p:nvPr userDrawn="1"/>
+        </p:nvSpPr>
+        <p:spPr>
+          <a:xfrm>
+            <a:off x="10143744" y="0"/>
+            <a:ext cx="2048256" cy="1152144"/>
+          </a:xfrm>
+          <a:prstGeom prst="rect">
+            <a:avLst/>
+          </a:prstGeom>
+          <a:solidFill>
+            <a:schemeClr val="tx2"/>
+          </a:solidFill>
+          <a:ln>
+            <a:noFill/>
+          </a:ln>
+        </p:spPr>
+        <p:style>
+          <a:lnRef idx="2">
+            <a:schemeClr val="accent1">
+              <a:shade val="50000"/>
+            </a:schemeClr>
+          </a:lnRef>
+          <a:fillRef idx="1">
+            <a:schemeClr val="accent1"/>
+          </a:fillRef>
+          <a:effectRef idx="0">
+            <a:schemeClr val="accent1"/>
+          </a:effectRef>
+          <a:fontRef idx="minor">
+            <a:schemeClr val="lt1"/>
+          </a:fontRef>
+        </p:style>
+        <p:txBody>
+          <a:bodyPr rtlCol="0" anchor="ctr"/>
+          <a:lstStyle/>
+          <a:p>
+            <a:pPr algn="ctr"/>
+            <a:r>
+              <a:rPr lang="en-US" dirty="0">
+                <a:solidFill>
+                  <a:schemeClr val="bg1"/>
+                </a:solidFill>
+              </a:rPr>
+              <a:t>Speaker Video Placeholder</a:t>
+            </a:r>
+          </a:p>
+        </p:txBody>
+      </p:sp>
+    </p:spTree>
+    <p:extLst>
+      <p:ext uri="{BB962C8B-B14F-4D97-AF65-F5344CB8AC3E}">
+        <p14:creationId xmlns:p14="http://schemas.microsoft.com/office/powerpoint/2010/main" val="3589671780"/>
+      </p:ext>
+    </p:extLst>
+  </p:cSld>
+  <p:clrMapOvr>
+    <a:masterClrMapping/>
+  </p:clrMapOvr>
+</p:sldLayout>
+</file>
+
+<file path=ppt/slideLayouts/slideLayout14.xml><?xml version="1.0" encoding="utf-8"?>
 <p:sldLayout xmlns:a="http://schemas.openxmlformats.org/drawingml/2006/main" xmlns:r="http://schemas.openxmlformats.org/officeDocument/2006/relationships" xmlns:p="http://schemas.openxmlformats.org/presentationml/2006/main" type="secHead" preserve="1">
   <p:cSld name="Section Header">
     <p:spTree>
@@ -1360,7 +1806,7 @@
           <a:p>
             <a:fld id="{C8CB1670-9DD0-459B-977E-B405486FFF41}" type="datetime1">
               <a:rPr lang="en-US" smtClean="0"/>
-              <a:t>5/15/2023</a:t>
+              <a:t>8/23/2023</a:t>
             </a:fld>
             <a:endParaRPr lang="en-US"/>
           </a:p>
@@ -1636,10 +2082,69 @@
           </a:p>
         </p:txBody>
       </p:sp>
+      <p:sp>
+        <p:nvSpPr>
+          <p:cNvPr id="11" name="Rectangle 10">
+            <a:extLst>
+              <a:ext uri="{FF2B5EF4-FFF2-40B4-BE49-F238E27FC236}">
+                <a16:creationId xmlns:a16="http://schemas.microsoft.com/office/drawing/2014/main" id="{F51B3328-2B5B-3D12-5867-41FCF3CFECDB}"/>
+              </a:ext>
+            </a:extLst>
+          </p:cNvPr>
+          <p:cNvSpPr/>
+          <p:nvPr userDrawn="1"/>
+        </p:nvSpPr>
+        <p:spPr>
+          <a:xfrm>
+            <a:off x="10143744" y="0"/>
+            <a:ext cx="2048256" cy="1152144"/>
+          </a:xfrm>
+          <a:prstGeom prst="rect">
+            <a:avLst/>
+          </a:prstGeom>
+          <a:solidFill>
+            <a:schemeClr val="tx2"/>
+          </a:solidFill>
+          <a:ln>
+            <a:noFill/>
+          </a:ln>
+        </p:spPr>
+        <p:style>
+          <a:lnRef idx="2">
+            <a:schemeClr val="accent1">
+              <a:shade val="50000"/>
+            </a:schemeClr>
+          </a:lnRef>
+          <a:fillRef idx="1">
+            <a:schemeClr val="accent1"/>
+          </a:fillRef>
+          <a:effectRef idx="0">
+            <a:schemeClr val="accent1"/>
+          </a:effectRef>
+          <a:fontRef idx="minor">
+            <a:schemeClr val="lt1"/>
+          </a:fontRef>
+        </p:style>
+        <p:txBody>
+          <a:bodyPr rtlCol="0" anchor="ctr"/>
+          <a:lstStyle/>
+          <a:p>
+            <a:pPr algn="ctr"/>
+            <a:r>
+              <a:rPr lang="en-US" dirty="0">
+                <a:solidFill>
+                  <a:schemeClr val="bg1"/>
+                </a:solidFill>
+              </a:rPr>
+              <a:t>Speaker Video Placeholder</a:t>
+            </a:r>
+          </a:p>
+        </p:txBody>
+      </p:sp>
     </p:spTree>
     <p:extLst>
       <p:ext uri="{BB962C8B-B14F-4D97-AF65-F5344CB8AC3E}">
-        <p14:creationId xmlns:p14="http://schemas.microsoft.com/office/powerpoint/2010/main" val="3257022513"/>
+        <p14:creationId xmlns:p14="http://schemas.microsoft.com/office/powerpoint/2010/main" val="2318036049"/>
       </p:ext>
     </p:extLst>
   </p:cSld>
@@ -1649,7 +2154,7 @@
 </p:sldLayout>
 </file>
 
-<file path=ppt/slideLayouts/slideLayout3.xml><?xml version="1.0" encoding="utf-8"?>
+<file path=ppt/slideLayouts/slideLayout15.xml><?xml version="1.0" encoding="utf-8"?>
 <p:sldLayout xmlns:a="http://schemas.openxmlformats.org/drawingml/2006/main" xmlns:r="http://schemas.openxmlformats.org/officeDocument/2006/relationships" xmlns:p="http://schemas.openxmlformats.org/presentationml/2006/main" preserve="1" userDrawn="1">
   <p:cSld name="Ink Title Only">
     <p:spTree>
@@ -1689,7 +2194,7 @@
           <a:p>
             <a:fld id="{D83046E4-BD1F-46AE-B11D-82FA519AC7FB}" type="datetime1">
               <a:rPr lang="en-US" smtClean="0"/>
-              <a:t>5/15/2023</a:t>
+              <a:t>8/23/2023</a:t>
             </a:fld>
             <a:endParaRPr lang="en-US"/>
           </a:p>
@@ -2026,10 +2531,69 @@
           </a:p>
         </p:txBody>
       </p:sp>
+      <p:sp>
+        <p:nvSpPr>
+          <p:cNvPr id="10" name="Rectangle 9">
+            <a:extLst>
+              <a:ext uri="{FF2B5EF4-FFF2-40B4-BE49-F238E27FC236}">
+                <a16:creationId xmlns:a16="http://schemas.microsoft.com/office/drawing/2014/main" id="{F5670316-BA24-F42A-860C-22F16A46130D}"/>
+              </a:ext>
+            </a:extLst>
+          </p:cNvPr>
+          <p:cNvSpPr/>
+          <p:nvPr userDrawn="1"/>
+        </p:nvSpPr>
+        <p:spPr>
+          <a:xfrm>
+            <a:off x="10143744" y="0"/>
+            <a:ext cx="2048256" cy="1152144"/>
+          </a:xfrm>
+          <a:prstGeom prst="rect">
+            <a:avLst/>
+          </a:prstGeom>
+          <a:solidFill>
+            <a:schemeClr val="tx2"/>
+          </a:solidFill>
+          <a:ln>
+            <a:noFill/>
+          </a:ln>
+        </p:spPr>
+        <p:style>
+          <a:lnRef idx="2">
+            <a:schemeClr val="accent1">
+              <a:shade val="50000"/>
+            </a:schemeClr>
+          </a:lnRef>
+          <a:fillRef idx="1">
+            <a:schemeClr val="accent1"/>
+          </a:fillRef>
+          <a:effectRef idx="0">
+            <a:schemeClr val="accent1"/>
+          </a:effectRef>
+          <a:fontRef idx="minor">
+            <a:schemeClr val="lt1"/>
+          </a:fontRef>
+        </p:style>
+        <p:txBody>
+          <a:bodyPr rtlCol="0" anchor="ctr"/>
+          <a:lstStyle/>
+          <a:p>
+            <a:pPr algn="ctr"/>
+            <a:r>
+              <a:rPr lang="en-US" dirty="0">
+                <a:solidFill>
+                  <a:schemeClr val="bg1"/>
+                </a:solidFill>
+              </a:rPr>
+              <a:t>Speaker Video Placeholder</a:t>
+            </a:r>
+          </a:p>
+        </p:txBody>
+      </p:sp>
     </p:spTree>
     <p:extLst>
       <p:ext uri="{BB962C8B-B14F-4D97-AF65-F5344CB8AC3E}">
-        <p14:creationId xmlns:p14="http://schemas.microsoft.com/office/powerpoint/2010/main" val="3844711109"/>
+        <p14:creationId xmlns:p14="http://schemas.microsoft.com/office/powerpoint/2010/main" val="514344270"/>
       </p:ext>
     </p:extLst>
   </p:cSld>
@@ -2039,7 +2603,7 @@
 </p:sldLayout>
 </file>
 
-<file path=ppt/slideLayouts/slideLayout4.xml><?xml version="1.0" encoding="utf-8"?>
+<file path=ppt/slideLayouts/slideLayout16.xml><?xml version="1.0" encoding="utf-8"?>
 <p:sldLayout xmlns:a="http://schemas.openxmlformats.org/drawingml/2006/main" xmlns:r="http://schemas.openxmlformats.org/officeDocument/2006/relationships" xmlns:p="http://schemas.openxmlformats.org/presentationml/2006/main" type="titleOnly" preserve="1">
   <p:cSld name="Title Only">
     <p:spTree>
@@ -2117,7 +2681,7 @@
           <a:p>
             <a:fld id="{F830ACF9-5D1D-4DBF-ABEA-93C42033C8AC}" type="datetime1">
               <a:rPr lang="en-US" smtClean="0"/>
-              <a:t>5/15/2023</a:t>
+              <a:t>8/23/2023</a:t>
             </a:fld>
             <a:endParaRPr lang="en-US"/>
           </a:p>
@@ -2447,10 +3011,69 @@
           </a:p>
         </p:txBody>
       </p:sp>
+      <p:sp>
+        <p:nvSpPr>
+          <p:cNvPr id="11" name="Rectangle 10">
+            <a:extLst>
+              <a:ext uri="{FF2B5EF4-FFF2-40B4-BE49-F238E27FC236}">
+                <a16:creationId xmlns:a16="http://schemas.microsoft.com/office/drawing/2014/main" id="{211770E3-8930-DBC7-B586-5EAAC4106DA0}"/>
+              </a:ext>
+            </a:extLst>
+          </p:cNvPr>
+          <p:cNvSpPr/>
+          <p:nvPr userDrawn="1"/>
+        </p:nvSpPr>
+        <p:spPr>
+          <a:xfrm>
+            <a:off x="10143744" y="0"/>
+            <a:ext cx="2048256" cy="1152144"/>
+          </a:xfrm>
+          <a:prstGeom prst="rect">
+            <a:avLst/>
+          </a:prstGeom>
+          <a:solidFill>
+            <a:schemeClr val="tx2"/>
+          </a:solidFill>
+          <a:ln>
+            <a:noFill/>
+          </a:ln>
+        </p:spPr>
+        <p:style>
+          <a:lnRef idx="2">
+            <a:schemeClr val="accent1">
+              <a:shade val="50000"/>
+            </a:schemeClr>
+          </a:lnRef>
+          <a:fillRef idx="1">
+            <a:schemeClr val="accent1"/>
+          </a:fillRef>
+          <a:effectRef idx="0">
+            <a:schemeClr val="accent1"/>
+          </a:effectRef>
+          <a:fontRef idx="minor">
+            <a:schemeClr val="lt1"/>
+          </a:fontRef>
+        </p:style>
+        <p:txBody>
+          <a:bodyPr rtlCol="0" anchor="ctr"/>
+          <a:lstStyle/>
+          <a:p>
+            <a:pPr algn="ctr"/>
+            <a:r>
+              <a:rPr lang="en-US" dirty="0">
+                <a:solidFill>
+                  <a:schemeClr val="bg1"/>
+                </a:solidFill>
+              </a:rPr>
+              <a:t>Speaker Video Placeholder</a:t>
+            </a:r>
+          </a:p>
+        </p:txBody>
+      </p:sp>
     </p:spTree>
     <p:extLst>
       <p:ext uri="{BB962C8B-B14F-4D97-AF65-F5344CB8AC3E}">
-        <p14:creationId xmlns:p14="http://schemas.microsoft.com/office/powerpoint/2010/main" val="1813651209"/>
+        <p14:creationId xmlns:p14="http://schemas.microsoft.com/office/powerpoint/2010/main" val="562201906"/>
       </p:ext>
     </p:extLst>
   </p:cSld>
@@ -2460,7 +3083,7 @@
 </p:sldLayout>
 </file>
 
-<file path=ppt/slideLayouts/slideLayout5.xml><?xml version="1.0" encoding="utf-8"?>
+<file path=ppt/slideLayouts/slideLayout17.xml><?xml version="1.0" encoding="utf-8"?>
 <p:sldLayout xmlns:a="http://schemas.openxmlformats.org/drawingml/2006/main" xmlns:r="http://schemas.openxmlformats.org/officeDocument/2006/relationships" xmlns:p="http://schemas.openxmlformats.org/presentationml/2006/main" type="blank" preserve="1">
   <p:cSld name="Ink Blank">
     <p:spTree>
@@ -2500,7 +3123,7 @@
           <a:p>
             <a:fld id="{345D3C59-926E-44D2-B63C-57B70178FAAA}" type="datetime1">
               <a:rPr lang="en-US" smtClean="0"/>
-              <a:t>5/15/2023</a:t>
+              <a:t>8/23/2023</a:t>
             </a:fld>
             <a:endParaRPr lang="en-US"/>
           </a:p>
@@ -2799,10 +3422,69 @@
           </a:p>
         </p:txBody>
       </p:sp>
+      <p:sp>
+        <p:nvSpPr>
+          <p:cNvPr id="9" name="Rectangle 8">
+            <a:extLst>
+              <a:ext uri="{FF2B5EF4-FFF2-40B4-BE49-F238E27FC236}">
+                <a16:creationId xmlns:a16="http://schemas.microsoft.com/office/drawing/2014/main" id="{7F07CB7B-F5C7-F542-2802-611637E983F4}"/>
+              </a:ext>
+            </a:extLst>
+          </p:cNvPr>
+          <p:cNvSpPr/>
+          <p:nvPr userDrawn="1"/>
+        </p:nvSpPr>
+        <p:spPr>
+          <a:xfrm>
+            <a:off x="10143744" y="0"/>
+            <a:ext cx="2048256" cy="1152144"/>
+          </a:xfrm>
+          <a:prstGeom prst="rect">
+            <a:avLst/>
+          </a:prstGeom>
+          <a:solidFill>
+            <a:schemeClr val="tx2"/>
+          </a:solidFill>
+          <a:ln>
+            <a:noFill/>
+          </a:ln>
+        </p:spPr>
+        <p:style>
+          <a:lnRef idx="2">
+            <a:schemeClr val="accent1">
+              <a:shade val="50000"/>
+            </a:schemeClr>
+          </a:lnRef>
+          <a:fillRef idx="1">
+            <a:schemeClr val="accent1"/>
+          </a:fillRef>
+          <a:effectRef idx="0">
+            <a:schemeClr val="accent1"/>
+          </a:effectRef>
+          <a:fontRef idx="minor">
+            <a:schemeClr val="lt1"/>
+          </a:fontRef>
+        </p:style>
+        <p:txBody>
+          <a:bodyPr rtlCol="0" anchor="ctr"/>
+          <a:lstStyle/>
+          <a:p>
+            <a:pPr algn="ctr"/>
+            <a:r>
+              <a:rPr lang="en-US" dirty="0">
+                <a:solidFill>
+                  <a:schemeClr val="bg1"/>
+                </a:solidFill>
+              </a:rPr>
+              <a:t>Speaker Video Placeholder</a:t>
+            </a:r>
+          </a:p>
+        </p:txBody>
+      </p:sp>
     </p:spTree>
     <p:extLst>
       <p:ext uri="{BB962C8B-B14F-4D97-AF65-F5344CB8AC3E}">
-        <p14:creationId xmlns:p14="http://schemas.microsoft.com/office/powerpoint/2010/main" val="140734173"/>
+        <p14:creationId xmlns:p14="http://schemas.microsoft.com/office/powerpoint/2010/main" val="1073544881"/>
       </p:ext>
     </p:extLst>
   </p:cSld>
@@ -2812,7 +3494,7 @@
 </p:sldLayout>
 </file>
 
-<file path=ppt/slideLayouts/slideLayout6.xml><?xml version="1.0" encoding="utf-8"?>
+<file path=ppt/slideLayouts/slideLayout18.xml><?xml version="1.0" encoding="utf-8"?>
 <p:sldLayout xmlns:a="http://schemas.openxmlformats.org/drawingml/2006/main" xmlns:r="http://schemas.openxmlformats.org/officeDocument/2006/relationships" xmlns:p="http://schemas.openxmlformats.org/presentationml/2006/main" preserve="1" userDrawn="1">
   <p:cSld name="Blank">
     <p:spTree>
@@ -2892,7 +3574,7 @@
           <a:p>
             <a:fld id="{2DFC615C-B564-43D1-81E8-3A51D4599FB9}" type="datetime1">
               <a:rPr lang="en-US" smtClean="0"/>
-              <a:t>5/15/2023</a:t>
+              <a:t>8/23/2023</a:t>
             </a:fld>
             <a:endParaRPr lang="en-US"/>
           </a:p>
@@ -3175,10 +3857,69 @@
           </a:p>
         </p:txBody>
       </p:sp>
+      <p:sp>
+        <p:nvSpPr>
+          <p:cNvPr id="10" name="Rectangle 9">
+            <a:extLst>
+              <a:ext uri="{FF2B5EF4-FFF2-40B4-BE49-F238E27FC236}">
+                <a16:creationId xmlns:a16="http://schemas.microsoft.com/office/drawing/2014/main" id="{3C8FB80F-6C18-DC39-0646-FB5AEDBFA624}"/>
+              </a:ext>
+            </a:extLst>
+          </p:cNvPr>
+          <p:cNvSpPr/>
+          <p:nvPr userDrawn="1"/>
+        </p:nvSpPr>
+        <p:spPr>
+          <a:xfrm>
+            <a:off x="10143744" y="0"/>
+            <a:ext cx="2048256" cy="1152144"/>
+          </a:xfrm>
+          <a:prstGeom prst="rect">
+            <a:avLst/>
+          </a:prstGeom>
+          <a:solidFill>
+            <a:schemeClr val="tx2"/>
+          </a:solidFill>
+          <a:ln>
+            <a:noFill/>
+          </a:ln>
+        </p:spPr>
+        <p:style>
+          <a:lnRef idx="2">
+            <a:schemeClr val="accent1">
+              <a:shade val="50000"/>
+            </a:schemeClr>
+          </a:lnRef>
+          <a:fillRef idx="1">
+            <a:schemeClr val="accent1"/>
+          </a:fillRef>
+          <a:effectRef idx="0">
+            <a:schemeClr val="accent1"/>
+          </a:effectRef>
+          <a:fontRef idx="minor">
+            <a:schemeClr val="lt1"/>
+          </a:fontRef>
+        </p:style>
+        <p:txBody>
+          <a:bodyPr rtlCol="0" anchor="ctr"/>
+          <a:lstStyle/>
+          <a:p>
+            <a:pPr algn="ctr"/>
+            <a:r>
+              <a:rPr lang="en-US" dirty="0">
+                <a:solidFill>
+                  <a:schemeClr val="bg1"/>
+                </a:solidFill>
+              </a:rPr>
+              <a:t>Speaker Video Placeholder</a:t>
+            </a:r>
+          </a:p>
+        </p:txBody>
+      </p:sp>
     </p:spTree>
     <p:extLst>
       <p:ext uri="{BB962C8B-B14F-4D97-AF65-F5344CB8AC3E}">
-        <p14:creationId xmlns:p14="http://schemas.microsoft.com/office/powerpoint/2010/main" val="3083279526"/>
+        <p14:creationId xmlns:p14="http://schemas.microsoft.com/office/powerpoint/2010/main" val="2972826044"/>
       </p:ext>
     </p:extLst>
   </p:cSld>
@@ -3188,7 +3929,7 @@
 </p:sldLayout>
 </file>
 
-<file path=ppt/slideLayouts/slideLayout7.xml><?xml version="1.0" encoding="utf-8"?>
+<file path=ppt/slideLayouts/slideLayout19.xml><?xml version="1.0" encoding="utf-8"?>
 <p:sldLayout xmlns:a="http://schemas.openxmlformats.org/drawingml/2006/main" xmlns:r="http://schemas.openxmlformats.org/officeDocument/2006/relationships" xmlns:p="http://schemas.openxmlformats.org/presentationml/2006/main" preserve="1" userDrawn="1">
   <p:cSld name="Title Slide">
     <p:spTree>
@@ -3274,7 +4015,7 @@
           <a:p>
             <a:fld id="{33639637-A6E8-452D-98B2-51C8A29CC287}" type="datetime1">
               <a:rPr lang="en-US" smtClean="0"/>
-              <a:t>5/15/2023</a:t>
+              <a:t>8/23/2023</a:t>
             </a:fld>
             <a:endParaRPr lang="en-US"/>
           </a:p>
@@ -3344,10 +4085,55 @@
           </a:p>
         </p:txBody>
       </p:sp>
+      <p:pic>
+        <p:nvPicPr>
+          <p:cNvPr id="2" name="Camera 1">
+            <a:extLst>
+              <a:ext uri="{FF2B5EF4-FFF2-40B4-BE49-F238E27FC236}">
+                <a16:creationId xmlns:a16="http://schemas.microsoft.com/office/drawing/2014/main" id="{A74A307E-ABDB-A2BC-99DA-86E59AFD3F27}"/>
+              </a:ext>
+            </a:extLst>
+          </p:cNvPr>
+          <p:cNvPicPr>
+            <a:picLocks noChangeAspect="1"/>
+            <a:extLst>
+              <a:ext uri="{51228E76-BA90-4043-B771-695A4F85340A}">
+                <alf:liveFeedProps xmlns:alf="http://schemas.microsoft.com/office/drawing/2021/livefeed"/>
+              </a:ext>
+            </a:extLst>
+          </p:cNvPicPr>
+          <p:nvPr userDrawn="1"/>
+        </p:nvPicPr>
+        <p:blipFill>
+          <a:blip r:embed="rId2">
+            <a:extLst>
+              <a:ext uri="{96DAC541-7B7A-43D3-8B79-37D633B846F1}">
+                <asvg:svgBlip xmlns:asvg="http://schemas.microsoft.com/office/drawing/2016/SVG/main" r:embed="rId3"/>
+              </a:ext>
+            </a:extLst>
+          </a:blip>
+          <a:stretch>
+            <a:fillRect/>
+          </a:stretch>
+        </p:blipFill>
+        <p:spPr>
+          <a:xfrm>
+            <a:off x="10143744" y="0"/>
+            <a:ext cx="2048256" cy="1152144"/>
+          </a:xfrm>
+          <a:prstGeom prst="rect">
+            <a:avLst/>
+          </a:prstGeom>
+          <a:ln>
+            <a:noFill/>
+          </a:ln>
+          <a:effectLst/>
+        </p:spPr>
+      </p:pic>
     </p:spTree>
     <p:extLst>
       <p:ext uri="{BB962C8B-B14F-4D97-AF65-F5344CB8AC3E}">
-        <p14:creationId xmlns:p14="http://schemas.microsoft.com/office/powerpoint/2010/main" val="297937218"/>
+        <p14:creationId xmlns:p14="http://schemas.microsoft.com/office/powerpoint/2010/main" val="4003639485"/>
       </p:ext>
     </p:extLst>
   </p:cSld>
@@ -3357,7 +4143,7 @@
 </p:sldLayout>
 </file>
 
-<file path=ppt/slideLayouts/slideLayout8.xml><?xml version="1.0" encoding="utf-8"?>
+<file path=ppt/slideLayouts/slideLayout2.xml><?xml version="1.0" encoding="utf-8"?>
 <p:sldLayout xmlns:a="http://schemas.openxmlformats.org/drawingml/2006/main" xmlns:r="http://schemas.openxmlformats.org/officeDocument/2006/relationships" xmlns:p="http://schemas.openxmlformats.org/presentationml/2006/main" type="secHead" preserve="1">
   <p:cSld name="Section Header">
     <p:spTree>
@@ -3559,7 +4345,3762 @@
           <a:p>
             <a:fld id="{C8CB1670-9DD0-459B-977E-B405486FFF41}" type="datetime1">
               <a:rPr lang="en-US" smtClean="0"/>
-              <a:t>5/15/2023</a:t>
+              <a:t>8/23/2023</a:t>
+            </a:fld>
+            <a:endParaRPr lang="en-US"/>
+          </a:p>
+        </p:txBody>
+      </p:sp>
+      <p:sp>
+        <p:nvSpPr>
+          <p:cNvPr id="5" name="Footer Placeholder 4">
+            <a:extLst>
+              <a:ext uri="{FF2B5EF4-FFF2-40B4-BE49-F238E27FC236}">
+                <a16:creationId xmlns:a16="http://schemas.microsoft.com/office/drawing/2014/main" id="{E3D36A66-E0E2-4906-B260-52C3A7724E8D}"/>
+              </a:ext>
+            </a:extLst>
+          </p:cNvPr>
+          <p:cNvSpPr>
+            <a:spLocks noGrp="1"/>
+          </p:cNvSpPr>
+          <p:nvPr>
+            <p:ph type="ftr" sz="quarter" idx="11"/>
+          </p:nvPr>
+        </p:nvSpPr>
+        <p:spPr/>
+        <p:txBody>
+          <a:bodyPr/>
+          <a:lstStyle/>
+          <a:p>
+            <a:endParaRPr lang="en-US"/>
+          </a:p>
+        </p:txBody>
+      </p:sp>
+      <p:sp>
+        <p:nvSpPr>
+          <p:cNvPr id="6" name="Slide Number Placeholder 5">
+            <a:extLst>
+              <a:ext uri="{FF2B5EF4-FFF2-40B4-BE49-F238E27FC236}">
+                <a16:creationId xmlns:a16="http://schemas.microsoft.com/office/drawing/2014/main" id="{B1058114-1B49-4B22-A972-97C85CAB01DF}"/>
+              </a:ext>
+            </a:extLst>
+          </p:cNvPr>
+          <p:cNvSpPr>
+            <a:spLocks noGrp="1"/>
+          </p:cNvSpPr>
+          <p:nvPr>
+            <p:ph type="sldNum" sz="quarter" idx="12"/>
+          </p:nvPr>
+        </p:nvSpPr>
+        <p:spPr/>
+        <p:txBody>
+          <a:bodyPr/>
+          <a:lstStyle/>
+          <a:p>
+            <a:r>
+              <a:rPr lang="en-US" altLang="zh-CN" dirty="0"/>
+              <a:t>Use macro for slide numbers</a:t>
+            </a:r>
+            <a:endParaRPr lang="en-US" dirty="0"/>
+          </a:p>
+        </p:txBody>
+      </p:sp>
+      <p:sp>
+        <p:nvSpPr>
+          <p:cNvPr id="7" name="Rectangle 6">
+            <a:extLst>
+              <a:ext uri="{FF2B5EF4-FFF2-40B4-BE49-F238E27FC236}">
+                <a16:creationId xmlns:a16="http://schemas.microsoft.com/office/drawing/2014/main" id="{398908B6-A7FD-4400-8647-90855E6A9E74}"/>
+              </a:ext>
+            </a:extLst>
+          </p:cNvPr>
+          <p:cNvSpPr/>
+          <p:nvPr userDrawn="1"/>
+        </p:nvSpPr>
+        <p:spPr>
+          <a:xfrm>
+            <a:off x="0" y="0"/>
+            <a:ext cx="832104" cy="6400800"/>
+          </a:xfrm>
+          <a:prstGeom prst="rect">
+            <a:avLst/>
+          </a:prstGeom>
+          <a:solidFill>
+            <a:schemeClr val="bg1">
+              <a:lumMod val="85000"/>
+            </a:schemeClr>
+          </a:solidFill>
+          <a:ln>
+            <a:noFill/>
+          </a:ln>
+        </p:spPr>
+        <p:style>
+          <a:lnRef idx="2">
+            <a:schemeClr val="accent1">
+              <a:shade val="50000"/>
+            </a:schemeClr>
+          </a:lnRef>
+          <a:fillRef idx="1">
+            <a:schemeClr val="accent1"/>
+          </a:fillRef>
+          <a:effectRef idx="0">
+            <a:schemeClr val="accent1"/>
+          </a:effectRef>
+          <a:fontRef idx="minor">
+            <a:schemeClr val="lt1"/>
+          </a:fontRef>
+        </p:style>
+        <p:txBody>
+          <a:bodyPr rtlCol="0" anchor="ctr"/>
+          <a:lstStyle/>
+          <a:p>
+            <a:pPr algn="ctr"/>
+            <a:endParaRPr lang="en-US" dirty="0"/>
+          </a:p>
+        </p:txBody>
+      </p:sp>
+      <p:sp>
+        <p:nvSpPr>
+          <p:cNvPr id="8" name="Rectangle 7">
+            <a:extLst>
+              <a:ext uri="{FF2B5EF4-FFF2-40B4-BE49-F238E27FC236}">
+                <a16:creationId xmlns:a16="http://schemas.microsoft.com/office/drawing/2014/main" id="{088ED34E-5142-4A48-8F5B-3284EAEF9E42}"/>
+              </a:ext>
+            </a:extLst>
+          </p:cNvPr>
+          <p:cNvSpPr/>
+          <p:nvPr userDrawn="1"/>
+        </p:nvSpPr>
+        <p:spPr>
+          <a:xfrm>
+            <a:off x="11347704" y="0"/>
+            <a:ext cx="841248" cy="6400800"/>
+          </a:xfrm>
+          <a:prstGeom prst="rect">
+            <a:avLst/>
+          </a:prstGeom>
+          <a:solidFill>
+            <a:schemeClr val="bg1">
+              <a:lumMod val="85000"/>
+            </a:schemeClr>
+          </a:solidFill>
+          <a:ln>
+            <a:noFill/>
+          </a:ln>
+        </p:spPr>
+        <p:style>
+          <a:lnRef idx="2">
+            <a:schemeClr val="accent1">
+              <a:shade val="50000"/>
+            </a:schemeClr>
+          </a:lnRef>
+          <a:fillRef idx="1">
+            <a:schemeClr val="accent1"/>
+          </a:fillRef>
+          <a:effectRef idx="0">
+            <a:schemeClr val="accent1"/>
+          </a:effectRef>
+          <a:fontRef idx="minor">
+            <a:schemeClr val="lt1"/>
+          </a:fontRef>
+        </p:style>
+        <p:txBody>
+          <a:bodyPr rtlCol="0" anchor="ctr"/>
+          <a:lstStyle/>
+          <a:p>
+            <a:pPr algn="ctr"/>
+            <a:endParaRPr lang="en-US" dirty="0"/>
+          </a:p>
+        </p:txBody>
+      </p:sp>
+      <p:sp>
+        <p:nvSpPr>
+          <p:cNvPr id="9" name="Rectangle 8">
+            <a:extLst>
+              <a:ext uri="{FF2B5EF4-FFF2-40B4-BE49-F238E27FC236}">
+                <a16:creationId xmlns:a16="http://schemas.microsoft.com/office/drawing/2014/main" id="{714EC8D2-5D9D-4506-B3D8-1A05793591C6}"/>
+              </a:ext>
+            </a:extLst>
+          </p:cNvPr>
+          <p:cNvSpPr/>
+          <p:nvPr userDrawn="1"/>
+        </p:nvSpPr>
+        <p:spPr>
+          <a:xfrm>
+            <a:off x="0" y="0"/>
+            <a:ext cx="12188952" cy="1709928"/>
+          </a:xfrm>
+          <a:prstGeom prst="rect">
+            <a:avLst/>
+          </a:prstGeom>
+          <a:solidFill>
+            <a:schemeClr val="bg1">
+              <a:lumMod val="85000"/>
+            </a:schemeClr>
+          </a:solidFill>
+          <a:ln>
+            <a:noFill/>
+          </a:ln>
+        </p:spPr>
+        <p:style>
+          <a:lnRef idx="2">
+            <a:schemeClr val="accent1">
+              <a:shade val="50000"/>
+            </a:schemeClr>
+          </a:lnRef>
+          <a:fillRef idx="1">
+            <a:schemeClr val="accent1"/>
+          </a:fillRef>
+          <a:effectRef idx="0">
+            <a:schemeClr val="accent1"/>
+          </a:effectRef>
+          <a:fontRef idx="minor">
+            <a:schemeClr val="lt1"/>
+          </a:fontRef>
+        </p:style>
+        <p:txBody>
+          <a:bodyPr rtlCol="0" anchor="ctr"/>
+          <a:lstStyle/>
+          <a:p>
+            <a:pPr algn="ctr"/>
+            <a:endParaRPr lang="en-US" dirty="0"/>
+          </a:p>
+        </p:txBody>
+      </p:sp>
+      <p:sp>
+        <p:nvSpPr>
+          <p:cNvPr id="10" name="Rectangle 9">
+            <a:extLst>
+              <a:ext uri="{FF2B5EF4-FFF2-40B4-BE49-F238E27FC236}">
+                <a16:creationId xmlns:a16="http://schemas.microsoft.com/office/drawing/2014/main" id="{5897ABE9-2DF8-43AA-9621-A3A87A19CE9C}"/>
+              </a:ext>
+            </a:extLst>
+          </p:cNvPr>
+          <p:cNvSpPr/>
+          <p:nvPr userDrawn="1"/>
+        </p:nvSpPr>
+        <p:spPr>
+          <a:xfrm>
+            <a:off x="0" y="6089650"/>
+            <a:ext cx="12188952" cy="494030"/>
+          </a:xfrm>
+          <a:prstGeom prst="rect">
+            <a:avLst/>
+          </a:prstGeom>
+          <a:solidFill>
+            <a:schemeClr val="bg1">
+              <a:lumMod val="85000"/>
+            </a:schemeClr>
+          </a:solidFill>
+          <a:ln>
+            <a:noFill/>
+          </a:ln>
+        </p:spPr>
+        <p:style>
+          <a:lnRef idx="2">
+            <a:schemeClr val="accent1">
+              <a:shade val="50000"/>
+            </a:schemeClr>
+          </a:lnRef>
+          <a:fillRef idx="1">
+            <a:schemeClr val="accent1"/>
+          </a:fillRef>
+          <a:effectRef idx="0">
+            <a:schemeClr val="accent1"/>
+          </a:effectRef>
+          <a:fontRef idx="minor">
+            <a:schemeClr val="lt1"/>
+          </a:fontRef>
+        </p:style>
+        <p:txBody>
+          <a:bodyPr rtlCol="0" anchor="ctr"/>
+          <a:lstStyle/>
+          <a:p>
+            <a:pPr algn="ctr"/>
+            <a:endParaRPr lang="en-US" dirty="0"/>
+          </a:p>
+        </p:txBody>
+      </p:sp>
+    </p:spTree>
+    <p:extLst>
+      <p:ext uri="{BB962C8B-B14F-4D97-AF65-F5344CB8AC3E}">
+        <p14:creationId xmlns:p14="http://schemas.microsoft.com/office/powerpoint/2010/main" val="3257022513"/>
+      </p:ext>
+    </p:extLst>
+  </p:cSld>
+  <p:clrMapOvr>
+    <a:masterClrMapping/>
+  </p:clrMapOvr>
+</p:sldLayout>
+</file>
+
+<file path=ppt/slideLayouts/slideLayout20.xml><?xml version="1.0" encoding="utf-8"?>
+<p:sldLayout xmlns:a="http://schemas.openxmlformats.org/drawingml/2006/main" xmlns:r="http://schemas.openxmlformats.org/officeDocument/2006/relationships" xmlns:p="http://schemas.openxmlformats.org/presentationml/2006/main" type="secHead" preserve="1">
+  <p:cSld name="Section Header">
+    <p:spTree>
+      <p:nvGrpSpPr>
+        <p:cNvPr id="1" name=""/>
+        <p:cNvGrpSpPr/>
+        <p:nvPr/>
+      </p:nvGrpSpPr>
+      <p:grpSpPr>
+        <a:xfrm>
+          <a:off x="0" y="0"/>
+          <a:ext cx="0" cy="0"/>
+          <a:chOff x="0" y="0"/>
+          <a:chExt cx="0" cy="0"/>
+        </a:xfrm>
+      </p:grpSpPr>
+      <p:sp>
+        <p:nvSpPr>
+          <p:cNvPr id="2" name="Title 1">
+            <a:extLst>
+              <a:ext uri="{FF2B5EF4-FFF2-40B4-BE49-F238E27FC236}">
+                <a16:creationId xmlns:a16="http://schemas.microsoft.com/office/drawing/2014/main" id="{D1C24473-E22B-4738-84E9-D795A7C2B35E}"/>
+              </a:ext>
+            </a:extLst>
+          </p:cNvPr>
+          <p:cNvSpPr>
+            <a:spLocks noGrp="1"/>
+          </p:cNvSpPr>
+          <p:nvPr>
+            <p:ph type="title"/>
+          </p:nvPr>
+        </p:nvSpPr>
+        <p:spPr>
+          <a:xfrm>
+            <a:off x="831850" y="1709738"/>
+            <a:ext cx="10515600" cy="2852737"/>
+          </a:xfrm>
+        </p:spPr>
+        <p:txBody>
+          <a:bodyPr anchor="b"/>
+          <a:lstStyle>
+            <a:lvl1pPr>
+              <a:defRPr sz="6000"/>
+            </a:lvl1pPr>
+          </a:lstStyle>
+          <a:p>
+            <a:r>
+              <a:rPr lang="en-US"/>
+              <a:t>Click to edit Master title style</a:t>
+            </a:r>
+          </a:p>
+        </p:txBody>
+      </p:sp>
+      <p:sp>
+        <p:nvSpPr>
+          <p:cNvPr id="3" name="Text Placeholder 2">
+            <a:extLst>
+              <a:ext uri="{FF2B5EF4-FFF2-40B4-BE49-F238E27FC236}">
+                <a16:creationId xmlns:a16="http://schemas.microsoft.com/office/drawing/2014/main" id="{494209EC-14E8-428D-B76F-9288597E7025}"/>
+              </a:ext>
+            </a:extLst>
+          </p:cNvPr>
+          <p:cNvSpPr>
+            <a:spLocks noGrp="1"/>
+          </p:cNvSpPr>
+          <p:nvPr>
+            <p:ph type="body" idx="1"/>
+          </p:nvPr>
+        </p:nvSpPr>
+        <p:spPr>
+          <a:xfrm>
+            <a:off x="831850" y="4589463"/>
+            <a:ext cx="10515600" cy="1500187"/>
+          </a:xfrm>
+        </p:spPr>
+        <p:txBody>
+          <a:bodyPr/>
+          <a:lstStyle>
+            <a:lvl1pPr marL="0" indent="0">
+              <a:buNone/>
+              <a:defRPr sz="2400">
+                <a:solidFill>
+                  <a:schemeClr val="tx1">
+                    <a:tint val="75000"/>
+                  </a:schemeClr>
+                </a:solidFill>
+              </a:defRPr>
+            </a:lvl1pPr>
+            <a:lvl2pPr marL="457200" indent="0">
+              <a:buNone/>
+              <a:defRPr sz="2000">
+                <a:solidFill>
+                  <a:schemeClr val="tx1">
+                    <a:tint val="75000"/>
+                  </a:schemeClr>
+                </a:solidFill>
+              </a:defRPr>
+            </a:lvl2pPr>
+            <a:lvl3pPr marL="914400" indent="0">
+              <a:buNone/>
+              <a:defRPr sz="1800">
+                <a:solidFill>
+                  <a:schemeClr val="tx1">
+                    <a:tint val="75000"/>
+                  </a:schemeClr>
+                </a:solidFill>
+              </a:defRPr>
+            </a:lvl3pPr>
+            <a:lvl4pPr marL="1371600" indent="0">
+              <a:buNone/>
+              <a:defRPr sz="1600">
+                <a:solidFill>
+                  <a:schemeClr val="tx1">
+                    <a:tint val="75000"/>
+                  </a:schemeClr>
+                </a:solidFill>
+              </a:defRPr>
+            </a:lvl4pPr>
+            <a:lvl5pPr marL="1828800" indent="0">
+              <a:buNone/>
+              <a:defRPr sz="1600">
+                <a:solidFill>
+                  <a:schemeClr val="tx1">
+                    <a:tint val="75000"/>
+                  </a:schemeClr>
+                </a:solidFill>
+              </a:defRPr>
+            </a:lvl5pPr>
+            <a:lvl6pPr marL="2286000" indent="0">
+              <a:buNone/>
+              <a:defRPr sz="1600">
+                <a:solidFill>
+                  <a:schemeClr val="tx1">
+                    <a:tint val="75000"/>
+                  </a:schemeClr>
+                </a:solidFill>
+              </a:defRPr>
+            </a:lvl6pPr>
+            <a:lvl7pPr marL="2743200" indent="0">
+              <a:buNone/>
+              <a:defRPr sz="1600">
+                <a:solidFill>
+                  <a:schemeClr val="tx1">
+                    <a:tint val="75000"/>
+                  </a:schemeClr>
+                </a:solidFill>
+              </a:defRPr>
+            </a:lvl7pPr>
+            <a:lvl8pPr marL="3200400" indent="0">
+              <a:buNone/>
+              <a:defRPr sz="1600">
+                <a:solidFill>
+                  <a:schemeClr val="tx1">
+                    <a:tint val="75000"/>
+                  </a:schemeClr>
+                </a:solidFill>
+              </a:defRPr>
+            </a:lvl8pPr>
+            <a:lvl9pPr marL="3657600" indent="0">
+              <a:buNone/>
+              <a:defRPr sz="1600">
+                <a:solidFill>
+                  <a:schemeClr val="tx1">
+                    <a:tint val="75000"/>
+                  </a:schemeClr>
+                </a:solidFill>
+              </a:defRPr>
+            </a:lvl9pPr>
+          </a:lstStyle>
+          <a:p>
+            <a:pPr lvl="0"/>
+            <a:r>
+              <a:rPr lang="en-US"/>
+              <a:t>Click to edit Master text styles</a:t>
+            </a:r>
+          </a:p>
+        </p:txBody>
+      </p:sp>
+      <p:sp>
+        <p:nvSpPr>
+          <p:cNvPr id="4" name="Date Placeholder 3">
+            <a:extLst>
+              <a:ext uri="{FF2B5EF4-FFF2-40B4-BE49-F238E27FC236}">
+                <a16:creationId xmlns:a16="http://schemas.microsoft.com/office/drawing/2014/main" id="{11999B8A-D4E6-4EC3-9198-2E7DA53C1A3C}"/>
+              </a:ext>
+            </a:extLst>
+          </p:cNvPr>
+          <p:cNvSpPr>
+            <a:spLocks noGrp="1"/>
+          </p:cNvSpPr>
+          <p:nvPr>
+            <p:ph type="dt" sz="half" idx="10"/>
+          </p:nvPr>
+        </p:nvSpPr>
+        <p:spPr/>
+        <p:txBody>
+          <a:bodyPr/>
+          <a:lstStyle/>
+          <a:p>
+            <a:fld id="{C8CB1670-9DD0-459B-977E-B405486FFF41}" type="datetime1">
+              <a:rPr lang="en-US" smtClean="0"/>
+              <a:t>8/23/2023</a:t>
+            </a:fld>
+            <a:endParaRPr lang="en-US"/>
+          </a:p>
+        </p:txBody>
+      </p:sp>
+      <p:sp>
+        <p:nvSpPr>
+          <p:cNvPr id="5" name="Footer Placeholder 4">
+            <a:extLst>
+              <a:ext uri="{FF2B5EF4-FFF2-40B4-BE49-F238E27FC236}">
+                <a16:creationId xmlns:a16="http://schemas.microsoft.com/office/drawing/2014/main" id="{E3D36A66-E0E2-4906-B260-52C3A7724E8D}"/>
+              </a:ext>
+            </a:extLst>
+          </p:cNvPr>
+          <p:cNvSpPr>
+            <a:spLocks noGrp="1"/>
+          </p:cNvSpPr>
+          <p:nvPr>
+            <p:ph type="ftr" sz="quarter" idx="11"/>
+          </p:nvPr>
+        </p:nvSpPr>
+        <p:spPr/>
+        <p:txBody>
+          <a:bodyPr/>
+          <a:lstStyle/>
+          <a:p>
+            <a:endParaRPr lang="en-US"/>
+          </a:p>
+        </p:txBody>
+      </p:sp>
+      <p:sp>
+        <p:nvSpPr>
+          <p:cNvPr id="6" name="Slide Number Placeholder 5">
+            <a:extLst>
+              <a:ext uri="{FF2B5EF4-FFF2-40B4-BE49-F238E27FC236}">
+                <a16:creationId xmlns:a16="http://schemas.microsoft.com/office/drawing/2014/main" id="{B1058114-1B49-4B22-A972-97C85CAB01DF}"/>
+              </a:ext>
+            </a:extLst>
+          </p:cNvPr>
+          <p:cNvSpPr>
+            <a:spLocks noGrp="1"/>
+          </p:cNvSpPr>
+          <p:nvPr>
+            <p:ph type="sldNum" sz="quarter" idx="12"/>
+          </p:nvPr>
+        </p:nvSpPr>
+        <p:spPr/>
+        <p:txBody>
+          <a:bodyPr/>
+          <a:lstStyle/>
+          <a:p>
+            <a:r>
+              <a:rPr lang="en-US" altLang="zh-CN" dirty="0"/>
+              <a:t>Use macro for slide numbers</a:t>
+            </a:r>
+            <a:endParaRPr lang="en-US" dirty="0"/>
+          </a:p>
+        </p:txBody>
+      </p:sp>
+      <p:pic>
+        <p:nvPicPr>
+          <p:cNvPr id="7" name="Camera 6">
+            <a:extLst>
+              <a:ext uri="{FF2B5EF4-FFF2-40B4-BE49-F238E27FC236}">
+                <a16:creationId xmlns:a16="http://schemas.microsoft.com/office/drawing/2014/main" id="{55BCD405-B07D-A9B3-6093-C347CE45C3C5}"/>
+              </a:ext>
+            </a:extLst>
+          </p:cNvPr>
+          <p:cNvPicPr>
+            <a:picLocks noChangeAspect="1"/>
+            <a:extLst>
+              <a:ext uri="{51228E76-BA90-4043-B771-695A4F85340A}">
+                <alf:liveFeedProps xmlns:alf="http://schemas.microsoft.com/office/drawing/2021/livefeed"/>
+              </a:ext>
+            </a:extLst>
+          </p:cNvPicPr>
+          <p:nvPr userDrawn="1"/>
+        </p:nvPicPr>
+        <p:blipFill>
+          <a:blip r:embed="rId2">
+            <a:extLst>
+              <a:ext uri="{96DAC541-7B7A-43D3-8B79-37D633B846F1}">
+                <asvg:svgBlip xmlns:asvg="http://schemas.microsoft.com/office/drawing/2016/SVG/main" r:embed="rId3"/>
+              </a:ext>
+            </a:extLst>
+          </a:blip>
+          <a:stretch>
+            <a:fillRect/>
+          </a:stretch>
+        </p:blipFill>
+        <p:spPr>
+          <a:xfrm>
+            <a:off x="10143744" y="0"/>
+            <a:ext cx="2048256" cy="1152144"/>
+          </a:xfrm>
+          <a:prstGeom prst="rect">
+            <a:avLst/>
+          </a:prstGeom>
+          <a:ln>
+            <a:noFill/>
+          </a:ln>
+          <a:effectLst/>
+        </p:spPr>
+      </p:pic>
+    </p:spTree>
+    <p:extLst>
+      <p:ext uri="{BB962C8B-B14F-4D97-AF65-F5344CB8AC3E}">
+        <p14:creationId xmlns:p14="http://schemas.microsoft.com/office/powerpoint/2010/main" val="4182473690"/>
+      </p:ext>
+    </p:extLst>
+  </p:cSld>
+  <p:clrMapOvr>
+    <a:masterClrMapping/>
+  </p:clrMapOvr>
+</p:sldLayout>
+</file>
+
+<file path=ppt/slideLayouts/slideLayout21.xml><?xml version="1.0" encoding="utf-8"?>
+<p:sldLayout xmlns:a="http://schemas.openxmlformats.org/drawingml/2006/main" xmlns:r="http://schemas.openxmlformats.org/officeDocument/2006/relationships" xmlns:p="http://schemas.openxmlformats.org/presentationml/2006/main" preserve="1" userDrawn="1">
+  <p:cSld name="Ink Title Only">
+    <p:spTree>
+      <p:nvGrpSpPr>
+        <p:cNvPr id="1" name=""/>
+        <p:cNvGrpSpPr/>
+        <p:nvPr/>
+      </p:nvGrpSpPr>
+      <p:grpSpPr>
+        <a:xfrm>
+          <a:off x="0" y="0"/>
+          <a:ext cx="0" cy="0"/>
+          <a:chOff x="0" y="0"/>
+          <a:chExt cx="0" cy="0"/>
+        </a:xfrm>
+      </p:grpSpPr>
+      <p:sp>
+        <p:nvSpPr>
+          <p:cNvPr id="3" name="Date Placeholder 2">
+            <a:extLst>
+              <a:ext uri="{FF2B5EF4-FFF2-40B4-BE49-F238E27FC236}">
+                <a16:creationId xmlns:a16="http://schemas.microsoft.com/office/drawing/2014/main" id="{2230F81C-3038-4574-9254-560E7017D983}"/>
+              </a:ext>
+            </a:extLst>
+          </p:cNvPr>
+          <p:cNvSpPr>
+            <a:spLocks noGrp="1"/>
+          </p:cNvSpPr>
+          <p:nvPr>
+            <p:ph type="dt" sz="half" idx="10"/>
+          </p:nvPr>
+        </p:nvSpPr>
+        <p:spPr/>
+        <p:txBody>
+          <a:bodyPr/>
+          <a:lstStyle/>
+          <a:p>
+            <a:fld id="{D83046E4-BD1F-46AE-B11D-82FA519AC7FB}" type="datetime1">
+              <a:rPr lang="en-US" smtClean="0"/>
+              <a:t>8/23/2023</a:t>
+            </a:fld>
+            <a:endParaRPr lang="en-US"/>
+          </a:p>
+        </p:txBody>
+      </p:sp>
+      <p:sp>
+        <p:nvSpPr>
+          <p:cNvPr id="4" name="Footer Placeholder 3">
+            <a:extLst>
+              <a:ext uri="{FF2B5EF4-FFF2-40B4-BE49-F238E27FC236}">
+                <a16:creationId xmlns:a16="http://schemas.microsoft.com/office/drawing/2014/main" id="{4DFCA42B-1094-4E4F-9D87-05E02057BC4E}"/>
+              </a:ext>
+            </a:extLst>
+          </p:cNvPr>
+          <p:cNvSpPr>
+            <a:spLocks noGrp="1"/>
+          </p:cNvSpPr>
+          <p:nvPr>
+            <p:ph type="ftr" sz="quarter" idx="11"/>
+          </p:nvPr>
+        </p:nvSpPr>
+        <p:spPr/>
+        <p:txBody>
+          <a:bodyPr/>
+          <a:lstStyle/>
+          <a:p>
+            <a:endParaRPr lang="en-US"/>
+          </a:p>
+        </p:txBody>
+      </p:sp>
+      <p:sp>
+        <p:nvSpPr>
+          <p:cNvPr id="5" name="Slide Number Placeholder 4">
+            <a:extLst>
+              <a:ext uri="{FF2B5EF4-FFF2-40B4-BE49-F238E27FC236}">
+                <a16:creationId xmlns:a16="http://schemas.microsoft.com/office/drawing/2014/main" id="{3006A1EA-16F2-4878-A658-660470A02874}"/>
+              </a:ext>
+            </a:extLst>
+          </p:cNvPr>
+          <p:cNvSpPr>
+            <a:spLocks noGrp="1"/>
+          </p:cNvSpPr>
+          <p:nvPr>
+            <p:ph type="sldNum" sz="quarter" idx="12"/>
+          </p:nvPr>
+        </p:nvSpPr>
+        <p:spPr/>
+        <p:txBody>
+          <a:bodyPr/>
+          <a:lstStyle/>
+          <a:p>
+            <a:r>
+              <a:rPr lang="en-US" altLang="zh-CN" dirty="0"/>
+              <a:t>Use macro for slide numbers</a:t>
+            </a:r>
+            <a:endParaRPr lang="en-US" dirty="0"/>
+          </a:p>
+        </p:txBody>
+      </p:sp>
+      <p:sp>
+        <p:nvSpPr>
+          <p:cNvPr id="6" name="Rectangle 5">
+            <a:extLst>
+              <a:ext uri="{FF2B5EF4-FFF2-40B4-BE49-F238E27FC236}">
+                <a16:creationId xmlns:a16="http://schemas.microsoft.com/office/drawing/2014/main" id="{7729A037-6059-4CE8-AA52-8350F80CE04A}"/>
+              </a:ext>
+            </a:extLst>
+          </p:cNvPr>
+          <p:cNvSpPr/>
+          <p:nvPr userDrawn="1"/>
+        </p:nvSpPr>
+        <p:spPr>
+          <a:xfrm>
+            <a:off x="0" y="0"/>
+            <a:ext cx="365760" cy="6858000"/>
+          </a:xfrm>
+          <a:prstGeom prst="rect">
+            <a:avLst/>
+          </a:prstGeom>
+          <a:solidFill>
+            <a:srgbClr val="FF0000"/>
+          </a:solidFill>
+          <a:ln>
+            <a:noFill/>
+          </a:ln>
+        </p:spPr>
+        <p:style>
+          <a:lnRef idx="2">
+            <a:schemeClr val="accent1">
+              <a:shade val="50000"/>
+            </a:schemeClr>
+          </a:lnRef>
+          <a:fillRef idx="1">
+            <a:schemeClr val="accent1"/>
+          </a:fillRef>
+          <a:effectRef idx="0">
+            <a:schemeClr val="accent1"/>
+          </a:effectRef>
+          <a:fontRef idx="minor">
+            <a:schemeClr val="lt1"/>
+          </a:fontRef>
+        </p:style>
+        <p:txBody>
+          <a:bodyPr rtlCol="0" anchor="ctr"/>
+          <a:lstStyle/>
+          <a:p>
+            <a:pPr algn="ctr"/>
+            <a:endParaRPr lang="en-US" dirty="0">
+              <a:solidFill>
+                <a:schemeClr val="bg1"/>
+              </a:solidFill>
+            </a:endParaRPr>
+          </a:p>
+        </p:txBody>
+      </p:sp>
+      <p:sp>
+        <p:nvSpPr>
+          <p:cNvPr id="7" name="Rectangle 6">
+            <a:extLst>
+              <a:ext uri="{FF2B5EF4-FFF2-40B4-BE49-F238E27FC236}">
+                <a16:creationId xmlns:a16="http://schemas.microsoft.com/office/drawing/2014/main" id="{9A3F7691-78B2-48BD-8A6F-3F75E8AD77A4}"/>
+              </a:ext>
+            </a:extLst>
+          </p:cNvPr>
+          <p:cNvSpPr/>
+          <p:nvPr userDrawn="1"/>
+        </p:nvSpPr>
+        <p:spPr>
+          <a:xfrm>
+            <a:off x="11823192" y="0"/>
+            <a:ext cx="365760" cy="6858000"/>
+          </a:xfrm>
+          <a:prstGeom prst="rect">
+            <a:avLst/>
+          </a:prstGeom>
+          <a:solidFill>
+            <a:srgbClr val="FF0000"/>
+          </a:solidFill>
+          <a:ln>
+            <a:noFill/>
+          </a:ln>
+        </p:spPr>
+        <p:style>
+          <a:lnRef idx="2">
+            <a:schemeClr val="accent1">
+              <a:shade val="50000"/>
+            </a:schemeClr>
+          </a:lnRef>
+          <a:fillRef idx="1">
+            <a:schemeClr val="accent1"/>
+          </a:fillRef>
+          <a:effectRef idx="0">
+            <a:schemeClr val="accent1"/>
+          </a:effectRef>
+          <a:fontRef idx="minor">
+            <a:schemeClr val="lt1"/>
+          </a:fontRef>
+        </p:style>
+        <p:txBody>
+          <a:bodyPr rtlCol="0" anchor="ctr"/>
+          <a:lstStyle/>
+          <a:p>
+            <a:pPr algn="ctr"/>
+            <a:endParaRPr lang="en-US" dirty="0">
+              <a:solidFill>
+                <a:schemeClr val="bg1"/>
+              </a:solidFill>
+            </a:endParaRPr>
+          </a:p>
+        </p:txBody>
+      </p:sp>
+      <p:sp>
+        <p:nvSpPr>
+          <p:cNvPr id="8" name="Rectangle 7">
+            <a:extLst>
+              <a:ext uri="{FF2B5EF4-FFF2-40B4-BE49-F238E27FC236}">
+                <a16:creationId xmlns:a16="http://schemas.microsoft.com/office/drawing/2014/main" id="{29DD7FBC-7BAB-4918-BF54-B8EBAFD9CD55}"/>
+              </a:ext>
+            </a:extLst>
+          </p:cNvPr>
+          <p:cNvSpPr/>
+          <p:nvPr userDrawn="1"/>
+        </p:nvSpPr>
+        <p:spPr>
+          <a:xfrm>
+            <a:off x="0" y="0"/>
+            <a:ext cx="12188952" cy="274320"/>
+          </a:xfrm>
+          <a:prstGeom prst="rect">
+            <a:avLst/>
+          </a:prstGeom>
+          <a:solidFill>
+            <a:srgbClr val="FF0000"/>
+          </a:solidFill>
+          <a:ln>
+            <a:noFill/>
+          </a:ln>
+        </p:spPr>
+        <p:style>
+          <a:lnRef idx="2">
+            <a:schemeClr val="accent1">
+              <a:shade val="50000"/>
+            </a:schemeClr>
+          </a:lnRef>
+          <a:fillRef idx="1">
+            <a:schemeClr val="accent1"/>
+          </a:fillRef>
+          <a:effectRef idx="0">
+            <a:schemeClr val="accent1"/>
+          </a:effectRef>
+          <a:fontRef idx="minor">
+            <a:schemeClr val="lt1"/>
+          </a:fontRef>
+        </p:style>
+        <p:txBody>
+          <a:bodyPr rtlCol="0" anchor="ctr"/>
+          <a:lstStyle/>
+          <a:p>
+            <a:pPr algn="ctr"/>
+            <a:r>
+              <a:rPr lang="en-US" i="1" dirty="0">
+                <a:solidFill>
+                  <a:schemeClr val="bg1"/>
+                </a:solidFill>
+              </a:rPr>
+              <a:t>This layout is “Ink Title Only”. Use “Title Only” for non-draft slides.</a:t>
+            </a:r>
+          </a:p>
+        </p:txBody>
+      </p:sp>
+      <p:sp>
+        <p:nvSpPr>
+          <p:cNvPr id="9" name="Rectangle 8">
+            <a:extLst>
+              <a:ext uri="{FF2B5EF4-FFF2-40B4-BE49-F238E27FC236}">
+                <a16:creationId xmlns:a16="http://schemas.microsoft.com/office/drawing/2014/main" id="{FCE33D18-58AE-4B01-BF6D-FAB091124370}"/>
+              </a:ext>
+            </a:extLst>
+          </p:cNvPr>
+          <p:cNvSpPr/>
+          <p:nvPr userDrawn="1"/>
+        </p:nvSpPr>
+        <p:spPr>
+          <a:xfrm>
+            <a:off x="0" y="6400800"/>
+            <a:ext cx="12188952" cy="182880"/>
+          </a:xfrm>
+          <a:prstGeom prst="rect">
+            <a:avLst/>
+          </a:prstGeom>
+          <a:solidFill>
+            <a:srgbClr val="FF0000"/>
+          </a:solidFill>
+          <a:ln>
+            <a:noFill/>
+          </a:ln>
+        </p:spPr>
+        <p:style>
+          <a:lnRef idx="2">
+            <a:schemeClr val="accent1">
+              <a:shade val="50000"/>
+            </a:schemeClr>
+          </a:lnRef>
+          <a:fillRef idx="1">
+            <a:schemeClr val="accent1"/>
+          </a:fillRef>
+          <a:effectRef idx="0">
+            <a:schemeClr val="accent1"/>
+          </a:effectRef>
+          <a:fontRef idx="minor">
+            <a:schemeClr val="lt1"/>
+          </a:fontRef>
+        </p:style>
+        <p:txBody>
+          <a:bodyPr rtlCol="0" anchor="ctr"/>
+          <a:lstStyle/>
+          <a:p>
+            <a:pPr algn="ctr"/>
+            <a:endParaRPr lang="en-US" dirty="0">
+              <a:solidFill>
+                <a:schemeClr val="bg1"/>
+              </a:solidFill>
+            </a:endParaRPr>
+          </a:p>
+        </p:txBody>
+      </p:sp>
+      <p:sp>
+        <p:nvSpPr>
+          <p:cNvPr id="2" name="Rectangle 1">
+            <a:extLst>
+              <a:ext uri="{FF2B5EF4-FFF2-40B4-BE49-F238E27FC236}">
+                <a16:creationId xmlns:a16="http://schemas.microsoft.com/office/drawing/2014/main" id="{387B9DD9-FA79-4E5C-8111-FED366D11BE4}"/>
+              </a:ext>
+            </a:extLst>
+          </p:cNvPr>
+          <p:cNvSpPr/>
+          <p:nvPr userDrawn="1"/>
+        </p:nvSpPr>
+        <p:spPr>
+          <a:xfrm>
+            <a:off x="0" y="822960"/>
+            <a:ext cx="12188952" cy="182880"/>
+          </a:xfrm>
+          <a:prstGeom prst="rect">
+            <a:avLst/>
+          </a:prstGeom>
+          <a:solidFill>
+            <a:srgbClr val="FF0000"/>
+          </a:solidFill>
+          <a:ln>
+            <a:noFill/>
+          </a:ln>
+        </p:spPr>
+        <p:style>
+          <a:lnRef idx="2">
+            <a:schemeClr val="accent1">
+              <a:shade val="50000"/>
+            </a:schemeClr>
+          </a:lnRef>
+          <a:fillRef idx="1">
+            <a:schemeClr val="accent1"/>
+          </a:fillRef>
+          <a:effectRef idx="0">
+            <a:schemeClr val="accent1"/>
+          </a:effectRef>
+          <a:fontRef idx="minor">
+            <a:schemeClr val="lt1"/>
+          </a:fontRef>
+        </p:style>
+        <p:txBody>
+          <a:bodyPr rtlCol="0" anchor="ctr"/>
+          <a:lstStyle/>
+          <a:p>
+            <a:pPr algn="ctr"/>
+            <a:endParaRPr lang="en-US" dirty="0">
+              <a:solidFill>
+                <a:schemeClr val="bg1"/>
+              </a:solidFill>
+            </a:endParaRPr>
+          </a:p>
+        </p:txBody>
+      </p:sp>
+      <p:pic>
+        <p:nvPicPr>
+          <p:cNvPr id="10" name="Camera 9">
+            <a:extLst>
+              <a:ext uri="{FF2B5EF4-FFF2-40B4-BE49-F238E27FC236}">
+                <a16:creationId xmlns:a16="http://schemas.microsoft.com/office/drawing/2014/main" id="{E2C9FB00-9014-A182-8118-DBC6F8E6B58E}"/>
+              </a:ext>
+            </a:extLst>
+          </p:cNvPr>
+          <p:cNvPicPr>
+            <a:picLocks noChangeAspect="1"/>
+            <a:extLst>
+              <a:ext uri="{51228E76-BA90-4043-B771-695A4F85340A}">
+                <alf:liveFeedProps xmlns:alf="http://schemas.microsoft.com/office/drawing/2021/livefeed"/>
+              </a:ext>
+            </a:extLst>
+          </p:cNvPicPr>
+          <p:nvPr userDrawn="1"/>
+        </p:nvPicPr>
+        <p:blipFill>
+          <a:blip r:embed="rId2">
+            <a:extLst>
+              <a:ext uri="{96DAC541-7B7A-43D3-8B79-37D633B846F1}">
+                <asvg:svgBlip xmlns:asvg="http://schemas.microsoft.com/office/drawing/2016/SVG/main" r:embed="rId3"/>
+              </a:ext>
+            </a:extLst>
+          </a:blip>
+          <a:stretch>
+            <a:fillRect/>
+          </a:stretch>
+        </p:blipFill>
+        <p:spPr>
+          <a:xfrm>
+            <a:off x="10143744" y="0"/>
+            <a:ext cx="2048256" cy="1152144"/>
+          </a:xfrm>
+          <a:prstGeom prst="rect">
+            <a:avLst/>
+          </a:prstGeom>
+          <a:ln>
+            <a:noFill/>
+          </a:ln>
+          <a:effectLst/>
+        </p:spPr>
+      </p:pic>
+    </p:spTree>
+    <p:extLst>
+      <p:ext uri="{BB962C8B-B14F-4D97-AF65-F5344CB8AC3E}">
+        <p14:creationId xmlns:p14="http://schemas.microsoft.com/office/powerpoint/2010/main" val="2368941689"/>
+      </p:ext>
+    </p:extLst>
+  </p:cSld>
+  <p:clrMapOvr>
+    <a:masterClrMapping/>
+  </p:clrMapOvr>
+</p:sldLayout>
+</file>
+
+<file path=ppt/slideLayouts/slideLayout22.xml><?xml version="1.0" encoding="utf-8"?>
+<p:sldLayout xmlns:a="http://schemas.openxmlformats.org/drawingml/2006/main" xmlns:r="http://schemas.openxmlformats.org/officeDocument/2006/relationships" xmlns:p="http://schemas.openxmlformats.org/presentationml/2006/main" type="titleOnly" preserve="1">
+  <p:cSld name="Title Only">
+    <p:spTree>
+      <p:nvGrpSpPr>
+        <p:cNvPr id="1" name=""/>
+        <p:cNvGrpSpPr/>
+        <p:nvPr/>
+      </p:nvGrpSpPr>
+      <p:grpSpPr>
+        <a:xfrm>
+          <a:off x="0" y="0"/>
+          <a:ext cx="0" cy="0"/>
+          <a:chOff x="0" y="0"/>
+          <a:chExt cx="0" cy="0"/>
+        </a:xfrm>
+      </p:grpSpPr>
+      <p:sp>
+        <p:nvSpPr>
+          <p:cNvPr id="2" name="Title 1">
+            <a:extLst>
+              <a:ext uri="{FF2B5EF4-FFF2-40B4-BE49-F238E27FC236}">
+                <a16:creationId xmlns:a16="http://schemas.microsoft.com/office/drawing/2014/main" id="{4FA4ABE6-0596-4FA3-AE63-51DA2452CE7F}"/>
+              </a:ext>
+            </a:extLst>
+          </p:cNvPr>
+          <p:cNvSpPr>
+            <a:spLocks noGrp="1"/>
+          </p:cNvSpPr>
+          <p:nvPr>
+            <p:ph type="title"/>
+          </p:nvPr>
+        </p:nvSpPr>
+        <p:spPr>
+          <a:xfrm>
+            <a:off x="365760" y="182880"/>
+            <a:ext cx="11457432" cy="731520"/>
+          </a:xfrm>
+        </p:spPr>
+        <p:txBody>
+          <a:bodyPr/>
+          <a:lstStyle>
+            <a:lvl1pPr>
+              <a:defRPr sz="4400"/>
+            </a:lvl1pPr>
+          </a:lstStyle>
+          <a:p>
+            <a:r>
+              <a:rPr lang="en-US"/>
+              <a:t>Click to edit Master title style</a:t>
+            </a:r>
+            <a:endParaRPr lang="en-US" dirty="0"/>
+          </a:p>
+        </p:txBody>
+      </p:sp>
+      <p:sp>
+        <p:nvSpPr>
+          <p:cNvPr id="3" name="Date Placeholder 2">
+            <a:extLst>
+              <a:ext uri="{FF2B5EF4-FFF2-40B4-BE49-F238E27FC236}">
+                <a16:creationId xmlns:a16="http://schemas.microsoft.com/office/drawing/2014/main" id="{2230F81C-3038-4574-9254-560E7017D983}"/>
+              </a:ext>
+            </a:extLst>
+          </p:cNvPr>
+          <p:cNvSpPr>
+            <a:spLocks noGrp="1"/>
+          </p:cNvSpPr>
+          <p:nvPr>
+            <p:ph type="dt" sz="half" idx="10"/>
+          </p:nvPr>
+        </p:nvSpPr>
+        <p:spPr/>
+        <p:txBody>
+          <a:bodyPr/>
+          <a:lstStyle/>
+          <a:p>
+            <a:fld id="{F830ACF9-5D1D-4DBF-ABEA-93C42033C8AC}" type="datetime1">
+              <a:rPr lang="en-US" smtClean="0"/>
+              <a:t>8/23/2023</a:t>
+            </a:fld>
+            <a:endParaRPr lang="en-US"/>
+          </a:p>
+        </p:txBody>
+      </p:sp>
+      <p:sp>
+        <p:nvSpPr>
+          <p:cNvPr id="4" name="Footer Placeholder 3">
+            <a:extLst>
+              <a:ext uri="{FF2B5EF4-FFF2-40B4-BE49-F238E27FC236}">
+                <a16:creationId xmlns:a16="http://schemas.microsoft.com/office/drawing/2014/main" id="{4DFCA42B-1094-4E4F-9D87-05E02057BC4E}"/>
+              </a:ext>
+            </a:extLst>
+          </p:cNvPr>
+          <p:cNvSpPr>
+            <a:spLocks noGrp="1"/>
+          </p:cNvSpPr>
+          <p:nvPr>
+            <p:ph type="ftr" sz="quarter" idx="11"/>
+          </p:nvPr>
+        </p:nvSpPr>
+        <p:spPr/>
+        <p:txBody>
+          <a:bodyPr/>
+          <a:lstStyle/>
+          <a:p>
+            <a:endParaRPr lang="en-US"/>
+          </a:p>
+        </p:txBody>
+      </p:sp>
+      <p:sp>
+        <p:nvSpPr>
+          <p:cNvPr id="5" name="Slide Number Placeholder 4">
+            <a:extLst>
+              <a:ext uri="{FF2B5EF4-FFF2-40B4-BE49-F238E27FC236}">
+                <a16:creationId xmlns:a16="http://schemas.microsoft.com/office/drawing/2014/main" id="{3006A1EA-16F2-4878-A658-660470A02874}"/>
+              </a:ext>
+            </a:extLst>
+          </p:cNvPr>
+          <p:cNvSpPr>
+            <a:spLocks noGrp="1"/>
+          </p:cNvSpPr>
+          <p:nvPr>
+            <p:ph type="sldNum" sz="quarter" idx="12"/>
+          </p:nvPr>
+        </p:nvSpPr>
+        <p:spPr/>
+        <p:txBody>
+          <a:bodyPr/>
+          <a:lstStyle/>
+          <a:p>
+            <a:r>
+              <a:rPr lang="en-US" altLang="zh-CN" dirty="0"/>
+              <a:t>Use macro for slide numbers</a:t>
+            </a:r>
+            <a:endParaRPr lang="en-US" dirty="0"/>
+          </a:p>
+        </p:txBody>
+      </p:sp>
+      <p:pic>
+        <p:nvPicPr>
+          <p:cNvPr id="6" name="Camera 5">
+            <a:extLst>
+              <a:ext uri="{FF2B5EF4-FFF2-40B4-BE49-F238E27FC236}">
+                <a16:creationId xmlns:a16="http://schemas.microsoft.com/office/drawing/2014/main" id="{43B1F615-B513-0DE5-43E1-B8BDCCF91E89}"/>
+              </a:ext>
+            </a:extLst>
+          </p:cNvPr>
+          <p:cNvPicPr>
+            <a:picLocks noChangeAspect="1"/>
+            <a:extLst>
+              <a:ext uri="{51228E76-BA90-4043-B771-695A4F85340A}">
+                <alf:liveFeedProps xmlns:alf="http://schemas.microsoft.com/office/drawing/2021/livefeed"/>
+              </a:ext>
+            </a:extLst>
+          </p:cNvPicPr>
+          <p:nvPr userDrawn="1"/>
+        </p:nvPicPr>
+        <p:blipFill>
+          <a:blip r:embed="rId2">
+            <a:extLst>
+              <a:ext uri="{96DAC541-7B7A-43D3-8B79-37D633B846F1}">
+                <asvg:svgBlip xmlns:asvg="http://schemas.microsoft.com/office/drawing/2016/SVG/main" r:embed="rId3"/>
+              </a:ext>
+            </a:extLst>
+          </a:blip>
+          <a:stretch>
+            <a:fillRect/>
+          </a:stretch>
+        </p:blipFill>
+        <p:spPr>
+          <a:xfrm>
+            <a:off x="10143744" y="0"/>
+            <a:ext cx="2048256" cy="1152144"/>
+          </a:xfrm>
+          <a:prstGeom prst="rect">
+            <a:avLst/>
+          </a:prstGeom>
+          <a:ln>
+            <a:noFill/>
+          </a:ln>
+          <a:effectLst/>
+        </p:spPr>
+      </p:pic>
+    </p:spTree>
+    <p:extLst>
+      <p:ext uri="{BB962C8B-B14F-4D97-AF65-F5344CB8AC3E}">
+        <p14:creationId xmlns:p14="http://schemas.microsoft.com/office/powerpoint/2010/main" val="439412209"/>
+      </p:ext>
+    </p:extLst>
+  </p:cSld>
+  <p:clrMapOvr>
+    <a:masterClrMapping/>
+  </p:clrMapOvr>
+</p:sldLayout>
+</file>
+
+<file path=ppt/slideLayouts/slideLayout23.xml><?xml version="1.0" encoding="utf-8"?>
+<p:sldLayout xmlns:a="http://schemas.openxmlformats.org/drawingml/2006/main" xmlns:r="http://schemas.openxmlformats.org/officeDocument/2006/relationships" xmlns:p="http://schemas.openxmlformats.org/presentationml/2006/main" type="blank" preserve="1">
+  <p:cSld name="Ink Blank">
+    <p:spTree>
+      <p:nvGrpSpPr>
+        <p:cNvPr id="1" name=""/>
+        <p:cNvGrpSpPr/>
+        <p:nvPr/>
+      </p:nvGrpSpPr>
+      <p:grpSpPr>
+        <a:xfrm>
+          <a:off x="0" y="0"/>
+          <a:ext cx="0" cy="0"/>
+          <a:chOff x="0" y="0"/>
+          <a:chExt cx="0" cy="0"/>
+        </a:xfrm>
+      </p:grpSpPr>
+      <p:sp>
+        <p:nvSpPr>
+          <p:cNvPr id="2" name="Date Placeholder 1">
+            <a:extLst>
+              <a:ext uri="{FF2B5EF4-FFF2-40B4-BE49-F238E27FC236}">
+                <a16:creationId xmlns:a16="http://schemas.microsoft.com/office/drawing/2014/main" id="{DB20D2F5-42B6-4E6C-A06D-559DDA1712C4}"/>
+              </a:ext>
+            </a:extLst>
+          </p:cNvPr>
+          <p:cNvSpPr>
+            <a:spLocks noGrp="1"/>
+          </p:cNvSpPr>
+          <p:nvPr>
+            <p:ph type="dt" sz="half" idx="10"/>
+          </p:nvPr>
+        </p:nvSpPr>
+        <p:spPr/>
+        <p:txBody>
+          <a:bodyPr/>
+          <a:lstStyle/>
+          <a:p>
+            <a:fld id="{345D3C59-926E-44D2-B63C-57B70178FAAA}" type="datetime1">
+              <a:rPr lang="en-US" smtClean="0"/>
+              <a:t>8/23/2023</a:t>
+            </a:fld>
+            <a:endParaRPr lang="en-US"/>
+          </a:p>
+        </p:txBody>
+      </p:sp>
+      <p:sp>
+        <p:nvSpPr>
+          <p:cNvPr id="3" name="Footer Placeholder 2">
+            <a:extLst>
+              <a:ext uri="{FF2B5EF4-FFF2-40B4-BE49-F238E27FC236}">
+                <a16:creationId xmlns:a16="http://schemas.microsoft.com/office/drawing/2014/main" id="{9815E2BF-4647-4E69-94C1-555CF168C870}"/>
+              </a:ext>
+            </a:extLst>
+          </p:cNvPr>
+          <p:cNvSpPr>
+            <a:spLocks noGrp="1"/>
+          </p:cNvSpPr>
+          <p:nvPr>
+            <p:ph type="ftr" sz="quarter" idx="11"/>
+          </p:nvPr>
+        </p:nvSpPr>
+        <p:spPr/>
+        <p:txBody>
+          <a:bodyPr/>
+          <a:lstStyle/>
+          <a:p>
+            <a:endParaRPr lang="en-US"/>
+          </a:p>
+        </p:txBody>
+      </p:sp>
+      <p:sp>
+        <p:nvSpPr>
+          <p:cNvPr id="4" name="Slide Number Placeholder 3">
+            <a:extLst>
+              <a:ext uri="{FF2B5EF4-FFF2-40B4-BE49-F238E27FC236}">
+                <a16:creationId xmlns:a16="http://schemas.microsoft.com/office/drawing/2014/main" id="{2D9B1EE9-1A51-466E-A9B5-A5F0B6683D2B}"/>
+              </a:ext>
+            </a:extLst>
+          </p:cNvPr>
+          <p:cNvSpPr>
+            <a:spLocks noGrp="1"/>
+          </p:cNvSpPr>
+          <p:nvPr>
+            <p:ph type="sldNum" sz="quarter" idx="12"/>
+          </p:nvPr>
+        </p:nvSpPr>
+        <p:spPr/>
+        <p:txBody>
+          <a:bodyPr/>
+          <a:lstStyle/>
+          <a:p>
+            <a:r>
+              <a:rPr lang="en-US" altLang="zh-CN" dirty="0"/>
+              <a:t>Use macro for slide numbers</a:t>
+            </a:r>
+            <a:endParaRPr lang="en-US" dirty="0"/>
+          </a:p>
+        </p:txBody>
+      </p:sp>
+      <p:sp>
+        <p:nvSpPr>
+          <p:cNvPr id="5" name="Rectangle 4">
+            <a:extLst>
+              <a:ext uri="{FF2B5EF4-FFF2-40B4-BE49-F238E27FC236}">
+                <a16:creationId xmlns:a16="http://schemas.microsoft.com/office/drawing/2014/main" id="{99A8D170-E73F-4DEA-92ED-F9015A1DBA6F}"/>
+              </a:ext>
+            </a:extLst>
+          </p:cNvPr>
+          <p:cNvSpPr/>
+          <p:nvPr userDrawn="1"/>
+        </p:nvSpPr>
+        <p:spPr>
+          <a:xfrm>
+            <a:off x="0" y="0"/>
+            <a:ext cx="365760" cy="6858000"/>
+          </a:xfrm>
+          <a:prstGeom prst="rect">
+            <a:avLst/>
+          </a:prstGeom>
+          <a:solidFill>
+            <a:srgbClr val="FF0000"/>
+          </a:solidFill>
+          <a:ln>
+            <a:noFill/>
+          </a:ln>
+        </p:spPr>
+        <p:style>
+          <a:lnRef idx="2">
+            <a:schemeClr val="accent1">
+              <a:shade val="50000"/>
+            </a:schemeClr>
+          </a:lnRef>
+          <a:fillRef idx="1">
+            <a:schemeClr val="accent1"/>
+          </a:fillRef>
+          <a:effectRef idx="0">
+            <a:schemeClr val="accent1"/>
+          </a:effectRef>
+          <a:fontRef idx="minor">
+            <a:schemeClr val="lt1"/>
+          </a:fontRef>
+        </p:style>
+        <p:txBody>
+          <a:bodyPr rtlCol="0" anchor="ctr"/>
+          <a:lstStyle/>
+          <a:p>
+            <a:pPr algn="ctr"/>
+            <a:endParaRPr lang="en-US" dirty="0">
+              <a:solidFill>
+                <a:schemeClr val="bg1"/>
+              </a:solidFill>
+            </a:endParaRPr>
+          </a:p>
+        </p:txBody>
+      </p:sp>
+      <p:sp>
+        <p:nvSpPr>
+          <p:cNvPr id="6" name="Rectangle 5">
+            <a:extLst>
+              <a:ext uri="{FF2B5EF4-FFF2-40B4-BE49-F238E27FC236}">
+                <a16:creationId xmlns:a16="http://schemas.microsoft.com/office/drawing/2014/main" id="{F97FC346-0E37-488B-A67A-40813A55CC5A}"/>
+              </a:ext>
+            </a:extLst>
+          </p:cNvPr>
+          <p:cNvSpPr/>
+          <p:nvPr userDrawn="1"/>
+        </p:nvSpPr>
+        <p:spPr>
+          <a:xfrm>
+            <a:off x="11823192" y="0"/>
+            <a:ext cx="365760" cy="6858000"/>
+          </a:xfrm>
+          <a:prstGeom prst="rect">
+            <a:avLst/>
+          </a:prstGeom>
+          <a:solidFill>
+            <a:srgbClr val="FF0000"/>
+          </a:solidFill>
+          <a:ln>
+            <a:noFill/>
+          </a:ln>
+        </p:spPr>
+        <p:style>
+          <a:lnRef idx="2">
+            <a:schemeClr val="accent1">
+              <a:shade val="50000"/>
+            </a:schemeClr>
+          </a:lnRef>
+          <a:fillRef idx="1">
+            <a:schemeClr val="accent1"/>
+          </a:fillRef>
+          <a:effectRef idx="0">
+            <a:schemeClr val="accent1"/>
+          </a:effectRef>
+          <a:fontRef idx="minor">
+            <a:schemeClr val="lt1"/>
+          </a:fontRef>
+        </p:style>
+        <p:txBody>
+          <a:bodyPr rtlCol="0" anchor="ctr"/>
+          <a:lstStyle/>
+          <a:p>
+            <a:pPr algn="ctr"/>
+            <a:endParaRPr lang="en-US" dirty="0">
+              <a:solidFill>
+                <a:schemeClr val="bg1"/>
+              </a:solidFill>
+            </a:endParaRPr>
+          </a:p>
+        </p:txBody>
+      </p:sp>
+      <p:sp>
+        <p:nvSpPr>
+          <p:cNvPr id="7" name="Rectangle 6">
+            <a:extLst>
+              <a:ext uri="{FF2B5EF4-FFF2-40B4-BE49-F238E27FC236}">
+                <a16:creationId xmlns:a16="http://schemas.microsoft.com/office/drawing/2014/main" id="{98D0060C-1956-49D3-A600-85DFFC2552C5}"/>
+              </a:ext>
+            </a:extLst>
+          </p:cNvPr>
+          <p:cNvSpPr/>
+          <p:nvPr userDrawn="1"/>
+        </p:nvSpPr>
+        <p:spPr>
+          <a:xfrm>
+            <a:off x="0" y="0"/>
+            <a:ext cx="12188952" cy="274320"/>
+          </a:xfrm>
+          <a:prstGeom prst="rect">
+            <a:avLst/>
+          </a:prstGeom>
+          <a:solidFill>
+            <a:srgbClr val="FF0000"/>
+          </a:solidFill>
+          <a:ln>
+            <a:noFill/>
+          </a:ln>
+        </p:spPr>
+        <p:style>
+          <a:lnRef idx="2">
+            <a:schemeClr val="accent1">
+              <a:shade val="50000"/>
+            </a:schemeClr>
+          </a:lnRef>
+          <a:fillRef idx="1">
+            <a:schemeClr val="accent1"/>
+          </a:fillRef>
+          <a:effectRef idx="0">
+            <a:schemeClr val="accent1"/>
+          </a:effectRef>
+          <a:fontRef idx="minor">
+            <a:schemeClr val="lt1"/>
+          </a:fontRef>
+        </p:style>
+        <p:txBody>
+          <a:bodyPr rtlCol="0" anchor="ctr"/>
+          <a:lstStyle/>
+          <a:p>
+            <a:pPr marL="0" marR="0" lvl="0" indent="0" algn="ctr" defTabSz="914400" rtl="0" eaLnBrk="1" fontAlgn="auto" latinLnBrk="0" hangingPunct="1">
+              <a:lnSpc>
+                <a:spcPct val="100000"/>
+              </a:lnSpc>
+              <a:spcBef>
+                <a:spcPts val="0"/>
+              </a:spcBef>
+              <a:spcAft>
+                <a:spcPts val="0"/>
+              </a:spcAft>
+              <a:buClrTx/>
+              <a:buSzTx/>
+              <a:buFontTx/>
+              <a:buNone/>
+              <a:tabLst/>
+              <a:defRPr/>
+            </a:pPr>
+            <a:r>
+              <a:rPr lang="en-US" i="1" dirty="0">
+                <a:solidFill>
+                  <a:schemeClr val="bg1"/>
+                </a:solidFill>
+              </a:rPr>
+              <a:t>This layout is “Ink Blank”. Use “Blank” for non-draft slides.</a:t>
+            </a:r>
+          </a:p>
+        </p:txBody>
+      </p:sp>
+      <p:sp>
+        <p:nvSpPr>
+          <p:cNvPr id="8" name="Rectangle 7">
+            <a:extLst>
+              <a:ext uri="{FF2B5EF4-FFF2-40B4-BE49-F238E27FC236}">
+                <a16:creationId xmlns:a16="http://schemas.microsoft.com/office/drawing/2014/main" id="{5C414544-3FD2-4D2C-BAD3-03D3D274F4C4}"/>
+              </a:ext>
+            </a:extLst>
+          </p:cNvPr>
+          <p:cNvSpPr/>
+          <p:nvPr userDrawn="1"/>
+        </p:nvSpPr>
+        <p:spPr>
+          <a:xfrm>
+            <a:off x="0" y="6400800"/>
+            <a:ext cx="12188952" cy="182880"/>
+          </a:xfrm>
+          <a:prstGeom prst="rect">
+            <a:avLst/>
+          </a:prstGeom>
+          <a:solidFill>
+            <a:srgbClr val="FF0000"/>
+          </a:solidFill>
+          <a:ln>
+            <a:noFill/>
+          </a:ln>
+        </p:spPr>
+        <p:style>
+          <a:lnRef idx="2">
+            <a:schemeClr val="accent1">
+              <a:shade val="50000"/>
+            </a:schemeClr>
+          </a:lnRef>
+          <a:fillRef idx="1">
+            <a:schemeClr val="accent1"/>
+          </a:fillRef>
+          <a:effectRef idx="0">
+            <a:schemeClr val="accent1"/>
+          </a:effectRef>
+          <a:fontRef idx="minor">
+            <a:schemeClr val="lt1"/>
+          </a:fontRef>
+        </p:style>
+        <p:txBody>
+          <a:bodyPr rtlCol="0" anchor="ctr"/>
+          <a:lstStyle/>
+          <a:p>
+            <a:pPr algn="ctr"/>
+            <a:endParaRPr lang="en-US" dirty="0">
+              <a:solidFill>
+                <a:schemeClr val="bg1"/>
+              </a:solidFill>
+            </a:endParaRPr>
+          </a:p>
+        </p:txBody>
+      </p:sp>
+      <p:pic>
+        <p:nvPicPr>
+          <p:cNvPr id="9" name="Camera 8">
+            <a:extLst>
+              <a:ext uri="{FF2B5EF4-FFF2-40B4-BE49-F238E27FC236}">
+                <a16:creationId xmlns:a16="http://schemas.microsoft.com/office/drawing/2014/main" id="{AD40876A-EDF7-D70A-ED1A-65206322D934}"/>
+              </a:ext>
+            </a:extLst>
+          </p:cNvPr>
+          <p:cNvPicPr>
+            <a:picLocks noChangeAspect="1"/>
+            <a:extLst>
+              <a:ext uri="{51228E76-BA90-4043-B771-695A4F85340A}">
+                <alf:liveFeedProps xmlns:alf="http://schemas.microsoft.com/office/drawing/2021/livefeed"/>
+              </a:ext>
+            </a:extLst>
+          </p:cNvPicPr>
+          <p:nvPr userDrawn="1"/>
+        </p:nvPicPr>
+        <p:blipFill>
+          <a:blip r:embed="rId2">
+            <a:extLst>
+              <a:ext uri="{96DAC541-7B7A-43D3-8B79-37D633B846F1}">
+                <asvg:svgBlip xmlns:asvg="http://schemas.microsoft.com/office/drawing/2016/SVG/main" r:embed="rId3"/>
+              </a:ext>
+            </a:extLst>
+          </a:blip>
+          <a:stretch>
+            <a:fillRect/>
+          </a:stretch>
+        </p:blipFill>
+        <p:spPr>
+          <a:xfrm>
+            <a:off x="10143744" y="0"/>
+            <a:ext cx="2048256" cy="1152144"/>
+          </a:xfrm>
+          <a:prstGeom prst="rect">
+            <a:avLst/>
+          </a:prstGeom>
+          <a:ln>
+            <a:noFill/>
+          </a:ln>
+          <a:effectLst/>
+        </p:spPr>
+      </p:pic>
+    </p:spTree>
+    <p:extLst>
+      <p:ext uri="{BB962C8B-B14F-4D97-AF65-F5344CB8AC3E}">
+        <p14:creationId xmlns:p14="http://schemas.microsoft.com/office/powerpoint/2010/main" val="2098688407"/>
+      </p:ext>
+    </p:extLst>
+  </p:cSld>
+  <p:clrMapOvr>
+    <a:masterClrMapping/>
+  </p:clrMapOvr>
+</p:sldLayout>
+</file>
+
+<file path=ppt/slideLayouts/slideLayout24.xml><?xml version="1.0" encoding="utf-8"?>
+<p:sldLayout xmlns:a="http://schemas.openxmlformats.org/drawingml/2006/main" xmlns:r="http://schemas.openxmlformats.org/officeDocument/2006/relationships" xmlns:p="http://schemas.openxmlformats.org/presentationml/2006/main" preserve="1" userDrawn="1">
+  <p:cSld name="Blank">
+    <p:spTree>
+      <p:nvGrpSpPr>
+        <p:cNvPr id="1" name=""/>
+        <p:cNvGrpSpPr/>
+        <p:nvPr/>
+      </p:nvGrpSpPr>
+      <p:grpSpPr>
+        <a:xfrm>
+          <a:off x="0" y="0"/>
+          <a:ext cx="0" cy="0"/>
+          <a:chOff x="0" y="0"/>
+          <a:chExt cx="0" cy="0"/>
+        </a:xfrm>
+      </p:grpSpPr>
+      <p:sp>
+        <p:nvSpPr>
+          <p:cNvPr id="5" name="Title 8">
+            <a:extLst>
+              <a:ext uri="{FF2B5EF4-FFF2-40B4-BE49-F238E27FC236}">
+                <a16:creationId xmlns:a16="http://schemas.microsoft.com/office/drawing/2014/main" id="{0F97EDC7-29FD-8D09-6B62-559E535D1F7C}"/>
+              </a:ext>
+              <a:ext uri="{C183D7F6-B498-43B3-948B-1728B52AA6E4}">
+                <adec:decorative xmlns:adec="http://schemas.microsoft.com/office/drawing/2017/decorative" val="1"/>
+              </a:ext>
+            </a:extLst>
+          </p:cNvPr>
+          <p:cNvSpPr>
+            <a:spLocks noGrp="1"/>
+          </p:cNvSpPr>
+          <p:nvPr>
+            <p:ph type="title"/>
+          </p:nvPr>
+        </p:nvSpPr>
+        <p:spPr>
+          <a:xfrm>
+            <a:off x="365760" y="7315200"/>
+            <a:ext cx="11457432" cy="731520"/>
+          </a:xfrm>
+        </p:spPr>
+        <p:txBody>
+          <a:bodyPr/>
+          <a:lstStyle>
+            <a:lvl1pPr>
+              <a:defRPr sz="2000"/>
+            </a:lvl1pPr>
+          </a:lstStyle>
+          <a:p>
+            <a:r>
+              <a:rPr lang="en-US"/>
+              <a:t>Click to edit Master title style</a:t>
+            </a:r>
+          </a:p>
+        </p:txBody>
+      </p:sp>
+      <p:sp>
+        <p:nvSpPr>
+          <p:cNvPr id="2" name="Date Placeholder 1">
+            <a:extLst>
+              <a:ext uri="{FF2B5EF4-FFF2-40B4-BE49-F238E27FC236}">
+                <a16:creationId xmlns:a16="http://schemas.microsoft.com/office/drawing/2014/main" id="{DB20D2F5-42B6-4E6C-A06D-559DDA1712C4}"/>
+              </a:ext>
+            </a:extLst>
+          </p:cNvPr>
+          <p:cNvSpPr>
+            <a:spLocks noGrp="1"/>
+          </p:cNvSpPr>
+          <p:nvPr>
+            <p:ph type="dt" sz="half" idx="10"/>
+          </p:nvPr>
+        </p:nvSpPr>
+        <p:spPr/>
+        <p:txBody>
+          <a:bodyPr/>
+          <a:lstStyle/>
+          <a:p>
+            <a:fld id="{2DFC615C-B564-43D1-81E8-3A51D4599FB9}" type="datetime1">
+              <a:rPr lang="en-US" smtClean="0"/>
+              <a:t>8/23/2023</a:t>
+            </a:fld>
+            <a:endParaRPr lang="en-US"/>
+          </a:p>
+        </p:txBody>
+      </p:sp>
+      <p:sp>
+        <p:nvSpPr>
+          <p:cNvPr id="3" name="Footer Placeholder 2">
+            <a:extLst>
+              <a:ext uri="{FF2B5EF4-FFF2-40B4-BE49-F238E27FC236}">
+                <a16:creationId xmlns:a16="http://schemas.microsoft.com/office/drawing/2014/main" id="{9815E2BF-4647-4E69-94C1-555CF168C870}"/>
+              </a:ext>
+            </a:extLst>
+          </p:cNvPr>
+          <p:cNvSpPr>
+            <a:spLocks noGrp="1"/>
+          </p:cNvSpPr>
+          <p:nvPr>
+            <p:ph type="ftr" sz="quarter" idx="11"/>
+          </p:nvPr>
+        </p:nvSpPr>
+        <p:spPr/>
+        <p:txBody>
+          <a:bodyPr/>
+          <a:lstStyle/>
+          <a:p>
+            <a:endParaRPr lang="en-US"/>
+          </a:p>
+        </p:txBody>
+      </p:sp>
+      <p:sp>
+        <p:nvSpPr>
+          <p:cNvPr id="4" name="Slide Number Placeholder 3">
+            <a:extLst>
+              <a:ext uri="{FF2B5EF4-FFF2-40B4-BE49-F238E27FC236}">
+                <a16:creationId xmlns:a16="http://schemas.microsoft.com/office/drawing/2014/main" id="{2D9B1EE9-1A51-466E-A9B5-A5F0B6683D2B}"/>
+              </a:ext>
+            </a:extLst>
+          </p:cNvPr>
+          <p:cNvSpPr>
+            <a:spLocks noGrp="1"/>
+          </p:cNvSpPr>
+          <p:nvPr>
+            <p:ph type="sldNum" sz="quarter" idx="12"/>
+          </p:nvPr>
+        </p:nvSpPr>
+        <p:spPr/>
+        <p:txBody>
+          <a:bodyPr/>
+          <a:lstStyle/>
+          <a:p>
+            <a:r>
+              <a:rPr lang="en-US" altLang="zh-CN" dirty="0"/>
+              <a:t>Use macro for slide numbers</a:t>
+            </a:r>
+            <a:endParaRPr lang="en-US" dirty="0"/>
+          </a:p>
+        </p:txBody>
+      </p:sp>
+      <p:pic>
+        <p:nvPicPr>
+          <p:cNvPr id="6" name="Camera 5">
+            <a:extLst>
+              <a:ext uri="{FF2B5EF4-FFF2-40B4-BE49-F238E27FC236}">
+                <a16:creationId xmlns:a16="http://schemas.microsoft.com/office/drawing/2014/main" id="{DFB2EC49-EB45-A72A-CFC4-76CE320FEBD9}"/>
+              </a:ext>
+            </a:extLst>
+          </p:cNvPr>
+          <p:cNvPicPr>
+            <a:picLocks noChangeAspect="1"/>
+            <a:extLst>
+              <a:ext uri="{51228E76-BA90-4043-B771-695A4F85340A}">
+                <alf:liveFeedProps xmlns:alf="http://schemas.microsoft.com/office/drawing/2021/livefeed"/>
+              </a:ext>
+            </a:extLst>
+          </p:cNvPicPr>
+          <p:nvPr userDrawn="1"/>
+        </p:nvPicPr>
+        <p:blipFill>
+          <a:blip r:embed="rId2">
+            <a:extLst>
+              <a:ext uri="{96DAC541-7B7A-43D3-8B79-37D633B846F1}">
+                <asvg:svgBlip xmlns:asvg="http://schemas.microsoft.com/office/drawing/2016/SVG/main" r:embed="rId3"/>
+              </a:ext>
+            </a:extLst>
+          </a:blip>
+          <a:stretch>
+            <a:fillRect/>
+          </a:stretch>
+        </p:blipFill>
+        <p:spPr>
+          <a:xfrm>
+            <a:off x="10143744" y="0"/>
+            <a:ext cx="2048256" cy="1152144"/>
+          </a:xfrm>
+          <a:prstGeom prst="rect">
+            <a:avLst/>
+          </a:prstGeom>
+          <a:ln>
+            <a:noFill/>
+          </a:ln>
+          <a:effectLst/>
+        </p:spPr>
+      </p:pic>
+    </p:spTree>
+    <p:extLst>
+      <p:ext uri="{BB962C8B-B14F-4D97-AF65-F5344CB8AC3E}">
+        <p14:creationId xmlns:p14="http://schemas.microsoft.com/office/powerpoint/2010/main" val="2102451080"/>
+      </p:ext>
+    </p:extLst>
+  </p:cSld>
+  <p:clrMapOvr>
+    <a:masterClrMapping/>
+  </p:clrMapOvr>
+</p:sldLayout>
+</file>
+
+<file path=ppt/slideLayouts/slideLayout3.xml><?xml version="1.0" encoding="utf-8"?>
+<p:sldLayout xmlns:a="http://schemas.openxmlformats.org/drawingml/2006/main" xmlns:r="http://schemas.openxmlformats.org/officeDocument/2006/relationships" xmlns:p="http://schemas.openxmlformats.org/presentationml/2006/main" preserve="1" userDrawn="1">
+  <p:cSld name="Ink Title Only">
+    <p:spTree>
+      <p:nvGrpSpPr>
+        <p:cNvPr id="1" name=""/>
+        <p:cNvGrpSpPr/>
+        <p:nvPr/>
+      </p:nvGrpSpPr>
+      <p:grpSpPr>
+        <a:xfrm>
+          <a:off x="0" y="0"/>
+          <a:ext cx="0" cy="0"/>
+          <a:chOff x="0" y="0"/>
+          <a:chExt cx="0" cy="0"/>
+        </a:xfrm>
+      </p:grpSpPr>
+      <p:sp>
+        <p:nvSpPr>
+          <p:cNvPr id="3" name="Date Placeholder 2">
+            <a:extLst>
+              <a:ext uri="{FF2B5EF4-FFF2-40B4-BE49-F238E27FC236}">
+                <a16:creationId xmlns:a16="http://schemas.microsoft.com/office/drawing/2014/main" id="{2230F81C-3038-4574-9254-560E7017D983}"/>
+              </a:ext>
+            </a:extLst>
+          </p:cNvPr>
+          <p:cNvSpPr>
+            <a:spLocks noGrp="1"/>
+          </p:cNvSpPr>
+          <p:nvPr>
+            <p:ph type="dt" sz="half" idx="10"/>
+          </p:nvPr>
+        </p:nvSpPr>
+        <p:spPr/>
+        <p:txBody>
+          <a:bodyPr/>
+          <a:lstStyle/>
+          <a:p>
+            <a:fld id="{D83046E4-BD1F-46AE-B11D-82FA519AC7FB}" type="datetime1">
+              <a:rPr lang="en-US" smtClean="0"/>
+              <a:t>8/23/2023</a:t>
+            </a:fld>
+            <a:endParaRPr lang="en-US"/>
+          </a:p>
+        </p:txBody>
+      </p:sp>
+      <p:sp>
+        <p:nvSpPr>
+          <p:cNvPr id="4" name="Footer Placeholder 3">
+            <a:extLst>
+              <a:ext uri="{FF2B5EF4-FFF2-40B4-BE49-F238E27FC236}">
+                <a16:creationId xmlns:a16="http://schemas.microsoft.com/office/drawing/2014/main" id="{4DFCA42B-1094-4E4F-9D87-05E02057BC4E}"/>
+              </a:ext>
+            </a:extLst>
+          </p:cNvPr>
+          <p:cNvSpPr>
+            <a:spLocks noGrp="1"/>
+          </p:cNvSpPr>
+          <p:nvPr>
+            <p:ph type="ftr" sz="quarter" idx="11"/>
+          </p:nvPr>
+        </p:nvSpPr>
+        <p:spPr/>
+        <p:txBody>
+          <a:bodyPr/>
+          <a:lstStyle/>
+          <a:p>
+            <a:endParaRPr lang="en-US"/>
+          </a:p>
+        </p:txBody>
+      </p:sp>
+      <p:sp>
+        <p:nvSpPr>
+          <p:cNvPr id="5" name="Slide Number Placeholder 4">
+            <a:extLst>
+              <a:ext uri="{FF2B5EF4-FFF2-40B4-BE49-F238E27FC236}">
+                <a16:creationId xmlns:a16="http://schemas.microsoft.com/office/drawing/2014/main" id="{3006A1EA-16F2-4878-A658-660470A02874}"/>
+              </a:ext>
+            </a:extLst>
+          </p:cNvPr>
+          <p:cNvSpPr>
+            <a:spLocks noGrp="1"/>
+          </p:cNvSpPr>
+          <p:nvPr>
+            <p:ph type="sldNum" sz="quarter" idx="12"/>
+          </p:nvPr>
+        </p:nvSpPr>
+        <p:spPr/>
+        <p:txBody>
+          <a:bodyPr/>
+          <a:lstStyle/>
+          <a:p>
+            <a:r>
+              <a:rPr lang="en-US" altLang="zh-CN" dirty="0"/>
+              <a:t>Use macro for slide numbers</a:t>
+            </a:r>
+            <a:endParaRPr lang="en-US" dirty="0"/>
+          </a:p>
+        </p:txBody>
+      </p:sp>
+      <p:sp>
+        <p:nvSpPr>
+          <p:cNvPr id="6" name="Rectangle 5">
+            <a:extLst>
+              <a:ext uri="{FF2B5EF4-FFF2-40B4-BE49-F238E27FC236}">
+                <a16:creationId xmlns:a16="http://schemas.microsoft.com/office/drawing/2014/main" id="{7729A037-6059-4CE8-AA52-8350F80CE04A}"/>
+              </a:ext>
+            </a:extLst>
+          </p:cNvPr>
+          <p:cNvSpPr/>
+          <p:nvPr userDrawn="1"/>
+        </p:nvSpPr>
+        <p:spPr>
+          <a:xfrm>
+            <a:off x="0" y="0"/>
+            <a:ext cx="365760" cy="6858000"/>
+          </a:xfrm>
+          <a:prstGeom prst="rect">
+            <a:avLst/>
+          </a:prstGeom>
+          <a:solidFill>
+            <a:schemeClr val="bg1">
+              <a:lumMod val="85000"/>
+            </a:schemeClr>
+          </a:solidFill>
+          <a:ln>
+            <a:noFill/>
+          </a:ln>
+        </p:spPr>
+        <p:style>
+          <a:lnRef idx="2">
+            <a:schemeClr val="accent1">
+              <a:shade val="50000"/>
+            </a:schemeClr>
+          </a:lnRef>
+          <a:fillRef idx="1">
+            <a:schemeClr val="accent1"/>
+          </a:fillRef>
+          <a:effectRef idx="0">
+            <a:schemeClr val="accent1"/>
+          </a:effectRef>
+          <a:fontRef idx="minor">
+            <a:schemeClr val="lt1"/>
+          </a:fontRef>
+        </p:style>
+        <p:txBody>
+          <a:bodyPr rtlCol="0" anchor="ctr"/>
+          <a:lstStyle/>
+          <a:p>
+            <a:pPr algn="ctr"/>
+            <a:endParaRPr lang="en-US" dirty="0"/>
+          </a:p>
+        </p:txBody>
+      </p:sp>
+      <p:sp>
+        <p:nvSpPr>
+          <p:cNvPr id="7" name="Rectangle 6">
+            <a:extLst>
+              <a:ext uri="{FF2B5EF4-FFF2-40B4-BE49-F238E27FC236}">
+                <a16:creationId xmlns:a16="http://schemas.microsoft.com/office/drawing/2014/main" id="{9A3F7691-78B2-48BD-8A6F-3F75E8AD77A4}"/>
+              </a:ext>
+            </a:extLst>
+          </p:cNvPr>
+          <p:cNvSpPr/>
+          <p:nvPr userDrawn="1"/>
+        </p:nvSpPr>
+        <p:spPr>
+          <a:xfrm>
+            <a:off x="11823192" y="0"/>
+            <a:ext cx="365760" cy="6858000"/>
+          </a:xfrm>
+          <a:prstGeom prst="rect">
+            <a:avLst/>
+          </a:prstGeom>
+          <a:solidFill>
+            <a:schemeClr val="bg1">
+              <a:lumMod val="85000"/>
+            </a:schemeClr>
+          </a:solidFill>
+          <a:ln>
+            <a:noFill/>
+          </a:ln>
+        </p:spPr>
+        <p:style>
+          <a:lnRef idx="2">
+            <a:schemeClr val="accent1">
+              <a:shade val="50000"/>
+            </a:schemeClr>
+          </a:lnRef>
+          <a:fillRef idx="1">
+            <a:schemeClr val="accent1"/>
+          </a:fillRef>
+          <a:effectRef idx="0">
+            <a:schemeClr val="accent1"/>
+          </a:effectRef>
+          <a:fontRef idx="minor">
+            <a:schemeClr val="lt1"/>
+          </a:fontRef>
+        </p:style>
+        <p:txBody>
+          <a:bodyPr rtlCol="0" anchor="ctr"/>
+          <a:lstStyle/>
+          <a:p>
+            <a:pPr algn="ctr"/>
+            <a:endParaRPr lang="en-US" dirty="0"/>
+          </a:p>
+        </p:txBody>
+      </p:sp>
+      <p:sp>
+        <p:nvSpPr>
+          <p:cNvPr id="8" name="Rectangle 7">
+            <a:extLst>
+              <a:ext uri="{FF2B5EF4-FFF2-40B4-BE49-F238E27FC236}">
+                <a16:creationId xmlns:a16="http://schemas.microsoft.com/office/drawing/2014/main" id="{29DD7FBC-7BAB-4918-BF54-B8EBAFD9CD55}"/>
+              </a:ext>
+            </a:extLst>
+          </p:cNvPr>
+          <p:cNvSpPr/>
+          <p:nvPr userDrawn="1"/>
+        </p:nvSpPr>
+        <p:spPr>
+          <a:xfrm>
+            <a:off x="0" y="0"/>
+            <a:ext cx="12188952" cy="274320"/>
+          </a:xfrm>
+          <a:prstGeom prst="rect">
+            <a:avLst/>
+          </a:prstGeom>
+          <a:solidFill>
+            <a:schemeClr val="bg1">
+              <a:lumMod val="85000"/>
+            </a:schemeClr>
+          </a:solidFill>
+          <a:ln>
+            <a:noFill/>
+          </a:ln>
+        </p:spPr>
+        <p:style>
+          <a:lnRef idx="2">
+            <a:schemeClr val="accent1">
+              <a:shade val="50000"/>
+            </a:schemeClr>
+          </a:lnRef>
+          <a:fillRef idx="1">
+            <a:schemeClr val="accent1"/>
+          </a:fillRef>
+          <a:effectRef idx="0">
+            <a:schemeClr val="accent1"/>
+          </a:effectRef>
+          <a:fontRef idx="minor">
+            <a:schemeClr val="lt1"/>
+          </a:fontRef>
+        </p:style>
+        <p:txBody>
+          <a:bodyPr rtlCol="0" anchor="ctr"/>
+          <a:lstStyle/>
+          <a:p>
+            <a:pPr algn="ctr"/>
+            <a:r>
+              <a:rPr lang="en-US" i="1" dirty="0">
+                <a:solidFill>
+                  <a:schemeClr val="tx1"/>
+                </a:solidFill>
+              </a:rPr>
+              <a:t>This layout is “Ink Title Only”. Use “Title Only” for non-draft slides.</a:t>
+            </a:r>
+          </a:p>
+        </p:txBody>
+      </p:sp>
+      <p:sp>
+        <p:nvSpPr>
+          <p:cNvPr id="9" name="Rectangle 8">
+            <a:extLst>
+              <a:ext uri="{FF2B5EF4-FFF2-40B4-BE49-F238E27FC236}">
+                <a16:creationId xmlns:a16="http://schemas.microsoft.com/office/drawing/2014/main" id="{FCE33D18-58AE-4B01-BF6D-FAB091124370}"/>
+              </a:ext>
+            </a:extLst>
+          </p:cNvPr>
+          <p:cNvSpPr/>
+          <p:nvPr userDrawn="1"/>
+        </p:nvSpPr>
+        <p:spPr>
+          <a:xfrm>
+            <a:off x="0" y="6400800"/>
+            <a:ext cx="12188952" cy="182880"/>
+          </a:xfrm>
+          <a:prstGeom prst="rect">
+            <a:avLst/>
+          </a:prstGeom>
+          <a:solidFill>
+            <a:schemeClr val="bg1">
+              <a:lumMod val="85000"/>
+            </a:schemeClr>
+          </a:solidFill>
+          <a:ln>
+            <a:noFill/>
+          </a:ln>
+        </p:spPr>
+        <p:style>
+          <a:lnRef idx="2">
+            <a:schemeClr val="accent1">
+              <a:shade val="50000"/>
+            </a:schemeClr>
+          </a:lnRef>
+          <a:fillRef idx="1">
+            <a:schemeClr val="accent1"/>
+          </a:fillRef>
+          <a:effectRef idx="0">
+            <a:schemeClr val="accent1"/>
+          </a:effectRef>
+          <a:fontRef idx="minor">
+            <a:schemeClr val="lt1"/>
+          </a:fontRef>
+        </p:style>
+        <p:txBody>
+          <a:bodyPr rtlCol="0" anchor="ctr"/>
+          <a:lstStyle/>
+          <a:p>
+            <a:pPr algn="ctr"/>
+            <a:endParaRPr lang="en-US" dirty="0"/>
+          </a:p>
+        </p:txBody>
+      </p:sp>
+      <p:sp>
+        <p:nvSpPr>
+          <p:cNvPr id="2" name="Rectangle 1">
+            <a:extLst>
+              <a:ext uri="{FF2B5EF4-FFF2-40B4-BE49-F238E27FC236}">
+                <a16:creationId xmlns:a16="http://schemas.microsoft.com/office/drawing/2014/main" id="{387B9DD9-FA79-4E5C-8111-FED366D11BE4}"/>
+              </a:ext>
+            </a:extLst>
+          </p:cNvPr>
+          <p:cNvSpPr/>
+          <p:nvPr userDrawn="1"/>
+        </p:nvSpPr>
+        <p:spPr>
+          <a:xfrm>
+            <a:off x="0" y="822960"/>
+            <a:ext cx="12188952" cy="182880"/>
+          </a:xfrm>
+          <a:prstGeom prst="rect">
+            <a:avLst/>
+          </a:prstGeom>
+          <a:solidFill>
+            <a:schemeClr val="bg1">
+              <a:lumMod val="85000"/>
+            </a:schemeClr>
+          </a:solidFill>
+          <a:ln>
+            <a:noFill/>
+          </a:ln>
+        </p:spPr>
+        <p:style>
+          <a:lnRef idx="2">
+            <a:schemeClr val="accent1">
+              <a:shade val="50000"/>
+            </a:schemeClr>
+          </a:lnRef>
+          <a:fillRef idx="1">
+            <a:schemeClr val="accent1"/>
+          </a:fillRef>
+          <a:effectRef idx="0">
+            <a:schemeClr val="accent1"/>
+          </a:effectRef>
+          <a:fontRef idx="minor">
+            <a:schemeClr val="lt1"/>
+          </a:fontRef>
+        </p:style>
+        <p:txBody>
+          <a:bodyPr rtlCol="0" anchor="ctr"/>
+          <a:lstStyle/>
+          <a:p>
+            <a:pPr algn="ctr"/>
+            <a:endParaRPr lang="en-US" dirty="0"/>
+          </a:p>
+        </p:txBody>
+      </p:sp>
+    </p:spTree>
+    <p:extLst>
+      <p:ext uri="{BB962C8B-B14F-4D97-AF65-F5344CB8AC3E}">
+        <p14:creationId xmlns:p14="http://schemas.microsoft.com/office/powerpoint/2010/main" val="3844711109"/>
+      </p:ext>
+    </p:extLst>
+  </p:cSld>
+  <p:clrMapOvr>
+    <a:masterClrMapping/>
+  </p:clrMapOvr>
+</p:sldLayout>
+</file>
+
+<file path=ppt/slideLayouts/slideLayout4.xml><?xml version="1.0" encoding="utf-8"?>
+<p:sldLayout xmlns:a="http://schemas.openxmlformats.org/drawingml/2006/main" xmlns:r="http://schemas.openxmlformats.org/officeDocument/2006/relationships" xmlns:p="http://schemas.openxmlformats.org/presentationml/2006/main" type="titleOnly" preserve="1">
+  <p:cSld name="Title Only">
+    <p:spTree>
+      <p:nvGrpSpPr>
+        <p:cNvPr id="1" name=""/>
+        <p:cNvGrpSpPr/>
+        <p:nvPr/>
+      </p:nvGrpSpPr>
+      <p:grpSpPr>
+        <a:xfrm>
+          <a:off x="0" y="0"/>
+          <a:ext cx="0" cy="0"/>
+          <a:chOff x="0" y="0"/>
+          <a:chExt cx="0" cy="0"/>
+        </a:xfrm>
+      </p:grpSpPr>
+      <p:sp>
+        <p:nvSpPr>
+          <p:cNvPr id="2" name="Title 1">
+            <a:extLst>
+              <a:ext uri="{FF2B5EF4-FFF2-40B4-BE49-F238E27FC236}">
+                <a16:creationId xmlns:a16="http://schemas.microsoft.com/office/drawing/2014/main" id="{4FA4ABE6-0596-4FA3-AE63-51DA2452CE7F}"/>
+              </a:ext>
+            </a:extLst>
+          </p:cNvPr>
+          <p:cNvSpPr>
+            <a:spLocks noGrp="1"/>
+          </p:cNvSpPr>
+          <p:nvPr>
+            <p:ph type="title"/>
+          </p:nvPr>
+        </p:nvSpPr>
+        <p:spPr>
+          <a:xfrm>
+            <a:off x="365760" y="182880"/>
+            <a:ext cx="11457432" cy="731520"/>
+          </a:xfrm>
+        </p:spPr>
+        <p:txBody>
+          <a:bodyPr/>
+          <a:lstStyle>
+            <a:lvl1pPr>
+              <a:defRPr sz="4400"/>
+            </a:lvl1pPr>
+          </a:lstStyle>
+          <a:p>
+            <a:r>
+              <a:rPr lang="en-US"/>
+              <a:t>Click to edit Master title style</a:t>
+            </a:r>
+            <a:endParaRPr lang="en-US" dirty="0"/>
+          </a:p>
+        </p:txBody>
+      </p:sp>
+      <p:sp>
+        <p:nvSpPr>
+          <p:cNvPr id="3" name="Date Placeholder 2">
+            <a:extLst>
+              <a:ext uri="{FF2B5EF4-FFF2-40B4-BE49-F238E27FC236}">
+                <a16:creationId xmlns:a16="http://schemas.microsoft.com/office/drawing/2014/main" id="{2230F81C-3038-4574-9254-560E7017D983}"/>
+              </a:ext>
+            </a:extLst>
+          </p:cNvPr>
+          <p:cNvSpPr>
+            <a:spLocks noGrp="1"/>
+          </p:cNvSpPr>
+          <p:nvPr>
+            <p:ph type="dt" sz="half" idx="10"/>
+          </p:nvPr>
+        </p:nvSpPr>
+        <p:spPr/>
+        <p:txBody>
+          <a:bodyPr/>
+          <a:lstStyle/>
+          <a:p>
+            <a:fld id="{F830ACF9-5D1D-4DBF-ABEA-93C42033C8AC}" type="datetime1">
+              <a:rPr lang="en-US" smtClean="0"/>
+              <a:t>8/23/2023</a:t>
+            </a:fld>
+            <a:endParaRPr lang="en-US"/>
+          </a:p>
+        </p:txBody>
+      </p:sp>
+      <p:sp>
+        <p:nvSpPr>
+          <p:cNvPr id="4" name="Footer Placeholder 3">
+            <a:extLst>
+              <a:ext uri="{FF2B5EF4-FFF2-40B4-BE49-F238E27FC236}">
+                <a16:creationId xmlns:a16="http://schemas.microsoft.com/office/drawing/2014/main" id="{4DFCA42B-1094-4E4F-9D87-05E02057BC4E}"/>
+              </a:ext>
+            </a:extLst>
+          </p:cNvPr>
+          <p:cNvSpPr>
+            <a:spLocks noGrp="1"/>
+          </p:cNvSpPr>
+          <p:nvPr>
+            <p:ph type="ftr" sz="quarter" idx="11"/>
+          </p:nvPr>
+        </p:nvSpPr>
+        <p:spPr/>
+        <p:txBody>
+          <a:bodyPr/>
+          <a:lstStyle/>
+          <a:p>
+            <a:endParaRPr lang="en-US"/>
+          </a:p>
+        </p:txBody>
+      </p:sp>
+      <p:sp>
+        <p:nvSpPr>
+          <p:cNvPr id="5" name="Slide Number Placeholder 4">
+            <a:extLst>
+              <a:ext uri="{FF2B5EF4-FFF2-40B4-BE49-F238E27FC236}">
+                <a16:creationId xmlns:a16="http://schemas.microsoft.com/office/drawing/2014/main" id="{3006A1EA-16F2-4878-A658-660470A02874}"/>
+              </a:ext>
+            </a:extLst>
+          </p:cNvPr>
+          <p:cNvSpPr>
+            <a:spLocks noGrp="1"/>
+          </p:cNvSpPr>
+          <p:nvPr>
+            <p:ph type="sldNum" sz="quarter" idx="12"/>
+          </p:nvPr>
+        </p:nvSpPr>
+        <p:spPr/>
+        <p:txBody>
+          <a:bodyPr/>
+          <a:lstStyle/>
+          <a:p>
+            <a:r>
+              <a:rPr lang="en-US" altLang="zh-CN" dirty="0"/>
+              <a:t>Use macro for slide numbers</a:t>
+            </a:r>
+            <a:endParaRPr lang="en-US" dirty="0"/>
+          </a:p>
+        </p:txBody>
+      </p:sp>
+      <p:sp>
+        <p:nvSpPr>
+          <p:cNvPr id="6" name="Rectangle 5">
+            <a:extLst>
+              <a:ext uri="{FF2B5EF4-FFF2-40B4-BE49-F238E27FC236}">
+                <a16:creationId xmlns:a16="http://schemas.microsoft.com/office/drawing/2014/main" id="{7729A037-6059-4CE8-AA52-8350F80CE04A}"/>
+              </a:ext>
+            </a:extLst>
+          </p:cNvPr>
+          <p:cNvSpPr/>
+          <p:nvPr userDrawn="1"/>
+        </p:nvSpPr>
+        <p:spPr>
+          <a:xfrm>
+            <a:off x="0" y="0"/>
+            <a:ext cx="365760" cy="6858000"/>
+          </a:xfrm>
+          <a:prstGeom prst="rect">
+            <a:avLst/>
+          </a:prstGeom>
+          <a:solidFill>
+            <a:schemeClr val="bg1">
+              <a:lumMod val="85000"/>
+            </a:schemeClr>
+          </a:solidFill>
+          <a:ln>
+            <a:noFill/>
+          </a:ln>
+        </p:spPr>
+        <p:style>
+          <a:lnRef idx="2">
+            <a:schemeClr val="accent1">
+              <a:shade val="50000"/>
+            </a:schemeClr>
+          </a:lnRef>
+          <a:fillRef idx="1">
+            <a:schemeClr val="accent1"/>
+          </a:fillRef>
+          <a:effectRef idx="0">
+            <a:schemeClr val="accent1"/>
+          </a:effectRef>
+          <a:fontRef idx="minor">
+            <a:schemeClr val="lt1"/>
+          </a:fontRef>
+        </p:style>
+        <p:txBody>
+          <a:bodyPr rtlCol="0" anchor="ctr"/>
+          <a:lstStyle/>
+          <a:p>
+            <a:pPr algn="ctr"/>
+            <a:endParaRPr lang="en-US" dirty="0"/>
+          </a:p>
+        </p:txBody>
+      </p:sp>
+      <p:sp>
+        <p:nvSpPr>
+          <p:cNvPr id="7" name="Rectangle 6">
+            <a:extLst>
+              <a:ext uri="{FF2B5EF4-FFF2-40B4-BE49-F238E27FC236}">
+                <a16:creationId xmlns:a16="http://schemas.microsoft.com/office/drawing/2014/main" id="{9A3F7691-78B2-48BD-8A6F-3F75E8AD77A4}"/>
+              </a:ext>
+            </a:extLst>
+          </p:cNvPr>
+          <p:cNvSpPr/>
+          <p:nvPr userDrawn="1"/>
+        </p:nvSpPr>
+        <p:spPr>
+          <a:xfrm>
+            <a:off x="11823192" y="0"/>
+            <a:ext cx="365760" cy="6858000"/>
+          </a:xfrm>
+          <a:prstGeom prst="rect">
+            <a:avLst/>
+          </a:prstGeom>
+          <a:solidFill>
+            <a:schemeClr val="bg1">
+              <a:lumMod val="85000"/>
+            </a:schemeClr>
+          </a:solidFill>
+          <a:ln>
+            <a:noFill/>
+          </a:ln>
+        </p:spPr>
+        <p:style>
+          <a:lnRef idx="2">
+            <a:schemeClr val="accent1">
+              <a:shade val="50000"/>
+            </a:schemeClr>
+          </a:lnRef>
+          <a:fillRef idx="1">
+            <a:schemeClr val="accent1"/>
+          </a:fillRef>
+          <a:effectRef idx="0">
+            <a:schemeClr val="accent1"/>
+          </a:effectRef>
+          <a:fontRef idx="minor">
+            <a:schemeClr val="lt1"/>
+          </a:fontRef>
+        </p:style>
+        <p:txBody>
+          <a:bodyPr rtlCol="0" anchor="ctr"/>
+          <a:lstStyle/>
+          <a:p>
+            <a:pPr algn="ctr"/>
+            <a:endParaRPr lang="en-US" dirty="0"/>
+          </a:p>
+        </p:txBody>
+      </p:sp>
+      <p:sp>
+        <p:nvSpPr>
+          <p:cNvPr id="8" name="Rectangle 7">
+            <a:extLst>
+              <a:ext uri="{FF2B5EF4-FFF2-40B4-BE49-F238E27FC236}">
+                <a16:creationId xmlns:a16="http://schemas.microsoft.com/office/drawing/2014/main" id="{29DD7FBC-7BAB-4918-BF54-B8EBAFD9CD55}"/>
+              </a:ext>
+            </a:extLst>
+          </p:cNvPr>
+          <p:cNvSpPr/>
+          <p:nvPr userDrawn="1"/>
+        </p:nvSpPr>
+        <p:spPr>
+          <a:xfrm>
+            <a:off x="0" y="0"/>
+            <a:ext cx="12188952" cy="274320"/>
+          </a:xfrm>
+          <a:prstGeom prst="rect">
+            <a:avLst/>
+          </a:prstGeom>
+          <a:solidFill>
+            <a:schemeClr val="bg1">
+              <a:lumMod val="85000"/>
+            </a:schemeClr>
+          </a:solidFill>
+          <a:ln>
+            <a:noFill/>
+          </a:ln>
+        </p:spPr>
+        <p:style>
+          <a:lnRef idx="2">
+            <a:schemeClr val="accent1">
+              <a:shade val="50000"/>
+            </a:schemeClr>
+          </a:lnRef>
+          <a:fillRef idx="1">
+            <a:schemeClr val="accent1"/>
+          </a:fillRef>
+          <a:effectRef idx="0">
+            <a:schemeClr val="accent1"/>
+          </a:effectRef>
+          <a:fontRef idx="minor">
+            <a:schemeClr val="lt1"/>
+          </a:fontRef>
+        </p:style>
+        <p:txBody>
+          <a:bodyPr rtlCol="0" anchor="ctr"/>
+          <a:lstStyle/>
+          <a:p>
+            <a:pPr algn="ctr"/>
+            <a:endParaRPr lang="en-US" dirty="0"/>
+          </a:p>
+        </p:txBody>
+      </p:sp>
+      <p:sp>
+        <p:nvSpPr>
+          <p:cNvPr id="9" name="Rectangle 8">
+            <a:extLst>
+              <a:ext uri="{FF2B5EF4-FFF2-40B4-BE49-F238E27FC236}">
+                <a16:creationId xmlns:a16="http://schemas.microsoft.com/office/drawing/2014/main" id="{FCE33D18-58AE-4B01-BF6D-FAB091124370}"/>
+              </a:ext>
+            </a:extLst>
+          </p:cNvPr>
+          <p:cNvSpPr/>
+          <p:nvPr userDrawn="1"/>
+        </p:nvSpPr>
+        <p:spPr>
+          <a:xfrm>
+            <a:off x="0" y="6400800"/>
+            <a:ext cx="12188952" cy="182880"/>
+          </a:xfrm>
+          <a:prstGeom prst="rect">
+            <a:avLst/>
+          </a:prstGeom>
+          <a:solidFill>
+            <a:schemeClr val="bg1">
+              <a:lumMod val="85000"/>
+            </a:schemeClr>
+          </a:solidFill>
+          <a:ln>
+            <a:noFill/>
+          </a:ln>
+        </p:spPr>
+        <p:style>
+          <a:lnRef idx="2">
+            <a:schemeClr val="accent1">
+              <a:shade val="50000"/>
+            </a:schemeClr>
+          </a:lnRef>
+          <a:fillRef idx="1">
+            <a:schemeClr val="accent1"/>
+          </a:fillRef>
+          <a:effectRef idx="0">
+            <a:schemeClr val="accent1"/>
+          </a:effectRef>
+          <a:fontRef idx="minor">
+            <a:schemeClr val="lt1"/>
+          </a:fontRef>
+        </p:style>
+        <p:txBody>
+          <a:bodyPr rtlCol="0" anchor="ctr"/>
+          <a:lstStyle/>
+          <a:p>
+            <a:pPr algn="ctr"/>
+            <a:endParaRPr lang="en-US" dirty="0"/>
+          </a:p>
+        </p:txBody>
+      </p:sp>
+      <p:sp>
+        <p:nvSpPr>
+          <p:cNvPr id="10" name="Rectangle 9">
+            <a:extLst>
+              <a:ext uri="{FF2B5EF4-FFF2-40B4-BE49-F238E27FC236}">
+                <a16:creationId xmlns:a16="http://schemas.microsoft.com/office/drawing/2014/main" id="{23185287-8A40-4288-B195-FD688BA34B9B}"/>
+              </a:ext>
+            </a:extLst>
+          </p:cNvPr>
+          <p:cNvSpPr/>
+          <p:nvPr userDrawn="1"/>
+        </p:nvSpPr>
+        <p:spPr>
+          <a:xfrm>
+            <a:off x="0" y="822960"/>
+            <a:ext cx="12188952" cy="182880"/>
+          </a:xfrm>
+          <a:prstGeom prst="rect">
+            <a:avLst/>
+          </a:prstGeom>
+          <a:solidFill>
+            <a:schemeClr val="bg1">
+              <a:lumMod val="85000"/>
+            </a:schemeClr>
+          </a:solidFill>
+          <a:ln>
+            <a:noFill/>
+          </a:ln>
+        </p:spPr>
+        <p:style>
+          <a:lnRef idx="2">
+            <a:schemeClr val="accent1">
+              <a:shade val="50000"/>
+            </a:schemeClr>
+          </a:lnRef>
+          <a:fillRef idx="1">
+            <a:schemeClr val="accent1"/>
+          </a:fillRef>
+          <a:effectRef idx="0">
+            <a:schemeClr val="accent1"/>
+          </a:effectRef>
+          <a:fontRef idx="minor">
+            <a:schemeClr val="lt1"/>
+          </a:fontRef>
+        </p:style>
+        <p:txBody>
+          <a:bodyPr rtlCol="0" anchor="ctr"/>
+          <a:lstStyle/>
+          <a:p>
+            <a:pPr algn="ctr"/>
+            <a:endParaRPr lang="en-US" dirty="0"/>
+          </a:p>
+        </p:txBody>
+      </p:sp>
+    </p:spTree>
+    <p:extLst>
+      <p:ext uri="{BB962C8B-B14F-4D97-AF65-F5344CB8AC3E}">
+        <p14:creationId xmlns:p14="http://schemas.microsoft.com/office/powerpoint/2010/main" val="1813651209"/>
+      </p:ext>
+    </p:extLst>
+  </p:cSld>
+  <p:clrMapOvr>
+    <a:masterClrMapping/>
+  </p:clrMapOvr>
+</p:sldLayout>
+</file>
+
+<file path=ppt/slideLayouts/slideLayout5.xml><?xml version="1.0" encoding="utf-8"?>
+<p:sldLayout xmlns:a="http://schemas.openxmlformats.org/drawingml/2006/main" xmlns:r="http://schemas.openxmlformats.org/officeDocument/2006/relationships" xmlns:p="http://schemas.openxmlformats.org/presentationml/2006/main" type="blank" preserve="1">
+  <p:cSld name="Ink Blank">
+    <p:spTree>
+      <p:nvGrpSpPr>
+        <p:cNvPr id="1" name=""/>
+        <p:cNvGrpSpPr/>
+        <p:nvPr/>
+      </p:nvGrpSpPr>
+      <p:grpSpPr>
+        <a:xfrm>
+          <a:off x="0" y="0"/>
+          <a:ext cx="0" cy="0"/>
+          <a:chOff x="0" y="0"/>
+          <a:chExt cx="0" cy="0"/>
+        </a:xfrm>
+      </p:grpSpPr>
+      <p:sp>
+        <p:nvSpPr>
+          <p:cNvPr id="2" name="Date Placeholder 1">
+            <a:extLst>
+              <a:ext uri="{FF2B5EF4-FFF2-40B4-BE49-F238E27FC236}">
+                <a16:creationId xmlns:a16="http://schemas.microsoft.com/office/drawing/2014/main" id="{DB20D2F5-42B6-4E6C-A06D-559DDA1712C4}"/>
+              </a:ext>
+            </a:extLst>
+          </p:cNvPr>
+          <p:cNvSpPr>
+            <a:spLocks noGrp="1"/>
+          </p:cNvSpPr>
+          <p:nvPr>
+            <p:ph type="dt" sz="half" idx="10"/>
+          </p:nvPr>
+        </p:nvSpPr>
+        <p:spPr/>
+        <p:txBody>
+          <a:bodyPr/>
+          <a:lstStyle/>
+          <a:p>
+            <a:fld id="{345D3C59-926E-44D2-B63C-57B70178FAAA}" type="datetime1">
+              <a:rPr lang="en-US" smtClean="0"/>
+              <a:t>8/23/2023</a:t>
+            </a:fld>
+            <a:endParaRPr lang="en-US"/>
+          </a:p>
+        </p:txBody>
+      </p:sp>
+      <p:sp>
+        <p:nvSpPr>
+          <p:cNvPr id="3" name="Footer Placeholder 2">
+            <a:extLst>
+              <a:ext uri="{FF2B5EF4-FFF2-40B4-BE49-F238E27FC236}">
+                <a16:creationId xmlns:a16="http://schemas.microsoft.com/office/drawing/2014/main" id="{9815E2BF-4647-4E69-94C1-555CF168C870}"/>
+              </a:ext>
+            </a:extLst>
+          </p:cNvPr>
+          <p:cNvSpPr>
+            <a:spLocks noGrp="1"/>
+          </p:cNvSpPr>
+          <p:nvPr>
+            <p:ph type="ftr" sz="quarter" idx="11"/>
+          </p:nvPr>
+        </p:nvSpPr>
+        <p:spPr/>
+        <p:txBody>
+          <a:bodyPr/>
+          <a:lstStyle/>
+          <a:p>
+            <a:endParaRPr lang="en-US"/>
+          </a:p>
+        </p:txBody>
+      </p:sp>
+      <p:sp>
+        <p:nvSpPr>
+          <p:cNvPr id="4" name="Slide Number Placeholder 3">
+            <a:extLst>
+              <a:ext uri="{FF2B5EF4-FFF2-40B4-BE49-F238E27FC236}">
+                <a16:creationId xmlns:a16="http://schemas.microsoft.com/office/drawing/2014/main" id="{2D9B1EE9-1A51-466E-A9B5-A5F0B6683D2B}"/>
+              </a:ext>
+            </a:extLst>
+          </p:cNvPr>
+          <p:cNvSpPr>
+            <a:spLocks noGrp="1"/>
+          </p:cNvSpPr>
+          <p:nvPr>
+            <p:ph type="sldNum" sz="quarter" idx="12"/>
+          </p:nvPr>
+        </p:nvSpPr>
+        <p:spPr/>
+        <p:txBody>
+          <a:bodyPr/>
+          <a:lstStyle/>
+          <a:p>
+            <a:r>
+              <a:rPr lang="en-US" altLang="zh-CN" dirty="0"/>
+              <a:t>Use macro for slide numbers</a:t>
+            </a:r>
+            <a:endParaRPr lang="en-US" dirty="0"/>
+          </a:p>
+        </p:txBody>
+      </p:sp>
+      <p:sp>
+        <p:nvSpPr>
+          <p:cNvPr id="5" name="Rectangle 4">
+            <a:extLst>
+              <a:ext uri="{FF2B5EF4-FFF2-40B4-BE49-F238E27FC236}">
+                <a16:creationId xmlns:a16="http://schemas.microsoft.com/office/drawing/2014/main" id="{99A8D170-E73F-4DEA-92ED-F9015A1DBA6F}"/>
+              </a:ext>
+            </a:extLst>
+          </p:cNvPr>
+          <p:cNvSpPr/>
+          <p:nvPr userDrawn="1"/>
+        </p:nvSpPr>
+        <p:spPr>
+          <a:xfrm>
+            <a:off x="0" y="0"/>
+            <a:ext cx="365760" cy="6858000"/>
+          </a:xfrm>
+          <a:prstGeom prst="rect">
+            <a:avLst/>
+          </a:prstGeom>
+          <a:solidFill>
+            <a:schemeClr val="bg1">
+              <a:lumMod val="85000"/>
+            </a:schemeClr>
+          </a:solidFill>
+          <a:ln>
+            <a:noFill/>
+          </a:ln>
+        </p:spPr>
+        <p:style>
+          <a:lnRef idx="2">
+            <a:schemeClr val="accent1">
+              <a:shade val="50000"/>
+            </a:schemeClr>
+          </a:lnRef>
+          <a:fillRef idx="1">
+            <a:schemeClr val="accent1"/>
+          </a:fillRef>
+          <a:effectRef idx="0">
+            <a:schemeClr val="accent1"/>
+          </a:effectRef>
+          <a:fontRef idx="minor">
+            <a:schemeClr val="lt1"/>
+          </a:fontRef>
+        </p:style>
+        <p:txBody>
+          <a:bodyPr rtlCol="0" anchor="ctr"/>
+          <a:lstStyle/>
+          <a:p>
+            <a:pPr algn="ctr"/>
+            <a:endParaRPr lang="en-US" dirty="0"/>
+          </a:p>
+        </p:txBody>
+      </p:sp>
+      <p:sp>
+        <p:nvSpPr>
+          <p:cNvPr id="6" name="Rectangle 5">
+            <a:extLst>
+              <a:ext uri="{FF2B5EF4-FFF2-40B4-BE49-F238E27FC236}">
+                <a16:creationId xmlns:a16="http://schemas.microsoft.com/office/drawing/2014/main" id="{F97FC346-0E37-488B-A67A-40813A55CC5A}"/>
+              </a:ext>
+            </a:extLst>
+          </p:cNvPr>
+          <p:cNvSpPr/>
+          <p:nvPr userDrawn="1"/>
+        </p:nvSpPr>
+        <p:spPr>
+          <a:xfrm>
+            <a:off x="11823192" y="0"/>
+            <a:ext cx="365760" cy="6858000"/>
+          </a:xfrm>
+          <a:prstGeom prst="rect">
+            <a:avLst/>
+          </a:prstGeom>
+          <a:solidFill>
+            <a:schemeClr val="bg1">
+              <a:lumMod val="85000"/>
+            </a:schemeClr>
+          </a:solidFill>
+          <a:ln>
+            <a:noFill/>
+          </a:ln>
+        </p:spPr>
+        <p:style>
+          <a:lnRef idx="2">
+            <a:schemeClr val="accent1">
+              <a:shade val="50000"/>
+            </a:schemeClr>
+          </a:lnRef>
+          <a:fillRef idx="1">
+            <a:schemeClr val="accent1"/>
+          </a:fillRef>
+          <a:effectRef idx="0">
+            <a:schemeClr val="accent1"/>
+          </a:effectRef>
+          <a:fontRef idx="minor">
+            <a:schemeClr val="lt1"/>
+          </a:fontRef>
+        </p:style>
+        <p:txBody>
+          <a:bodyPr rtlCol="0" anchor="ctr"/>
+          <a:lstStyle/>
+          <a:p>
+            <a:pPr algn="ctr"/>
+            <a:endParaRPr lang="en-US" dirty="0"/>
+          </a:p>
+        </p:txBody>
+      </p:sp>
+      <p:sp>
+        <p:nvSpPr>
+          <p:cNvPr id="7" name="Rectangle 6">
+            <a:extLst>
+              <a:ext uri="{FF2B5EF4-FFF2-40B4-BE49-F238E27FC236}">
+                <a16:creationId xmlns:a16="http://schemas.microsoft.com/office/drawing/2014/main" id="{98D0060C-1956-49D3-A600-85DFFC2552C5}"/>
+              </a:ext>
+            </a:extLst>
+          </p:cNvPr>
+          <p:cNvSpPr/>
+          <p:nvPr userDrawn="1"/>
+        </p:nvSpPr>
+        <p:spPr>
+          <a:xfrm>
+            <a:off x="0" y="0"/>
+            <a:ext cx="12188952" cy="274320"/>
+          </a:xfrm>
+          <a:prstGeom prst="rect">
+            <a:avLst/>
+          </a:prstGeom>
+          <a:solidFill>
+            <a:schemeClr val="bg1">
+              <a:lumMod val="85000"/>
+            </a:schemeClr>
+          </a:solidFill>
+          <a:ln>
+            <a:noFill/>
+          </a:ln>
+        </p:spPr>
+        <p:style>
+          <a:lnRef idx="2">
+            <a:schemeClr val="accent1">
+              <a:shade val="50000"/>
+            </a:schemeClr>
+          </a:lnRef>
+          <a:fillRef idx="1">
+            <a:schemeClr val="accent1"/>
+          </a:fillRef>
+          <a:effectRef idx="0">
+            <a:schemeClr val="accent1"/>
+          </a:effectRef>
+          <a:fontRef idx="minor">
+            <a:schemeClr val="lt1"/>
+          </a:fontRef>
+        </p:style>
+        <p:txBody>
+          <a:bodyPr rtlCol="0" anchor="ctr"/>
+          <a:lstStyle/>
+          <a:p>
+            <a:pPr marL="0" marR="0" lvl="0" indent="0" algn="ctr" defTabSz="914400" rtl="0" eaLnBrk="1" fontAlgn="auto" latinLnBrk="0" hangingPunct="1">
+              <a:lnSpc>
+                <a:spcPct val="100000"/>
+              </a:lnSpc>
+              <a:spcBef>
+                <a:spcPts val="0"/>
+              </a:spcBef>
+              <a:spcAft>
+                <a:spcPts val="0"/>
+              </a:spcAft>
+              <a:buClrTx/>
+              <a:buSzTx/>
+              <a:buFontTx/>
+              <a:buNone/>
+              <a:tabLst/>
+              <a:defRPr/>
+            </a:pPr>
+            <a:r>
+              <a:rPr lang="en-US" i="1" dirty="0">
+                <a:solidFill>
+                  <a:schemeClr val="tx1"/>
+                </a:solidFill>
+              </a:rPr>
+              <a:t>This layout is “Ink Blank”. Use “Blank” for non-draft slides.</a:t>
+            </a:r>
+          </a:p>
+        </p:txBody>
+      </p:sp>
+      <p:sp>
+        <p:nvSpPr>
+          <p:cNvPr id="8" name="Rectangle 7">
+            <a:extLst>
+              <a:ext uri="{FF2B5EF4-FFF2-40B4-BE49-F238E27FC236}">
+                <a16:creationId xmlns:a16="http://schemas.microsoft.com/office/drawing/2014/main" id="{5C414544-3FD2-4D2C-BAD3-03D3D274F4C4}"/>
+              </a:ext>
+            </a:extLst>
+          </p:cNvPr>
+          <p:cNvSpPr/>
+          <p:nvPr userDrawn="1"/>
+        </p:nvSpPr>
+        <p:spPr>
+          <a:xfrm>
+            <a:off x="0" y="6400800"/>
+            <a:ext cx="12188952" cy="182880"/>
+          </a:xfrm>
+          <a:prstGeom prst="rect">
+            <a:avLst/>
+          </a:prstGeom>
+          <a:solidFill>
+            <a:schemeClr val="bg1">
+              <a:lumMod val="85000"/>
+            </a:schemeClr>
+          </a:solidFill>
+          <a:ln>
+            <a:noFill/>
+          </a:ln>
+        </p:spPr>
+        <p:style>
+          <a:lnRef idx="2">
+            <a:schemeClr val="accent1">
+              <a:shade val="50000"/>
+            </a:schemeClr>
+          </a:lnRef>
+          <a:fillRef idx="1">
+            <a:schemeClr val="accent1"/>
+          </a:fillRef>
+          <a:effectRef idx="0">
+            <a:schemeClr val="accent1"/>
+          </a:effectRef>
+          <a:fontRef idx="minor">
+            <a:schemeClr val="lt1"/>
+          </a:fontRef>
+        </p:style>
+        <p:txBody>
+          <a:bodyPr rtlCol="0" anchor="ctr"/>
+          <a:lstStyle/>
+          <a:p>
+            <a:pPr algn="ctr"/>
+            <a:endParaRPr lang="en-US" dirty="0"/>
+          </a:p>
+        </p:txBody>
+      </p:sp>
+    </p:spTree>
+    <p:extLst>
+      <p:ext uri="{BB962C8B-B14F-4D97-AF65-F5344CB8AC3E}">
+        <p14:creationId xmlns:p14="http://schemas.microsoft.com/office/powerpoint/2010/main" val="140734173"/>
+      </p:ext>
+    </p:extLst>
+  </p:cSld>
+  <p:clrMapOvr>
+    <a:masterClrMapping/>
+  </p:clrMapOvr>
+</p:sldLayout>
+</file>
+
+<file path=ppt/slideLayouts/slideLayout6.xml><?xml version="1.0" encoding="utf-8"?>
+<p:sldLayout xmlns:a="http://schemas.openxmlformats.org/drawingml/2006/main" xmlns:r="http://schemas.openxmlformats.org/officeDocument/2006/relationships" xmlns:p="http://schemas.openxmlformats.org/presentationml/2006/main" preserve="1" userDrawn="1">
+  <p:cSld name="Blank">
+    <p:spTree>
+      <p:nvGrpSpPr>
+        <p:cNvPr id="1" name=""/>
+        <p:cNvGrpSpPr/>
+        <p:nvPr/>
+      </p:nvGrpSpPr>
+      <p:grpSpPr>
+        <a:xfrm>
+          <a:off x="0" y="0"/>
+          <a:ext cx="0" cy="0"/>
+          <a:chOff x="0" y="0"/>
+          <a:chExt cx="0" cy="0"/>
+        </a:xfrm>
+      </p:grpSpPr>
+      <p:sp>
+        <p:nvSpPr>
+          <p:cNvPr id="9" name="Title 8">
+            <a:extLst>
+              <a:ext uri="{FF2B5EF4-FFF2-40B4-BE49-F238E27FC236}">
+                <a16:creationId xmlns:a16="http://schemas.microsoft.com/office/drawing/2014/main" id="{7C42674B-7827-96D0-DB1B-DA0196C88887}"/>
+              </a:ext>
+              <a:ext uri="{C183D7F6-B498-43B3-948B-1728B52AA6E4}">
+                <adec:decorative xmlns:adec="http://schemas.microsoft.com/office/drawing/2017/decorative" val="1"/>
+              </a:ext>
+            </a:extLst>
+          </p:cNvPr>
+          <p:cNvSpPr>
+            <a:spLocks noGrp="1"/>
+          </p:cNvSpPr>
+          <p:nvPr>
+            <p:ph type="title"/>
+          </p:nvPr>
+        </p:nvSpPr>
+        <p:spPr>
+          <a:xfrm>
+            <a:off x="365760" y="7315200"/>
+            <a:ext cx="11457432" cy="731520"/>
+          </a:xfrm>
+        </p:spPr>
+        <p:txBody>
+          <a:bodyPr/>
+          <a:lstStyle>
+            <a:lvl1pPr>
+              <a:defRPr sz="2000"/>
+            </a:lvl1pPr>
+          </a:lstStyle>
+          <a:p>
+            <a:r>
+              <a:rPr lang="en-US"/>
+              <a:t>Click to edit Master title style</a:t>
+            </a:r>
+          </a:p>
+        </p:txBody>
+      </p:sp>
+      <p:sp>
+        <p:nvSpPr>
+          <p:cNvPr id="2" name="Date Placeholder 1">
+            <a:extLst>
+              <a:ext uri="{FF2B5EF4-FFF2-40B4-BE49-F238E27FC236}">
+                <a16:creationId xmlns:a16="http://schemas.microsoft.com/office/drawing/2014/main" id="{DB20D2F5-42B6-4E6C-A06D-559DDA1712C4}"/>
+              </a:ext>
+            </a:extLst>
+          </p:cNvPr>
+          <p:cNvSpPr>
+            <a:spLocks noGrp="1"/>
+          </p:cNvSpPr>
+          <p:nvPr>
+            <p:ph type="dt" sz="half" idx="10"/>
+          </p:nvPr>
+        </p:nvSpPr>
+        <p:spPr/>
+        <p:txBody>
+          <a:bodyPr/>
+          <a:lstStyle/>
+          <a:p>
+            <a:fld id="{2DFC615C-B564-43D1-81E8-3A51D4599FB9}" type="datetime1">
+              <a:rPr lang="en-US" smtClean="0"/>
+              <a:t>8/23/2023</a:t>
+            </a:fld>
+            <a:endParaRPr lang="en-US"/>
+          </a:p>
+        </p:txBody>
+      </p:sp>
+      <p:sp>
+        <p:nvSpPr>
+          <p:cNvPr id="3" name="Footer Placeholder 2">
+            <a:extLst>
+              <a:ext uri="{FF2B5EF4-FFF2-40B4-BE49-F238E27FC236}">
+                <a16:creationId xmlns:a16="http://schemas.microsoft.com/office/drawing/2014/main" id="{9815E2BF-4647-4E69-94C1-555CF168C870}"/>
+              </a:ext>
+            </a:extLst>
+          </p:cNvPr>
+          <p:cNvSpPr>
+            <a:spLocks noGrp="1"/>
+          </p:cNvSpPr>
+          <p:nvPr>
+            <p:ph type="ftr" sz="quarter" idx="11"/>
+          </p:nvPr>
+        </p:nvSpPr>
+        <p:spPr/>
+        <p:txBody>
+          <a:bodyPr/>
+          <a:lstStyle/>
+          <a:p>
+            <a:endParaRPr lang="en-US"/>
+          </a:p>
+        </p:txBody>
+      </p:sp>
+      <p:sp>
+        <p:nvSpPr>
+          <p:cNvPr id="4" name="Slide Number Placeholder 3">
+            <a:extLst>
+              <a:ext uri="{FF2B5EF4-FFF2-40B4-BE49-F238E27FC236}">
+                <a16:creationId xmlns:a16="http://schemas.microsoft.com/office/drawing/2014/main" id="{2D9B1EE9-1A51-466E-A9B5-A5F0B6683D2B}"/>
+              </a:ext>
+            </a:extLst>
+          </p:cNvPr>
+          <p:cNvSpPr>
+            <a:spLocks noGrp="1"/>
+          </p:cNvSpPr>
+          <p:nvPr>
+            <p:ph type="sldNum" sz="quarter" idx="12"/>
+          </p:nvPr>
+        </p:nvSpPr>
+        <p:spPr/>
+        <p:txBody>
+          <a:bodyPr/>
+          <a:lstStyle/>
+          <a:p>
+            <a:r>
+              <a:rPr lang="en-US" altLang="zh-CN" dirty="0"/>
+              <a:t>Use macro for slide numbers</a:t>
+            </a:r>
+            <a:endParaRPr lang="en-US" dirty="0"/>
+          </a:p>
+        </p:txBody>
+      </p:sp>
+      <p:sp>
+        <p:nvSpPr>
+          <p:cNvPr id="5" name="Rectangle 4">
+            <a:extLst>
+              <a:ext uri="{FF2B5EF4-FFF2-40B4-BE49-F238E27FC236}">
+                <a16:creationId xmlns:a16="http://schemas.microsoft.com/office/drawing/2014/main" id="{99A8D170-E73F-4DEA-92ED-F9015A1DBA6F}"/>
+              </a:ext>
+            </a:extLst>
+          </p:cNvPr>
+          <p:cNvSpPr/>
+          <p:nvPr userDrawn="1"/>
+        </p:nvSpPr>
+        <p:spPr>
+          <a:xfrm>
+            <a:off x="0" y="0"/>
+            <a:ext cx="365760" cy="6858000"/>
+          </a:xfrm>
+          <a:prstGeom prst="rect">
+            <a:avLst/>
+          </a:prstGeom>
+          <a:solidFill>
+            <a:schemeClr val="bg1">
+              <a:lumMod val="85000"/>
+            </a:schemeClr>
+          </a:solidFill>
+          <a:ln>
+            <a:noFill/>
+          </a:ln>
+        </p:spPr>
+        <p:style>
+          <a:lnRef idx="2">
+            <a:schemeClr val="accent1">
+              <a:shade val="50000"/>
+            </a:schemeClr>
+          </a:lnRef>
+          <a:fillRef idx="1">
+            <a:schemeClr val="accent1"/>
+          </a:fillRef>
+          <a:effectRef idx="0">
+            <a:schemeClr val="accent1"/>
+          </a:effectRef>
+          <a:fontRef idx="minor">
+            <a:schemeClr val="lt1"/>
+          </a:fontRef>
+        </p:style>
+        <p:txBody>
+          <a:bodyPr rtlCol="0" anchor="ctr"/>
+          <a:lstStyle/>
+          <a:p>
+            <a:pPr algn="ctr"/>
+            <a:endParaRPr lang="en-US" dirty="0"/>
+          </a:p>
+        </p:txBody>
+      </p:sp>
+      <p:sp>
+        <p:nvSpPr>
+          <p:cNvPr id="6" name="Rectangle 5">
+            <a:extLst>
+              <a:ext uri="{FF2B5EF4-FFF2-40B4-BE49-F238E27FC236}">
+                <a16:creationId xmlns:a16="http://schemas.microsoft.com/office/drawing/2014/main" id="{F97FC346-0E37-488B-A67A-40813A55CC5A}"/>
+              </a:ext>
+            </a:extLst>
+          </p:cNvPr>
+          <p:cNvSpPr/>
+          <p:nvPr userDrawn="1"/>
+        </p:nvSpPr>
+        <p:spPr>
+          <a:xfrm>
+            <a:off x="11823192" y="0"/>
+            <a:ext cx="365760" cy="6858000"/>
+          </a:xfrm>
+          <a:prstGeom prst="rect">
+            <a:avLst/>
+          </a:prstGeom>
+          <a:solidFill>
+            <a:schemeClr val="bg1">
+              <a:lumMod val="85000"/>
+            </a:schemeClr>
+          </a:solidFill>
+          <a:ln>
+            <a:noFill/>
+          </a:ln>
+        </p:spPr>
+        <p:style>
+          <a:lnRef idx="2">
+            <a:schemeClr val="accent1">
+              <a:shade val="50000"/>
+            </a:schemeClr>
+          </a:lnRef>
+          <a:fillRef idx="1">
+            <a:schemeClr val="accent1"/>
+          </a:fillRef>
+          <a:effectRef idx="0">
+            <a:schemeClr val="accent1"/>
+          </a:effectRef>
+          <a:fontRef idx="minor">
+            <a:schemeClr val="lt1"/>
+          </a:fontRef>
+        </p:style>
+        <p:txBody>
+          <a:bodyPr rtlCol="0" anchor="ctr"/>
+          <a:lstStyle/>
+          <a:p>
+            <a:pPr algn="ctr"/>
+            <a:endParaRPr lang="en-US" dirty="0"/>
+          </a:p>
+        </p:txBody>
+      </p:sp>
+      <p:sp>
+        <p:nvSpPr>
+          <p:cNvPr id="7" name="Rectangle 6">
+            <a:extLst>
+              <a:ext uri="{FF2B5EF4-FFF2-40B4-BE49-F238E27FC236}">
+                <a16:creationId xmlns:a16="http://schemas.microsoft.com/office/drawing/2014/main" id="{98D0060C-1956-49D3-A600-85DFFC2552C5}"/>
+              </a:ext>
+            </a:extLst>
+          </p:cNvPr>
+          <p:cNvSpPr/>
+          <p:nvPr userDrawn="1"/>
+        </p:nvSpPr>
+        <p:spPr>
+          <a:xfrm>
+            <a:off x="0" y="0"/>
+            <a:ext cx="12188952" cy="274320"/>
+          </a:xfrm>
+          <a:prstGeom prst="rect">
+            <a:avLst/>
+          </a:prstGeom>
+          <a:solidFill>
+            <a:schemeClr val="bg1">
+              <a:lumMod val="85000"/>
+            </a:schemeClr>
+          </a:solidFill>
+          <a:ln>
+            <a:noFill/>
+          </a:ln>
+        </p:spPr>
+        <p:style>
+          <a:lnRef idx="2">
+            <a:schemeClr val="accent1">
+              <a:shade val="50000"/>
+            </a:schemeClr>
+          </a:lnRef>
+          <a:fillRef idx="1">
+            <a:schemeClr val="accent1"/>
+          </a:fillRef>
+          <a:effectRef idx="0">
+            <a:schemeClr val="accent1"/>
+          </a:effectRef>
+          <a:fontRef idx="minor">
+            <a:schemeClr val="lt1"/>
+          </a:fontRef>
+        </p:style>
+        <p:txBody>
+          <a:bodyPr rtlCol="0" anchor="ctr"/>
+          <a:lstStyle/>
+          <a:p>
+            <a:pPr algn="ctr"/>
+            <a:r>
+              <a:rPr lang="en-US" i="1" dirty="0">
+                <a:solidFill>
+                  <a:schemeClr val="tx1"/>
+                </a:solidFill>
+              </a:rPr>
+              <a:t>The title placeholder is for accessibility.</a:t>
+            </a:r>
+          </a:p>
+        </p:txBody>
+      </p:sp>
+      <p:sp>
+        <p:nvSpPr>
+          <p:cNvPr id="8" name="Rectangle 7">
+            <a:extLst>
+              <a:ext uri="{FF2B5EF4-FFF2-40B4-BE49-F238E27FC236}">
+                <a16:creationId xmlns:a16="http://schemas.microsoft.com/office/drawing/2014/main" id="{5C414544-3FD2-4D2C-BAD3-03D3D274F4C4}"/>
+              </a:ext>
+            </a:extLst>
+          </p:cNvPr>
+          <p:cNvSpPr/>
+          <p:nvPr userDrawn="1"/>
+        </p:nvSpPr>
+        <p:spPr>
+          <a:xfrm>
+            <a:off x="0" y="6400800"/>
+            <a:ext cx="12188952" cy="182880"/>
+          </a:xfrm>
+          <a:prstGeom prst="rect">
+            <a:avLst/>
+          </a:prstGeom>
+          <a:solidFill>
+            <a:schemeClr val="bg1">
+              <a:lumMod val="85000"/>
+            </a:schemeClr>
+          </a:solidFill>
+          <a:ln>
+            <a:noFill/>
+          </a:ln>
+        </p:spPr>
+        <p:style>
+          <a:lnRef idx="2">
+            <a:schemeClr val="accent1">
+              <a:shade val="50000"/>
+            </a:schemeClr>
+          </a:lnRef>
+          <a:fillRef idx="1">
+            <a:schemeClr val="accent1"/>
+          </a:fillRef>
+          <a:effectRef idx="0">
+            <a:schemeClr val="accent1"/>
+          </a:effectRef>
+          <a:fontRef idx="minor">
+            <a:schemeClr val="lt1"/>
+          </a:fontRef>
+        </p:style>
+        <p:txBody>
+          <a:bodyPr rtlCol="0" anchor="ctr"/>
+          <a:lstStyle/>
+          <a:p>
+            <a:pPr algn="ctr"/>
+            <a:endParaRPr lang="en-US" dirty="0"/>
+          </a:p>
+        </p:txBody>
+      </p:sp>
+    </p:spTree>
+    <p:extLst>
+      <p:ext uri="{BB962C8B-B14F-4D97-AF65-F5344CB8AC3E}">
+        <p14:creationId xmlns:p14="http://schemas.microsoft.com/office/powerpoint/2010/main" val="3083279526"/>
+      </p:ext>
+    </p:extLst>
+  </p:cSld>
+  <p:clrMapOvr>
+    <a:masterClrMapping/>
+  </p:clrMapOvr>
+</p:sldLayout>
+</file>
+
+<file path=ppt/slideLayouts/slideLayout7.xml><?xml version="1.0" encoding="utf-8"?>
+<p:sldLayout xmlns:a="http://schemas.openxmlformats.org/drawingml/2006/main" xmlns:r="http://schemas.openxmlformats.org/officeDocument/2006/relationships" xmlns:p="http://schemas.openxmlformats.org/presentationml/2006/main" preserve="1" userDrawn="1">
+  <p:cSld name="Title Slide">
+    <p:spTree>
+      <p:nvGrpSpPr>
+        <p:cNvPr id="1" name=""/>
+        <p:cNvGrpSpPr/>
+        <p:nvPr/>
+      </p:nvGrpSpPr>
+      <p:grpSpPr>
+        <a:xfrm>
+          <a:off x="0" y="0"/>
+          <a:ext cx="0" cy="0"/>
+          <a:chOff x="0" y="0"/>
+          <a:chExt cx="0" cy="0"/>
+        </a:xfrm>
+      </p:grpSpPr>
+      <p:sp>
+        <p:nvSpPr>
+          <p:cNvPr id="7" name="Title 1">
+            <a:extLst>
+              <a:ext uri="{FF2B5EF4-FFF2-40B4-BE49-F238E27FC236}">
+                <a16:creationId xmlns:a16="http://schemas.microsoft.com/office/drawing/2014/main" id="{93DCDFFD-8420-DD3C-AAEA-433B74A2AB48}"/>
+              </a:ext>
+            </a:extLst>
+          </p:cNvPr>
+          <p:cNvSpPr>
+            <a:spLocks noGrp="1"/>
+          </p:cNvSpPr>
+          <p:nvPr>
+            <p:ph type="ctrTitle"/>
+          </p:nvPr>
+        </p:nvSpPr>
+        <p:spPr>
+          <a:xfrm>
+            <a:off x="155448" y="1005840"/>
+            <a:ext cx="11887200" cy="2377440"/>
+          </a:xfrm>
+        </p:spPr>
+        <p:txBody>
+          <a:bodyPr anchor="b"/>
+          <a:lstStyle>
+            <a:lvl1pPr algn="ctr">
+              <a:lnSpc>
+                <a:spcPct val="120000"/>
+              </a:lnSpc>
+              <a:defRPr sz="4400"/>
+            </a:lvl1pPr>
+          </a:lstStyle>
+          <a:p>
+            <a:r>
+              <a:rPr lang="en-US"/>
+              <a:t>Click to edit Master title style</a:t>
+            </a:r>
+            <a:endParaRPr lang="en-US" dirty="0"/>
+          </a:p>
+        </p:txBody>
+      </p:sp>
+      <p:sp>
+        <p:nvSpPr>
+          <p:cNvPr id="14" name="Date Placeholder 6">
+            <a:extLst>
+              <a:ext uri="{FF2B5EF4-FFF2-40B4-BE49-F238E27FC236}">
+                <a16:creationId xmlns:a16="http://schemas.microsoft.com/office/drawing/2014/main" id="{BDD71AF5-1AC3-2FF7-B571-1C7AA917C8F0}"/>
+              </a:ext>
+            </a:extLst>
+          </p:cNvPr>
+          <p:cNvSpPr>
+            <a:spLocks noGrp="1"/>
+          </p:cNvSpPr>
+          <p:nvPr>
+            <p:ph type="dt" sz="half" idx="10"/>
+          </p:nvPr>
+        </p:nvSpPr>
+        <p:spPr>
+          <a:xfrm>
+            <a:off x="365760" y="6583680"/>
+            <a:ext cx="2743200" cy="274320"/>
+          </a:xfrm>
+        </p:spPr>
+        <p:txBody>
+          <a:bodyPr/>
+          <a:lstStyle/>
+          <a:p>
+            <a:fld id="{33639637-A6E8-452D-98B2-51C8A29CC287}" type="datetime1">
+              <a:rPr lang="en-US" smtClean="0"/>
+              <a:t>8/23/2023</a:t>
+            </a:fld>
+            <a:endParaRPr lang="en-US"/>
+          </a:p>
+        </p:txBody>
+      </p:sp>
+      <p:sp>
+        <p:nvSpPr>
+          <p:cNvPr id="15" name="Footer Placeholder 12">
+            <a:extLst>
+              <a:ext uri="{FF2B5EF4-FFF2-40B4-BE49-F238E27FC236}">
+                <a16:creationId xmlns:a16="http://schemas.microsoft.com/office/drawing/2014/main" id="{DFDA877D-6069-8C07-DA58-96AFF2122DC1}"/>
+              </a:ext>
+            </a:extLst>
+          </p:cNvPr>
+          <p:cNvSpPr>
+            <a:spLocks noGrp="1"/>
+          </p:cNvSpPr>
+          <p:nvPr>
+            <p:ph type="ftr" sz="quarter" idx="11"/>
+          </p:nvPr>
+        </p:nvSpPr>
+        <p:spPr>
+          <a:xfrm>
+            <a:off x="3813048" y="6583680"/>
+            <a:ext cx="4572000" cy="274320"/>
+          </a:xfrm>
+        </p:spPr>
+        <p:txBody>
+          <a:bodyPr/>
+          <a:lstStyle/>
+          <a:p>
+            <a:endParaRPr lang="en-US"/>
+          </a:p>
+        </p:txBody>
+      </p:sp>
+      <p:sp>
+        <p:nvSpPr>
+          <p:cNvPr id="16" name="Slide Number Placeholder 13">
+            <a:extLst>
+              <a:ext uri="{FF2B5EF4-FFF2-40B4-BE49-F238E27FC236}">
+                <a16:creationId xmlns:a16="http://schemas.microsoft.com/office/drawing/2014/main" id="{59623009-302D-9819-0CF5-98D8D87968C2}"/>
+              </a:ext>
+            </a:extLst>
+          </p:cNvPr>
+          <p:cNvSpPr>
+            <a:spLocks noGrp="1"/>
+          </p:cNvSpPr>
+          <p:nvPr>
+            <p:ph type="sldNum" sz="quarter" idx="12"/>
+          </p:nvPr>
+        </p:nvSpPr>
+        <p:spPr>
+          <a:xfrm>
+            <a:off x="9079992" y="6583680"/>
+            <a:ext cx="2743200" cy="274320"/>
+          </a:xfrm>
+        </p:spPr>
+        <p:txBody>
+          <a:bodyPr/>
+          <a:lstStyle/>
+          <a:p>
+            <a:r>
+              <a:rPr lang="en-US"/>
+              <a:t>Use macro for slide numbers</a:t>
+            </a:r>
+            <a:endParaRPr lang="en-US" dirty="0"/>
+          </a:p>
+        </p:txBody>
+      </p:sp>
+    </p:spTree>
+    <p:extLst>
+      <p:ext uri="{BB962C8B-B14F-4D97-AF65-F5344CB8AC3E}">
+        <p14:creationId xmlns:p14="http://schemas.microsoft.com/office/powerpoint/2010/main" val="297937218"/>
+      </p:ext>
+    </p:extLst>
+  </p:cSld>
+  <p:clrMapOvr>
+    <a:masterClrMapping/>
+  </p:clrMapOvr>
+</p:sldLayout>
+</file>
+
+<file path=ppt/slideLayouts/slideLayout8.xml><?xml version="1.0" encoding="utf-8"?>
+<p:sldLayout xmlns:a="http://schemas.openxmlformats.org/drawingml/2006/main" xmlns:r="http://schemas.openxmlformats.org/officeDocument/2006/relationships" xmlns:p="http://schemas.openxmlformats.org/presentationml/2006/main" type="secHead" preserve="1">
+  <p:cSld name="Section Header">
+    <p:spTree>
+      <p:nvGrpSpPr>
+        <p:cNvPr id="1" name=""/>
+        <p:cNvGrpSpPr/>
+        <p:nvPr/>
+      </p:nvGrpSpPr>
+      <p:grpSpPr>
+        <a:xfrm>
+          <a:off x="0" y="0"/>
+          <a:ext cx="0" cy="0"/>
+          <a:chOff x="0" y="0"/>
+          <a:chExt cx="0" cy="0"/>
+        </a:xfrm>
+      </p:grpSpPr>
+      <p:sp>
+        <p:nvSpPr>
+          <p:cNvPr id="2" name="Title 1">
+            <a:extLst>
+              <a:ext uri="{FF2B5EF4-FFF2-40B4-BE49-F238E27FC236}">
+                <a16:creationId xmlns:a16="http://schemas.microsoft.com/office/drawing/2014/main" id="{D1C24473-E22B-4738-84E9-D795A7C2B35E}"/>
+              </a:ext>
+            </a:extLst>
+          </p:cNvPr>
+          <p:cNvSpPr>
+            <a:spLocks noGrp="1"/>
+          </p:cNvSpPr>
+          <p:nvPr>
+            <p:ph type="title"/>
+          </p:nvPr>
+        </p:nvSpPr>
+        <p:spPr>
+          <a:xfrm>
+            <a:off x="831850" y="1709738"/>
+            <a:ext cx="10515600" cy="2852737"/>
+          </a:xfrm>
+        </p:spPr>
+        <p:txBody>
+          <a:bodyPr anchor="b"/>
+          <a:lstStyle>
+            <a:lvl1pPr>
+              <a:defRPr sz="6000"/>
+            </a:lvl1pPr>
+          </a:lstStyle>
+          <a:p>
+            <a:r>
+              <a:rPr lang="en-US"/>
+              <a:t>Click to edit Master title style</a:t>
+            </a:r>
+          </a:p>
+        </p:txBody>
+      </p:sp>
+      <p:sp>
+        <p:nvSpPr>
+          <p:cNvPr id="3" name="Text Placeholder 2">
+            <a:extLst>
+              <a:ext uri="{FF2B5EF4-FFF2-40B4-BE49-F238E27FC236}">
+                <a16:creationId xmlns:a16="http://schemas.microsoft.com/office/drawing/2014/main" id="{494209EC-14E8-428D-B76F-9288597E7025}"/>
+              </a:ext>
+            </a:extLst>
+          </p:cNvPr>
+          <p:cNvSpPr>
+            <a:spLocks noGrp="1"/>
+          </p:cNvSpPr>
+          <p:nvPr>
+            <p:ph type="body" idx="1"/>
+          </p:nvPr>
+        </p:nvSpPr>
+        <p:spPr>
+          <a:xfrm>
+            <a:off x="831850" y="4589463"/>
+            <a:ext cx="10515600" cy="1500187"/>
+          </a:xfrm>
+        </p:spPr>
+        <p:txBody>
+          <a:bodyPr/>
+          <a:lstStyle>
+            <a:lvl1pPr marL="0" indent="0">
+              <a:buNone/>
+              <a:defRPr sz="2400">
+                <a:solidFill>
+                  <a:schemeClr val="tx1">
+                    <a:tint val="75000"/>
+                  </a:schemeClr>
+                </a:solidFill>
+              </a:defRPr>
+            </a:lvl1pPr>
+            <a:lvl2pPr marL="457200" indent="0">
+              <a:buNone/>
+              <a:defRPr sz="2000">
+                <a:solidFill>
+                  <a:schemeClr val="tx1">
+                    <a:tint val="75000"/>
+                  </a:schemeClr>
+                </a:solidFill>
+              </a:defRPr>
+            </a:lvl2pPr>
+            <a:lvl3pPr marL="914400" indent="0">
+              <a:buNone/>
+              <a:defRPr sz="1800">
+                <a:solidFill>
+                  <a:schemeClr val="tx1">
+                    <a:tint val="75000"/>
+                  </a:schemeClr>
+                </a:solidFill>
+              </a:defRPr>
+            </a:lvl3pPr>
+            <a:lvl4pPr marL="1371600" indent="0">
+              <a:buNone/>
+              <a:defRPr sz="1600">
+                <a:solidFill>
+                  <a:schemeClr val="tx1">
+                    <a:tint val="75000"/>
+                  </a:schemeClr>
+                </a:solidFill>
+              </a:defRPr>
+            </a:lvl4pPr>
+            <a:lvl5pPr marL="1828800" indent="0">
+              <a:buNone/>
+              <a:defRPr sz="1600">
+                <a:solidFill>
+                  <a:schemeClr val="tx1">
+                    <a:tint val="75000"/>
+                  </a:schemeClr>
+                </a:solidFill>
+              </a:defRPr>
+            </a:lvl5pPr>
+            <a:lvl6pPr marL="2286000" indent="0">
+              <a:buNone/>
+              <a:defRPr sz="1600">
+                <a:solidFill>
+                  <a:schemeClr val="tx1">
+                    <a:tint val="75000"/>
+                  </a:schemeClr>
+                </a:solidFill>
+              </a:defRPr>
+            </a:lvl6pPr>
+            <a:lvl7pPr marL="2743200" indent="0">
+              <a:buNone/>
+              <a:defRPr sz="1600">
+                <a:solidFill>
+                  <a:schemeClr val="tx1">
+                    <a:tint val="75000"/>
+                  </a:schemeClr>
+                </a:solidFill>
+              </a:defRPr>
+            </a:lvl7pPr>
+            <a:lvl8pPr marL="3200400" indent="0">
+              <a:buNone/>
+              <a:defRPr sz="1600">
+                <a:solidFill>
+                  <a:schemeClr val="tx1">
+                    <a:tint val="75000"/>
+                  </a:schemeClr>
+                </a:solidFill>
+              </a:defRPr>
+            </a:lvl8pPr>
+            <a:lvl9pPr marL="3657600" indent="0">
+              <a:buNone/>
+              <a:defRPr sz="1600">
+                <a:solidFill>
+                  <a:schemeClr val="tx1">
+                    <a:tint val="75000"/>
+                  </a:schemeClr>
+                </a:solidFill>
+              </a:defRPr>
+            </a:lvl9pPr>
+          </a:lstStyle>
+          <a:p>
+            <a:pPr lvl="0"/>
+            <a:r>
+              <a:rPr lang="en-US"/>
+              <a:t>Click to edit Master text styles</a:t>
+            </a:r>
+          </a:p>
+        </p:txBody>
+      </p:sp>
+      <p:sp>
+        <p:nvSpPr>
+          <p:cNvPr id="4" name="Date Placeholder 3">
+            <a:extLst>
+              <a:ext uri="{FF2B5EF4-FFF2-40B4-BE49-F238E27FC236}">
+                <a16:creationId xmlns:a16="http://schemas.microsoft.com/office/drawing/2014/main" id="{11999B8A-D4E6-4EC3-9198-2E7DA53C1A3C}"/>
+              </a:ext>
+            </a:extLst>
+          </p:cNvPr>
+          <p:cNvSpPr>
+            <a:spLocks noGrp="1"/>
+          </p:cNvSpPr>
+          <p:nvPr>
+            <p:ph type="dt" sz="half" idx="10"/>
+          </p:nvPr>
+        </p:nvSpPr>
+        <p:spPr/>
+        <p:txBody>
+          <a:bodyPr/>
+          <a:lstStyle/>
+          <a:p>
+            <a:fld id="{C8CB1670-9DD0-459B-977E-B405486FFF41}" type="datetime1">
+              <a:rPr lang="en-US" smtClean="0"/>
+              <a:t>8/23/2023</a:t>
             </a:fld>
             <a:endParaRPr lang="en-US"/>
           </a:p>
@@ -3672,7 +8213,7 @@
           <a:p>
             <a:fld id="{D83046E4-BD1F-46AE-B11D-82FA519AC7FB}" type="datetime1">
               <a:rPr lang="en-US" smtClean="0"/>
-              <a:t>5/15/2023</a:t>
+              <a:t>8/23/2023</a:t>
             </a:fld>
             <a:endParaRPr lang="en-US"/>
           </a:p>
@@ -4197,7 +8738,7 @@
           <a:p>
             <a:fld id="{75FE7A0E-B73F-47A5-93F2-3016E1DE3045}" type="datetime1">
               <a:rPr lang="en-US" smtClean="0"/>
-              <a:t>5/15/2023</a:t>
+              <a:t>8/23/2023</a:t>
             </a:fld>
             <a:endParaRPr lang="en-US"/>
           </a:p>
@@ -4760,7 +9301,7 @@
           <a:p>
             <a:fld id="{75FE7A0E-B73F-47A5-93F2-3016E1DE3045}" type="datetime1">
               <a:rPr lang="en-US" smtClean="0"/>
-              <a:t>5/15/2023</a:t>
+              <a:t>8/23/2023</a:t>
             </a:fld>
             <a:endParaRPr lang="en-US"/>
           </a:p>
@@ -4870,6 +9411,1132 @@
     <p:sldLayoutId id="2147483659" r:id="rId4"/>
     <p:sldLayoutId id="2147483660" r:id="rId5"/>
     <p:sldLayoutId id="2147483661" r:id="rId6"/>
+  </p:sldLayoutIdLst>
+  <p:txStyles>
+    <p:titleStyle>
+      <a:lvl1pPr algn="l" defTabSz="914400" rtl="0" eaLnBrk="1" latinLnBrk="0" hangingPunct="1">
+        <a:lnSpc>
+          <a:spcPct val="90000"/>
+        </a:lnSpc>
+        <a:spcBef>
+          <a:spcPct val="0"/>
+        </a:spcBef>
+        <a:buNone/>
+        <a:defRPr sz="4400" kern="1200">
+          <a:solidFill>
+            <a:schemeClr val="tx1"/>
+          </a:solidFill>
+          <a:latin typeface="+mj-lt"/>
+          <a:ea typeface="+mj-ea"/>
+          <a:cs typeface="+mj-cs"/>
+        </a:defRPr>
+      </a:lvl1pPr>
+    </p:titleStyle>
+    <p:bodyStyle>
+      <a:lvl1pPr marL="228600" indent="-228600" algn="l" defTabSz="914400" rtl="0" eaLnBrk="1" latinLnBrk="0" hangingPunct="1">
+        <a:lnSpc>
+          <a:spcPct val="90000"/>
+        </a:lnSpc>
+        <a:spcBef>
+          <a:spcPts val="1000"/>
+        </a:spcBef>
+        <a:buFont typeface="Arial" panose="020B0604020202020204" pitchFamily="34" charset="0"/>
+        <a:buChar char="•"/>
+        <a:defRPr sz="2800" kern="1200">
+          <a:solidFill>
+            <a:schemeClr val="tx1"/>
+          </a:solidFill>
+          <a:latin typeface="+mn-lt"/>
+          <a:ea typeface="+mn-ea"/>
+          <a:cs typeface="+mn-cs"/>
+        </a:defRPr>
+      </a:lvl1pPr>
+      <a:lvl2pPr marL="685800" indent="-228600" algn="l" defTabSz="914400" rtl="0" eaLnBrk="1" latinLnBrk="0" hangingPunct="1">
+        <a:lnSpc>
+          <a:spcPct val="90000"/>
+        </a:lnSpc>
+        <a:spcBef>
+          <a:spcPts val="500"/>
+        </a:spcBef>
+        <a:buFont typeface="Arial" panose="020B0604020202020204" pitchFamily="34" charset="0"/>
+        <a:buChar char="•"/>
+        <a:defRPr sz="2400" kern="1200">
+          <a:solidFill>
+            <a:schemeClr val="tx1"/>
+          </a:solidFill>
+          <a:latin typeface="+mn-lt"/>
+          <a:ea typeface="+mn-ea"/>
+          <a:cs typeface="+mn-cs"/>
+        </a:defRPr>
+      </a:lvl2pPr>
+      <a:lvl3pPr marL="1143000" indent="-228600" algn="l" defTabSz="914400" rtl="0" eaLnBrk="1" latinLnBrk="0" hangingPunct="1">
+        <a:lnSpc>
+          <a:spcPct val="90000"/>
+        </a:lnSpc>
+        <a:spcBef>
+          <a:spcPts val="500"/>
+        </a:spcBef>
+        <a:buFont typeface="Arial" panose="020B0604020202020204" pitchFamily="34" charset="0"/>
+        <a:buChar char="•"/>
+        <a:defRPr sz="2000" kern="1200">
+          <a:solidFill>
+            <a:schemeClr val="tx1"/>
+          </a:solidFill>
+          <a:latin typeface="+mn-lt"/>
+          <a:ea typeface="+mn-ea"/>
+          <a:cs typeface="+mn-cs"/>
+        </a:defRPr>
+      </a:lvl3pPr>
+      <a:lvl4pPr marL="1600200" indent="-228600" algn="l" defTabSz="914400" rtl="0" eaLnBrk="1" latinLnBrk="0" hangingPunct="1">
+        <a:lnSpc>
+          <a:spcPct val="90000"/>
+        </a:lnSpc>
+        <a:spcBef>
+          <a:spcPts val="500"/>
+        </a:spcBef>
+        <a:buFont typeface="Arial" panose="020B0604020202020204" pitchFamily="34" charset="0"/>
+        <a:buChar char="•"/>
+        <a:defRPr sz="1800" kern="1200">
+          <a:solidFill>
+            <a:schemeClr val="tx1"/>
+          </a:solidFill>
+          <a:latin typeface="+mn-lt"/>
+          <a:ea typeface="+mn-ea"/>
+          <a:cs typeface="+mn-cs"/>
+        </a:defRPr>
+      </a:lvl4pPr>
+      <a:lvl5pPr marL="2057400" indent="-228600" algn="l" defTabSz="914400" rtl="0" eaLnBrk="1" latinLnBrk="0" hangingPunct="1">
+        <a:lnSpc>
+          <a:spcPct val="90000"/>
+        </a:lnSpc>
+        <a:spcBef>
+          <a:spcPts val="500"/>
+        </a:spcBef>
+        <a:buFont typeface="Arial" panose="020B0604020202020204" pitchFamily="34" charset="0"/>
+        <a:buChar char="•"/>
+        <a:defRPr sz="1800" kern="1200">
+          <a:solidFill>
+            <a:schemeClr val="tx1"/>
+          </a:solidFill>
+          <a:latin typeface="+mn-lt"/>
+          <a:ea typeface="+mn-ea"/>
+          <a:cs typeface="+mn-cs"/>
+        </a:defRPr>
+      </a:lvl5pPr>
+      <a:lvl6pPr marL="2514600" indent="-228600" algn="l" defTabSz="914400" rtl="0" eaLnBrk="1" latinLnBrk="0" hangingPunct="1">
+        <a:lnSpc>
+          <a:spcPct val="90000"/>
+        </a:lnSpc>
+        <a:spcBef>
+          <a:spcPts val="500"/>
+        </a:spcBef>
+        <a:buFont typeface="Arial" panose="020B0604020202020204" pitchFamily="34" charset="0"/>
+        <a:buChar char="•"/>
+        <a:defRPr sz="1800" kern="1200">
+          <a:solidFill>
+            <a:schemeClr val="tx1"/>
+          </a:solidFill>
+          <a:latin typeface="+mn-lt"/>
+          <a:ea typeface="+mn-ea"/>
+          <a:cs typeface="+mn-cs"/>
+        </a:defRPr>
+      </a:lvl6pPr>
+      <a:lvl7pPr marL="2971800" indent="-228600" algn="l" defTabSz="914400" rtl="0" eaLnBrk="1" latinLnBrk="0" hangingPunct="1">
+        <a:lnSpc>
+          <a:spcPct val="90000"/>
+        </a:lnSpc>
+        <a:spcBef>
+          <a:spcPts val="500"/>
+        </a:spcBef>
+        <a:buFont typeface="Arial" panose="020B0604020202020204" pitchFamily="34" charset="0"/>
+        <a:buChar char="•"/>
+        <a:defRPr sz="1800" kern="1200">
+          <a:solidFill>
+            <a:schemeClr val="tx1"/>
+          </a:solidFill>
+          <a:latin typeface="+mn-lt"/>
+          <a:ea typeface="+mn-ea"/>
+          <a:cs typeface="+mn-cs"/>
+        </a:defRPr>
+      </a:lvl7pPr>
+      <a:lvl8pPr marL="3429000" indent="-228600" algn="l" defTabSz="914400" rtl="0" eaLnBrk="1" latinLnBrk="0" hangingPunct="1">
+        <a:lnSpc>
+          <a:spcPct val="90000"/>
+        </a:lnSpc>
+        <a:spcBef>
+          <a:spcPts val="500"/>
+        </a:spcBef>
+        <a:buFont typeface="Arial" panose="020B0604020202020204" pitchFamily="34" charset="0"/>
+        <a:buChar char="•"/>
+        <a:defRPr sz="1800" kern="1200">
+          <a:solidFill>
+            <a:schemeClr val="tx1"/>
+          </a:solidFill>
+          <a:latin typeface="+mn-lt"/>
+          <a:ea typeface="+mn-ea"/>
+          <a:cs typeface="+mn-cs"/>
+        </a:defRPr>
+      </a:lvl8pPr>
+      <a:lvl9pPr marL="3886200" indent="-228600" algn="l" defTabSz="914400" rtl="0" eaLnBrk="1" latinLnBrk="0" hangingPunct="1">
+        <a:lnSpc>
+          <a:spcPct val="90000"/>
+        </a:lnSpc>
+        <a:spcBef>
+          <a:spcPts val="500"/>
+        </a:spcBef>
+        <a:buFont typeface="Arial" panose="020B0604020202020204" pitchFamily="34" charset="0"/>
+        <a:buChar char="•"/>
+        <a:defRPr sz="1800" kern="1200">
+          <a:solidFill>
+            <a:schemeClr val="tx1"/>
+          </a:solidFill>
+          <a:latin typeface="+mn-lt"/>
+          <a:ea typeface="+mn-ea"/>
+          <a:cs typeface="+mn-cs"/>
+        </a:defRPr>
+      </a:lvl9pPr>
+    </p:bodyStyle>
+    <p:otherStyle>
+      <a:defPPr>
+        <a:defRPr lang="en-US"/>
+      </a:defPPr>
+      <a:lvl1pPr marL="0" algn="l" defTabSz="914400" rtl="0" eaLnBrk="1" latinLnBrk="0" hangingPunct="1">
+        <a:defRPr sz="1800" kern="1200">
+          <a:solidFill>
+            <a:schemeClr val="tx1"/>
+          </a:solidFill>
+          <a:latin typeface="+mn-lt"/>
+          <a:ea typeface="+mn-ea"/>
+          <a:cs typeface="+mn-cs"/>
+        </a:defRPr>
+      </a:lvl1pPr>
+      <a:lvl2pPr marL="457200" algn="l" defTabSz="914400" rtl="0" eaLnBrk="1" latinLnBrk="0" hangingPunct="1">
+        <a:defRPr sz="1800" kern="1200">
+          <a:solidFill>
+            <a:schemeClr val="tx1"/>
+          </a:solidFill>
+          <a:latin typeface="+mn-lt"/>
+          <a:ea typeface="+mn-ea"/>
+          <a:cs typeface="+mn-cs"/>
+        </a:defRPr>
+      </a:lvl2pPr>
+      <a:lvl3pPr marL="914400" algn="l" defTabSz="914400" rtl="0" eaLnBrk="1" latinLnBrk="0" hangingPunct="1">
+        <a:defRPr sz="1800" kern="1200">
+          <a:solidFill>
+            <a:schemeClr val="tx1"/>
+          </a:solidFill>
+          <a:latin typeface="+mn-lt"/>
+          <a:ea typeface="+mn-ea"/>
+          <a:cs typeface="+mn-cs"/>
+        </a:defRPr>
+      </a:lvl3pPr>
+      <a:lvl4pPr marL="1371600" algn="l" defTabSz="914400" rtl="0" eaLnBrk="1" latinLnBrk="0" hangingPunct="1">
+        <a:defRPr sz="1800" kern="1200">
+          <a:solidFill>
+            <a:schemeClr val="tx1"/>
+          </a:solidFill>
+          <a:latin typeface="+mn-lt"/>
+          <a:ea typeface="+mn-ea"/>
+          <a:cs typeface="+mn-cs"/>
+        </a:defRPr>
+      </a:lvl4pPr>
+      <a:lvl5pPr marL="1828800" algn="l" defTabSz="914400" rtl="0" eaLnBrk="1" latinLnBrk="0" hangingPunct="1">
+        <a:defRPr sz="1800" kern="1200">
+          <a:solidFill>
+            <a:schemeClr val="tx1"/>
+          </a:solidFill>
+          <a:latin typeface="+mn-lt"/>
+          <a:ea typeface="+mn-ea"/>
+          <a:cs typeface="+mn-cs"/>
+        </a:defRPr>
+      </a:lvl5pPr>
+      <a:lvl6pPr marL="2286000" algn="l" defTabSz="914400" rtl="0" eaLnBrk="1" latinLnBrk="0" hangingPunct="1">
+        <a:defRPr sz="1800" kern="1200">
+          <a:solidFill>
+            <a:schemeClr val="tx1"/>
+          </a:solidFill>
+          <a:latin typeface="+mn-lt"/>
+          <a:ea typeface="+mn-ea"/>
+          <a:cs typeface="+mn-cs"/>
+        </a:defRPr>
+      </a:lvl6pPr>
+      <a:lvl7pPr marL="2743200" algn="l" defTabSz="914400" rtl="0" eaLnBrk="1" latinLnBrk="0" hangingPunct="1">
+        <a:defRPr sz="1800" kern="1200">
+          <a:solidFill>
+            <a:schemeClr val="tx1"/>
+          </a:solidFill>
+          <a:latin typeface="+mn-lt"/>
+          <a:ea typeface="+mn-ea"/>
+          <a:cs typeface="+mn-cs"/>
+        </a:defRPr>
+      </a:lvl7pPr>
+      <a:lvl8pPr marL="3200400" algn="l" defTabSz="914400" rtl="0" eaLnBrk="1" latinLnBrk="0" hangingPunct="1">
+        <a:defRPr sz="1800" kern="1200">
+          <a:solidFill>
+            <a:schemeClr val="tx1"/>
+          </a:solidFill>
+          <a:latin typeface="+mn-lt"/>
+          <a:ea typeface="+mn-ea"/>
+          <a:cs typeface="+mn-cs"/>
+        </a:defRPr>
+      </a:lvl8pPr>
+      <a:lvl9pPr marL="3657600" algn="l" defTabSz="914400" rtl="0" eaLnBrk="1" latinLnBrk="0" hangingPunct="1">
+        <a:defRPr sz="1800" kern="1200">
+          <a:solidFill>
+            <a:schemeClr val="tx1"/>
+          </a:solidFill>
+          <a:latin typeface="+mn-lt"/>
+          <a:ea typeface="+mn-ea"/>
+          <a:cs typeface="+mn-cs"/>
+        </a:defRPr>
+      </a:lvl9pPr>
+    </p:otherStyle>
+  </p:txStyles>
+</p:sldMaster>
+</file>
+
+<file path=ppt/slideMasters/slideMaster3.xml><?xml version="1.0" encoding="utf-8"?>
+<p:sldMaster xmlns:a="http://schemas.openxmlformats.org/drawingml/2006/main" xmlns:r="http://schemas.openxmlformats.org/officeDocument/2006/relationships" xmlns:p="http://schemas.openxmlformats.org/presentationml/2006/main" preserve="1">
+  <p:cSld>
+    <p:bg>
+      <p:bgRef idx="1001">
+        <a:schemeClr val="bg1"/>
+      </p:bgRef>
+    </p:bg>
+    <p:spTree>
+      <p:nvGrpSpPr>
+        <p:cNvPr id="1" name=""/>
+        <p:cNvGrpSpPr/>
+        <p:nvPr/>
+      </p:nvGrpSpPr>
+      <p:grpSpPr>
+        <a:xfrm>
+          <a:off x="0" y="0"/>
+          <a:ext cx="0" cy="0"/>
+          <a:chOff x="0" y="0"/>
+          <a:chExt cx="0" cy="0"/>
+        </a:xfrm>
+      </p:grpSpPr>
+      <p:sp>
+        <p:nvSpPr>
+          <p:cNvPr id="7" name="Title Placeholder 1">
+            <a:extLst>
+              <a:ext uri="{FF2B5EF4-FFF2-40B4-BE49-F238E27FC236}">
+                <a16:creationId xmlns:a16="http://schemas.microsoft.com/office/drawing/2014/main" id="{47AA27B7-8463-EB4D-D842-A290E1C57C49}"/>
+              </a:ext>
+            </a:extLst>
+          </p:cNvPr>
+          <p:cNvSpPr>
+            <a:spLocks noGrp="1"/>
+          </p:cNvSpPr>
+          <p:nvPr>
+            <p:ph type="title"/>
+          </p:nvPr>
+        </p:nvSpPr>
+        <p:spPr>
+          <a:xfrm>
+            <a:off x="365760" y="274320"/>
+            <a:ext cx="11457432" cy="731520"/>
+          </a:xfrm>
+          <a:prstGeom prst="rect">
+            <a:avLst/>
+          </a:prstGeom>
+        </p:spPr>
+        <p:txBody>
+          <a:bodyPr vert="horz" lIns="0" tIns="0" rIns="0" bIns="0" rtlCol="0" anchor="ctr">
+            <a:noAutofit/>
+          </a:bodyPr>
+          <a:lstStyle/>
+          <a:p>
+            <a:r>
+              <a:rPr lang="en-US" dirty="0"/>
+              <a:t>Click to edit Master title style</a:t>
+            </a:r>
+          </a:p>
+        </p:txBody>
+      </p:sp>
+      <p:sp>
+        <p:nvSpPr>
+          <p:cNvPr id="8" name="Text Placeholder 2">
+            <a:extLst>
+              <a:ext uri="{FF2B5EF4-FFF2-40B4-BE49-F238E27FC236}">
+                <a16:creationId xmlns:a16="http://schemas.microsoft.com/office/drawing/2014/main" id="{CA309BAD-4439-7A4A-E153-03E5C280FA5D}"/>
+              </a:ext>
+            </a:extLst>
+          </p:cNvPr>
+          <p:cNvSpPr>
+            <a:spLocks noGrp="1"/>
+          </p:cNvSpPr>
+          <p:nvPr>
+            <p:ph type="body" idx="1"/>
+          </p:nvPr>
+        </p:nvSpPr>
+        <p:spPr>
+          <a:xfrm>
+            <a:off x="365760" y="1188720"/>
+            <a:ext cx="11457432" cy="5120640"/>
+          </a:xfrm>
+          <a:prstGeom prst="rect">
+            <a:avLst/>
+          </a:prstGeom>
+        </p:spPr>
+        <p:txBody>
+          <a:bodyPr vert="horz" lIns="0" tIns="0" rIns="0" bIns="0" rtlCol="0">
+            <a:normAutofit/>
+          </a:bodyPr>
+          <a:lstStyle/>
+          <a:p>
+            <a:pPr lvl="0"/>
+            <a:r>
+              <a:rPr lang="en-US"/>
+              <a:t>Click to edit Master text styles</a:t>
+            </a:r>
+          </a:p>
+          <a:p>
+            <a:pPr lvl="1"/>
+            <a:r>
+              <a:rPr lang="en-US"/>
+              <a:t>Second level</a:t>
+            </a:r>
+          </a:p>
+          <a:p>
+            <a:pPr lvl="2"/>
+            <a:r>
+              <a:rPr lang="en-US"/>
+              <a:t>Third level</a:t>
+            </a:r>
+          </a:p>
+          <a:p>
+            <a:pPr lvl="3"/>
+            <a:r>
+              <a:rPr lang="en-US"/>
+              <a:t>Fourth level</a:t>
+            </a:r>
+          </a:p>
+          <a:p>
+            <a:pPr lvl="4"/>
+            <a:r>
+              <a:rPr lang="en-US"/>
+              <a:t>Fifth level</a:t>
+            </a:r>
+            <a:endParaRPr lang="en-US" dirty="0"/>
+          </a:p>
+        </p:txBody>
+      </p:sp>
+      <p:sp>
+        <p:nvSpPr>
+          <p:cNvPr id="9" name="Date Placeholder 3">
+            <a:extLst>
+              <a:ext uri="{FF2B5EF4-FFF2-40B4-BE49-F238E27FC236}">
+                <a16:creationId xmlns:a16="http://schemas.microsoft.com/office/drawing/2014/main" id="{D3DEF974-3F32-68AE-003B-9F43607C9AC2}"/>
+              </a:ext>
+            </a:extLst>
+          </p:cNvPr>
+          <p:cNvSpPr>
+            <a:spLocks noGrp="1"/>
+          </p:cNvSpPr>
+          <p:nvPr>
+            <p:ph type="dt" sz="half" idx="2"/>
+          </p:nvPr>
+        </p:nvSpPr>
+        <p:spPr>
+          <a:xfrm>
+            <a:off x="365760" y="6583680"/>
+            <a:ext cx="2743200" cy="274320"/>
+          </a:xfrm>
+          <a:prstGeom prst="rect">
+            <a:avLst/>
+          </a:prstGeom>
+        </p:spPr>
+        <p:txBody>
+          <a:bodyPr vert="horz" lIns="91440" tIns="45720" rIns="91440" bIns="45720" rtlCol="0" anchor="ctr"/>
+          <a:lstStyle>
+            <a:lvl1pPr algn="l">
+              <a:defRPr sz="1400">
+                <a:solidFill>
+                  <a:schemeClr val="tx1">
+                    <a:tint val="75000"/>
+                  </a:schemeClr>
+                </a:solidFill>
+              </a:defRPr>
+            </a:lvl1pPr>
+          </a:lstStyle>
+          <a:p>
+            <a:fld id="{75FE7A0E-B73F-47A5-93F2-3016E1DE3045}" type="datetime1">
+              <a:rPr lang="en-US" smtClean="0"/>
+              <a:t>8/23/2023</a:t>
+            </a:fld>
+            <a:endParaRPr lang="en-US"/>
+          </a:p>
+        </p:txBody>
+      </p:sp>
+      <p:sp>
+        <p:nvSpPr>
+          <p:cNvPr id="10" name="Footer Placeholder 4">
+            <a:extLst>
+              <a:ext uri="{FF2B5EF4-FFF2-40B4-BE49-F238E27FC236}">
+                <a16:creationId xmlns:a16="http://schemas.microsoft.com/office/drawing/2014/main" id="{482890E9-61CC-8554-80BF-5B65D71AEEEC}"/>
+              </a:ext>
+            </a:extLst>
+          </p:cNvPr>
+          <p:cNvSpPr>
+            <a:spLocks noGrp="1"/>
+          </p:cNvSpPr>
+          <p:nvPr>
+            <p:ph type="ftr" sz="quarter" idx="3"/>
+          </p:nvPr>
+        </p:nvSpPr>
+        <p:spPr>
+          <a:xfrm>
+            <a:off x="3813048" y="6583680"/>
+            <a:ext cx="4572000" cy="274320"/>
+          </a:xfrm>
+          <a:prstGeom prst="rect">
+            <a:avLst/>
+          </a:prstGeom>
+        </p:spPr>
+        <p:txBody>
+          <a:bodyPr vert="horz" lIns="91440" tIns="45720" rIns="91440" bIns="45720" rtlCol="0" anchor="ctr"/>
+          <a:lstStyle>
+            <a:lvl1pPr algn="ctr">
+              <a:defRPr sz="1400">
+                <a:solidFill>
+                  <a:schemeClr val="tx1">
+                    <a:tint val="75000"/>
+                  </a:schemeClr>
+                </a:solidFill>
+              </a:defRPr>
+            </a:lvl1pPr>
+          </a:lstStyle>
+          <a:p>
+            <a:endParaRPr lang="en-US"/>
+          </a:p>
+        </p:txBody>
+      </p:sp>
+      <p:sp>
+        <p:nvSpPr>
+          <p:cNvPr id="11" name="Slide Number Placeholder 5">
+            <a:extLst>
+              <a:ext uri="{FF2B5EF4-FFF2-40B4-BE49-F238E27FC236}">
+                <a16:creationId xmlns:a16="http://schemas.microsoft.com/office/drawing/2014/main" id="{957C5713-4A3C-EDD2-3EE3-D3A21F85DEDA}"/>
+              </a:ext>
+            </a:extLst>
+          </p:cNvPr>
+          <p:cNvSpPr>
+            <a:spLocks noGrp="1"/>
+          </p:cNvSpPr>
+          <p:nvPr>
+            <p:ph type="sldNum" sz="quarter" idx="4"/>
+          </p:nvPr>
+        </p:nvSpPr>
+        <p:spPr>
+          <a:xfrm>
+            <a:off x="9079992" y="6583680"/>
+            <a:ext cx="2743200" cy="274320"/>
+          </a:xfrm>
+          <a:prstGeom prst="rect">
+            <a:avLst/>
+          </a:prstGeom>
+        </p:spPr>
+        <p:txBody>
+          <a:bodyPr vert="horz" lIns="91440" tIns="45720" rIns="91440" bIns="45720" rtlCol="0" anchor="ctr"/>
+          <a:lstStyle>
+            <a:lvl1pPr algn="r">
+              <a:defRPr sz="1400">
+                <a:solidFill>
+                  <a:schemeClr val="tx1">
+                    <a:tint val="75000"/>
+                  </a:schemeClr>
+                </a:solidFill>
+              </a:defRPr>
+            </a:lvl1pPr>
+          </a:lstStyle>
+          <a:p>
+            <a:r>
+              <a:rPr lang="en-US" dirty="0"/>
+              <a:t>Use macro for slide numbers</a:t>
+            </a:r>
+          </a:p>
+        </p:txBody>
+      </p:sp>
+    </p:spTree>
+    <p:extLst>
+      <p:ext uri="{BB962C8B-B14F-4D97-AF65-F5344CB8AC3E}">
+        <p14:creationId xmlns:p14="http://schemas.microsoft.com/office/powerpoint/2010/main" val="1146061107"/>
+      </p:ext>
+    </p:extLst>
+  </p:cSld>
+  <p:clrMap bg1="lt1" tx1="dk1" bg2="lt2" tx2="dk2" accent1="accent1" accent2="accent2" accent3="accent3" accent4="accent4" accent5="accent5" accent6="accent6" hlink="hlink" folHlink="folHlink"/>
+  <p:sldLayoutIdLst>
+    <p:sldLayoutId id="2147483663" r:id="rId1"/>
+    <p:sldLayoutId id="2147483664" r:id="rId2"/>
+    <p:sldLayoutId id="2147483665" r:id="rId3"/>
+    <p:sldLayoutId id="2147483666" r:id="rId4"/>
+    <p:sldLayoutId id="2147483667" r:id="rId5"/>
+    <p:sldLayoutId id="2147483668" r:id="rId6"/>
+  </p:sldLayoutIdLst>
+  <p:txStyles>
+    <p:titleStyle>
+      <a:lvl1pPr algn="l" defTabSz="914400" rtl="0" eaLnBrk="1" latinLnBrk="0" hangingPunct="1">
+        <a:lnSpc>
+          <a:spcPct val="90000"/>
+        </a:lnSpc>
+        <a:spcBef>
+          <a:spcPct val="0"/>
+        </a:spcBef>
+        <a:buNone/>
+        <a:defRPr sz="4400" kern="1200">
+          <a:solidFill>
+            <a:schemeClr val="tx1"/>
+          </a:solidFill>
+          <a:latin typeface="+mj-lt"/>
+          <a:ea typeface="+mj-ea"/>
+          <a:cs typeface="+mj-cs"/>
+        </a:defRPr>
+      </a:lvl1pPr>
+    </p:titleStyle>
+    <p:bodyStyle>
+      <a:lvl1pPr marL="228600" indent="-228600" algn="l" defTabSz="914400" rtl="0" eaLnBrk="1" latinLnBrk="0" hangingPunct="1">
+        <a:lnSpc>
+          <a:spcPct val="90000"/>
+        </a:lnSpc>
+        <a:spcBef>
+          <a:spcPts val="1000"/>
+        </a:spcBef>
+        <a:buFont typeface="Arial" panose="020B0604020202020204" pitchFamily="34" charset="0"/>
+        <a:buChar char="•"/>
+        <a:defRPr sz="2800" kern="1200">
+          <a:solidFill>
+            <a:schemeClr val="tx1"/>
+          </a:solidFill>
+          <a:latin typeface="+mn-lt"/>
+          <a:ea typeface="+mn-ea"/>
+          <a:cs typeface="+mn-cs"/>
+        </a:defRPr>
+      </a:lvl1pPr>
+      <a:lvl2pPr marL="685800" indent="-228600" algn="l" defTabSz="914400" rtl="0" eaLnBrk="1" latinLnBrk="0" hangingPunct="1">
+        <a:lnSpc>
+          <a:spcPct val="90000"/>
+        </a:lnSpc>
+        <a:spcBef>
+          <a:spcPts val="500"/>
+        </a:spcBef>
+        <a:buFont typeface="Arial" panose="020B0604020202020204" pitchFamily="34" charset="0"/>
+        <a:buChar char="•"/>
+        <a:defRPr sz="2400" kern="1200">
+          <a:solidFill>
+            <a:schemeClr val="tx1"/>
+          </a:solidFill>
+          <a:latin typeface="+mn-lt"/>
+          <a:ea typeface="+mn-ea"/>
+          <a:cs typeface="+mn-cs"/>
+        </a:defRPr>
+      </a:lvl2pPr>
+      <a:lvl3pPr marL="1143000" indent="-228600" algn="l" defTabSz="914400" rtl="0" eaLnBrk="1" latinLnBrk="0" hangingPunct="1">
+        <a:lnSpc>
+          <a:spcPct val="90000"/>
+        </a:lnSpc>
+        <a:spcBef>
+          <a:spcPts val="500"/>
+        </a:spcBef>
+        <a:buFont typeface="Arial" panose="020B0604020202020204" pitchFamily="34" charset="0"/>
+        <a:buChar char="•"/>
+        <a:defRPr sz="2000" kern="1200">
+          <a:solidFill>
+            <a:schemeClr val="tx1"/>
+          </a:solidFill>
+          <a:latin typeface="+mn-lt"/>
+          <a:ea typeface="+mn-ea"/>
+          <a:cs typeface="+mn-cs"/>
+        </a:defRPr>
+      </a:lvl3pPr>
+      <a:lvl4pPr marL="1600200" indent="-228600" algn="l" defTabSz="914400" rtl="0" eaLnBrk="1" latinLnBrk="0" hangingPunct="1">
+        <a:lnSpc>
+          <a:spcPct val="90000"/>
+        </a:lnSpc>
+        <a:spcBef>
+          <a:spcPts val="500"/>
+        </a:spcBef>
+        <a:buFont typeface="Arial" panose="020B0604020202020204" pitchFamily="34" charset="0"/>
+        <a:buChar char="•"/>
+        <a:defRPr sz="1800" kern="1200">
+          <a:solidFill>
+            <a:schemeClr val="tx1"/>
+          </a:solidFill>
+          <a:latin typeface="+mn-lt"/>
+          <a:ea typeface="+mn-ea"/>
+          <a:cs typeface="+mn-cs"/>
+        </a:defRPr>
+      </a:lvl4pPr>
+      <a:lvl5pPr marL="2057400" indent="-228600" algn="l" defTabSz="914400" rtl="0" eaLnBrk="1" latinLnBrk="0" hangingPunct="1">
+        <a:lnSpc>
+          <a:spcPct val="90000"/>
+        </a:lnSpc>
+        <a:spcBef>
+          <a:spcPts val="500"/>
+        </a:spcBef>
+        <a:buFont typeface="Arial" panose="020B0604020202020204" pitchFamily="34" charset="0"/>
+        <a:buChar char="•"/>
+        <a:defRPr sz="1800" kern="1200">
+          <a:solidFill>
+            <a:schemeClr val="tx1"/>
+          </a:solidFill>
+          <a:latin typeface="+mn-lt"/>
+          <a:ea typeface="+mn-ea"/>
+          <a:cs typeface="+mn-cs"/>
+        </a:defRPr>
+      </a:lvl5pPr>
+      <a:lvl6pPr marL="2514600" indent="-228600" algn="l" defTabSz="914400" rtl="0" eaLnBrk="1" latinLnBrk="0" hangingPunct="1">
+        <a:lnSpc>
+          <a:spcPct val="90000"/>
+        </a:lnSpc>
+        <a:spcBef>
+          <a:spcPts val="500"/>
+        </a:spcBef>
+        <a:buFont typeface="Arial" panose="020B0604020202020204" pitchFamily="34" charset="0"/>
+        <a:buChar char="•"/>
+        <a:defRPr sz="1800" kern="1200">
+          <a:solidFill>
+            <a:schemeClr val="tx1"/>
+          </a:solidFill>
+          <a:latin typeface="+mn-lt"/>
+          <a:ea typeface="+mn-ea"/>
+          <a:cs typeface="+mn-cs"/>
+        </a:defRPr>
+      </a:lvl6pPr>
+      <a:lvl7pPr marL="2971800" indent="-228600" algn="l" defTabSz="914400" rtl="0" eaLnBrk="1" latinLnBrk="0" hangingPunct="1">
+        <a:lnSpc>
+          <a:spcPct val="90000"/>
+        </a:lnSpc>
+        <a:spcBef>
+          <a:spcPts val="500"/>
+        </a:spcBef>
+        <a:buFont typeface="Arial" panose="020B0604020202020204" pitchFamily="34" charset="0"/>
+        <a:buChar char="•"/>
+        <a:defRPr sz="1800" kern="1200">
+          <a:solidFill>
+            <a:schemeClr val="tx1"/>
+          </a:solidFill>
+          <a:latin typeface="+mn-lt"/>
+          <a:ea typeface="+mn-ea"/>
+          <a:cs typeface="+mn-cs"/>
+        </a:defRPr>
+      </a:lvl7pPr>
+      <a:lvl8pPr marL="3429000" indent="-228600" algn="l" defTabSz="914400" rtl="0" eaLnBrk="1" latinLnBrk="0" hangingPunct="1">
+        <a:lnSpc>
+          <a:spcPct val="90000"/>
+        </a:lnSpc>
+        <a:spcBef>
+          <a:spcPts val="500"/>
+        </a:spcBef>
+        <a:buFont typeface="Arial" panose="020B0604020202020204" pitchFamily="34" charset="0"/>
+        <a:buChar char="•"/>
+        <a:defRPr sz="1800" kern="1200">
+          <a:solidFill>
+            <a:schemeClr val="tx1"/>
+          </a:solidFill>
+          <a:latin typeface="+mn-lt"/>
+          <a:ea typeface="+mn-ea"/>
+          <a:cs typeface="+mn-cs"/>
+        </a:defRPr>
+      </a:lvl8pPr>
+      <a:lvl9pPr marL="3886200" indent="-228600" algn="l" defTabSz="914400" rtl="0" eaLnBrk="1" latinLnBrk="0" hangingPunct="1">
+        <a:lnSpc>
+          <a:spcPct val="90000"/>
+        </a:lnSpc>
+        <a:spcBef>
+          <a:spcPts val="500"/>
+        </a:spcBef>
+        <a:buFont typeface="Arial" panose="020B0604020202020204" pitchFamily="34" charset="0"/>
+        <a:buChar char="•"/>
+        <a:defRPr sz="1800" kern="1200">
+          <a:solidFill>
+            <a:schemeClr val="tx1"/>
+          </a:solidFill>
+          <a:latin typeface="+mn-lt"/>
+          <a:ea typeface="+mn-ea"/>
+          <a:cs typeface="+mn-cs"/>
+        </a:defRPr>
+      </a:lvl9pPr>
+    </p:bodyStyle>
+    <p:otherStyle>
+      <a:defPPr>
+        <a:defRPr lang="en-US"/>
+      </a:defPPr>
+      <a:lvl1pPr marL="0" algn="l" defTabSz="914400" rtl="0" eaLnBrk="1" latinLnBrk="0" hangingPunct="1">
+        <a:defRPr sz="1800" kern="1200">
+          <a:solidFill>
+            <a:schemeClr val="tx1"/>
+          </a:solidFill>
+          <a:latin typeface="+mn-lt"/>
+          <a:ea typeface="+mn-ea"/>
+          <a:cs typeface="+mn-cs"/>
+        </a:defRPr>
+      </a:lvl1pPr>
+      <a:lvl2pPr marL="457200" algn="l" defTabSz="914400" rtl="0" eaLnBrk="1" latinLnBrk="0" hangingPunct="1">
+        <a:defRPr sz="1800" kern="1200">
+          <a:solidFill>
+            <a:schemeClr val="tx1"/>
+          </a:solidFill>
+          <a:latin typeface="+mn-lt"/>
+          <a:ea typeface="+mn-ea"/>
+          <a:cs typeface="+mn-cs"/>
+        </a:defRPr>
+      </a:lvl2pPr>
+      <a:lvl3pPr marL="914400" algn="l" defTabSz="914400" rtl="0" eaLnBrk="1" latinLnBrk="0" hangingPunct="1">
+        <a:defRPr sz="1800" kern="1200">
+          <a:solidFill>
+            <a:schemeClr val="tx1"/>
+          </a:solidFill>
+          <a:latin typeface="+mn-lt"/>
+          <a:ea typeface="+mn-ea"/>
+          <a:cs typeface="+mn-cs"/>
+        </a:defRPr>
+      </a:lvl3pPr>
+      <a:lvl4pPr marL="1371600" algn="l" defTabSz="914400" rtl="0" eaLnBrk="1" latinLnBrk="0" hangingPunct="1">
+        <a:defRPr sz="1800" kern="1200">
+          <a:solidFill>
+            <a:schemeClr val="tx1"/>
+          </a:solidFill>
+          <a:latin typeface="+mn-lt"/>
+          <a:ea typeface="+mn-ea"/>
+          <a:cs typeface="+mn-cs"/>
+        </a:defRPr>
+      </a:lvl4pPr>
+      <a:lvl5pPr marL="1828800" algn="l" defTabSz="914400" rtl="0" eaLnBrk="1" latinLnBrk="0" hangingPunct="1">
+        <a:defRPr sz="1800" kern="1200">
+          <a:solidFill>
+            <a:schemeClr val="tx1"/>
+          </a:solidFill>
+          <a:latin typeface="+mn-lt"/>
+          <a:ea typeface="+mn-ea"/>
+          <a:cs typeface="+mn-cs"/>
+        </a:defRPr>
+      </a:lvl5pPr>
+      <a:lvl6pPr marL="2286000" algn="l" defTabSz="914400" rtl="0" eaLnBrk="1" latinLnBrk="0" hangingPunct="1">
+        <a:defRPr sz="1800" kern="1200">
+          <a:solidFill>
+            <a:schemeClr val="tx1"/>
+          </a:solidFill>
+          <a:latin typeface="+mn-lt"/>
+          <a:ea typeface="+mn-ea"/>
+          <a:cs typeface="+mn-cs"/>
+        </a:defRPr>
+      </a:lvl6pPr>
+      <a:lvl7pPr marL="2743200" algn="l" defTabSz="914400" rtl="0" eaLnBrk="1" latinLnBrk="0" hangingPunct="1">
+        <a:defRPr sz="1800" kern="1200">
+          <a:solidFill>
+            <a:schemeClr val="tx1"/>
+          </a:solidFill>
+          <a:latin typeface="+mn-lt"/>
+          <a:ea typeface="+mn-ea"/>
+          <a:cs typeface="+mn-cs"/>
+        </a:defRPr>
+      </a:lvl7pPr>
+      <a:lvl8pPr marL="3200400" algn="l" defTabSz="914400" rtl="0" eaLnBrk="1" latinLnBrk="0" hangingPunct="1">
+        <a:defRPr sz="1800" kern="1200">
+          <a:solidFill>
+            <a:schemeClr val="tx1"/>
+          </a:solidFill>
+          <a:latin typeface="+mn-lt"/>
+          <a:ea typeface="+mn-ea"/>
+          <a:cs typeface="+mn-cs"/>
+        </a:defRPr>
+      </a:lvl8pPr>
+      <a:lvl9pPr marL="3657600" algn="l" defTabSz="914400" rtl="0" eaLnBrk="1" latinLnBrk="0" hangingPunct="1">
+        <a:defRPr sz="1800" kern="1200">
+          <a:solidFill>
+            <a:schemeClr val="tx1"/>
+          </a:solidFill>
+          <a:latin typeface="+mn-lt"/>
+          <a:ea typeface="+mn-ea"/>
+          <a:cs typeface="+mn-cs"/>
+        </a:defRPr>
+      </a:lvl9pPr>
+    </p:otherStyle>
+  </p:txStyles>
+</p:sldMaster>
+</file>
+
+<file path=ppt/slideMasters/slideMaster4.xml><?xml version="1.0" encoding="utf-8"?>
+<p:sldMaster xmlns:a="http://schemas.openxmlformats.org/drawingml/2006/main" xmlns:r="http://schemas.openxmlformats.org/officeDocument/2006/relationships" xmlns:p="http://schemas.openxmlformats.org/presentationml/2006/main" preserve="1">
+  <p:cSld>
+    <p:bg>
+      <p:bgRef idx="1001">
+        <a:schemeClr val="bg1"/>
+      </p:bgRef>
+    </p:bg>
+    <p:spTree>
+      <p:nvGrpSpPr>
+        <p:cNvPr id="1" name=""/>
+        <p:cNvGrpSpPr/>
+        <p:nvPr/>
+      </p:nvGrpSpPr>
+      <p:grpSpPr>
+        <a:xfrm>
+          <a:off x="0" y="0"/>
+          <a:ext cx="0" cy="0"/>
+          <a:chOff x="0" y="0"/>
+          <a:chExt cx="0" cy="0"/>
+        </a:xfrm>
+      </p:grpSpPr>
+      <p:sp>
+        <p:nvSpPr>
+          <p:cNvPr id="7" name="Title Placeholder 1">
+            <a:extLst>
+              <a:ext uri="{FF2B5EF4-FFF2-40B4-BE49-F238E27FC236}">
+                <a16:creationId xmlns:a16="http://schemas.microsoft.com/office/drawing/2014/main" id="{47AA27B7-8463-EB4D-D842-A290E1C57C49}"/>
+              </a:ext>
+            </a:extLst>
+          </p:cNvPr>
+          <p:cNvSpPr>
+            <a:spLocks noGrp="1"/>
+          </p:cNvSpPr>
+          <p:nvPr>
+            <p:ph type="title"/>
+          </p:nvPr>
+        </p:nvSpPr>
+        <p:spPr>
+          <a:xfrm>
+            <a:off x="365760" y="274320"/>
+            <a:ext cx="11457432" cy="731520"/>
+          </a:xfrm>
+          <a:prstGeom prst="rect">
+            <a:avLst/>
+          </a:prstGeom>
+        </p:spPr>
+        <p:txBody>
+          <a:bodyPr vert="horz" lIns="0" tIns="0" rIns="0" bIns="0" rtlCol="0" anchor="ctr">
+            <a:noAutofit/>
+          </a:bodyPr>
+          <a:lstStyle/>
+          <a:p>
+            <a:r>
+              <a:rPr lang="en-US" dirty="0"/>
+              <a:t>Click to edit Master title style</a:t>
+            </a:r>
+          </a:p>
+        </p:txBody>
+      </p:sp>
+      <p:sp>
+        <p:nvSpPr>
+          <p:cNvPr id="8" name="Text Placeholder 2">
+            <a:extLst>
+              <a:ext uri="{FF2B5EF4-FFF2-40B4-BE49-F238E27FC236}">
+                <a16:creationId xmlns:a16="http://schemas.microsoft.com/office/drawing/2014/main" id="{CA309BAD-4439-7A4A-E153-03E5C280FA5D}"/>
+              </a:ext>
+            </a:extLst>
+          </p:cNvPr>
+          <p:cNvSpPr>
+            <a:spLocks noGrp="1"/>
+          </p:cNvSpPr>
+          <p:nvPr>
+            <p:ph type="body" idx="1"/>
+          </p:nvPr>
+        </p:nvSpPr>
+        <p:spPr>
+          <a:xfrm>
+            <a:off x="365760" y="1188720"/>
+            <a:ext cx="11457432" cy="5120640"/>
+          </a:xfrm>
+          <a:prstGeom prst="rect">
+            <a:avLst/>
+          </a:prstGeom>
+        </p:spPr>
+        <p:txBody>
+          <a:bodyPr vert="horz" lIns="0" tIns="0" rIns="0" bIns="0" rtlCol="0">
+            <a:normAutofit/>
+          </a:bodyPr>
+          <a:lstStyle/>
+          <a:p>
+            <a:pPr lvl="0"/>
+            <a:r>
+              <a:rPr lang="en-US"/>
+              <a:t>Click to edit Master text styles</a:t>
+            </a:r>
+          </a:p>
+          <a:p>
+            <a:pPr lvl="1"/>
+            <a:r>
+              <a:rPr lang="en-US"/>
+              <a:t>Second level</a:t>
+            </a:r>
+          </a:p>
+          <a:p>
+            <a:pPr lvl="2"/>
+            <a:r>
+              <a:rPr lang="en-US"/>
+              <a:t>Third level</a:t>
+            </a:r>
+          </a:p>
+          <a:p>
+            <a:pPr lvl="3"/>
+            <a:r>
+              <a:rPr lang="en-US"/>
+              <a:t>Fourth level</a:t>
+            </a:r>
+          </a:p>
+          <a:p>
+            <a:pPr lvl="4"/>
+            <a:r>
+              <a:rPr lang="en-US"/>
+              <a:t>Fifth level</a:t>
+            </a:r>
+            <a:endParaRPr lang="en-US" dirty="0"/>
+          </a:p>
+        </p:txBody>
+      </p:sp>
+      <p:sp>
+        <p:nvSpPr>
+          <p:cNvPr id="9" name="Date Placeholder 3">
+            <a:extLst>
+              <a:ext uri="{FF2B5EF4-FFF2-40B4-BE49-F238E27FC236}">
+                <a16:creationId xmlns:a16="http://schemas.microsoft.com/office/drawing/2014/main" id="{D3DEF974-3F32-68AE-003B-9F43607C9AC2}"/>
+              </a:ext>
+            </a:extLst>
+          </p:cNvPr>
+          <p:cNvSpPr>
+            <a:spLocks noGrp="1"/>
+          </p:cNvSpPr>
+          <p:nvPr>
+            <p:ph type="dt" sz="half" idx="2"/>
+          </p:nvPr>
+        </p:nvSpPr>
+        <p:spPr>
+          <a:xfrm>
+            <a:off x="365760" y="6583680"/>
+            <a:ext cx="2743200" cy="274320"/>
+          </a:xfrm>
+          <a:prstGeom prst="rect">
+            <a:avLst/>
+          </a:prstGeom>
+        </p:spPr>
+        <p:txBody>
+          <a:bodyPr vert="horz" lIns="91440" tIns="45720" rIns="91440" bIns="45720" rtlCol="0" anchor="ctr"/>
+          <a:lstStyle>
+            <a:lvl1pPr algn="l">
+              <a:defRPr sz="1400">
+                <a:solidFill>
+                  <a:schemeClr val="tx1">
+                    <a:tint val="75000"/>
+                  </a:schemeClr>
+                </a:solidFill>
+              </a:defRPr>
+            </a:lvl1pPr>
+          </a:lstStyle>
+          <a:p>
+            <a:fld id="{75FE7A0E-B73F-47A5-93F2-3016E1DE3045}" type="datetime1">
+              <a:rPr lang="en-US" smtClean="0"/>
+              <a:t>8/23/2023</a:t>
+            </a:fld>
+            <a:endParaRPr lang="en-US"/>
+          </a:p>
+        </p:txBody>
+      </p:sp>
+      <p:sp>
+        <p:nvSpPr>
+          <p:cNvPr id="10" name="Footer Placeholder 4">
+            <a:extLst>
+              <a:ext uri="{FF2B5EF4-FFF2-40B4-BE49-F238E27FC236}">
+                <a16:creationId xmlns:a16="http://schemas.microsoft.com/office/drawing/2014/main" id="{482890E9-61CC-8554-80BF-5B65D71AEEEC}"/>
+              </a:ext>
+            </a:extLst>
+          </p:cNvPr>
+          <p:cNvSpPr>
+            <a:spLocks noGrp="1"/>
+          </p:cNvSpPr>
+          <p:nvPr>
+            <p:ph type="ftr" sz="quarter" idx="3"/>
+          </p:nvPr>
+        </p:nvSpPr>
+        <p:spPr>
+          <a:xfrm>
+            <a:off x="3813048" y="6583680"/>
+            <a:ext cx="4572000" cy="274320"/>
+          </a:xfrm>
+          <a:prstGeom prst="rect">
+            <a:avLst/>
+          </a:prstGeom>
+        </p:spPr>
+        <p:txBody>
+          <a:bodyPr vert="horz" lIns="91440" tIns="45720" rIns="91440" bIns="45720" rtlCol="0" anchor="ctr"/>
+          <a:lstStyle>
+            <a:lvl1pPr algn="ctr">
+              <a:defRPr sz="1400">
+                <a:solidFill>
+                  <a:schemeClr val="tx1">
+                    <a:tint val="75000"/>
+                  </a:schemeClr>
+                </a:solidFill>
+              </a:defRPr>
+            </a:lvl1pPr>
+          </a:lstStyle>
+          <a:p>
+            <a:endParaRPr lang="en-US"/>
+          </a:p>
+        </p:txBody>
+      </p:sp>
+      <p:sp>
+        <p:nvSpPr>
+          <p:cNvPr id="11" name="Slide Number Placeholder 5">
+            <a:extLst>
+              <a:ext uri="{FF2B5EF4-FFF2-40B4-BE49-F238E27FC236}">
+                <a16:creationId xmlns:a16="http://schemas.microsoft.com/office/drawing/2014/main" id="{957C5713-4A3C-EDD2-3EE3-D3A21F85DEDA}"/>
+              </a:ext>
+            </a:extLst>
+          </p:cNvPr>
+          <p:cNvSpPr>
+            <a:spLocks noGrp="1"/>
+          </p:cNvSpPr>
+          <p:nvPr>
+            <p:ph type="sldNum" sz="quarter" idx="4"/>
+          </p:nvPr>
+        </p:nvSpPr>
+        <p:spPr>
+          <a:xfrm>
+            <a:off x="9079992" y="6583680"/>
+            <a:ext cx="2743200" cy="274320"/>
+          </a:xfrm>
+          <a:prstGeom prst="rect">
+            <a:avLst/>
+          </a:prstGeom>
+        </p:spPr>
+        <p:txBody>
+          <a:bodyPr vert="horz" lIns="91440" tIns="45720" rIns="91440" bIns="45720" rtlCol="0" anchor="ctr"/>
+          <a:lstStyle>
+            <a:lvl1pPr algn="r">
+              <a:defRPr sz="1400">
+                <a:solidFill>
+                  <a:schemeClr val="tx1">
+                    <a:tint val="75000"/>
+                  </a:schemeClr>
+                </a:solidFill>
+              </a:defRPr>
+            </a:lvl1pPr>
+          </a:lstStyle>
+          <a:p>
+            <a:r>
+              <a:rPr lang="en-US" dirty="0"/>
+              <a:t>Use macro for slide numbers</a:t>
+            </a:r>
+          </a:p>
+        </p:txBody>
+      </p:sp>
+    </p:spTree>
+    <p:extLst>
+      <p:ext uri="{BB962C8B-B14F-4D97-AF65-F5344CB8AC3E}">
+        <p14:creationId xmlns:p14="http://schemas.microsoft.com/office/powerpoint/2010/main" val="1737018391"/>
+      </p:ext>
+    </p:extLst>
+  </p:cSld>
+  <p:clrMap bg1="lt1" tx1="dk1" bg2="lt2" tx2="dk2" accent1="accent1" accent2="accent2" accent3="accent3" accent4="accent4" accent5="accent5" accent6="accent6" hlink="hlink" folHlink="folHlink"/>
+  <p:sldLayoutIdLst>
+    <p:sldLayoutId id="2147483670" r:id="rId1"/>
+    <p:sldLayoutId id="2147483671" r:id="rId2"/>
+    <p:sldLayoutId id="2147483672" r:id="rId3"/>
+    <p:sldLayoutId id="2147483673" r:id="rId4"/>
+    <p:sldLayoutId id="2147483674" r:id="rId5"/>
+    <p:sldLayoutId id="2147483675" r:id="rId6"/>
   </p:sldLayoutIdLst>
   <p:txStyles>
     <p:titleStyle>
@@ -5616,4 +11283,410 @@
     </a:ext>
   </a:extLst>
 </a:theme>
+</file>
+
+<file path=ppt/theme/theme3.xml><?xml version="1.0" encoding="utf-8"?>
+<a:theme xmlns:a="http://schemas.openxmlformats.org/drawingml/2006/main" name="Preparation with Video">
+  <a:themeElements>
+    <a:clrScheme name="Standard Colors and UW Purple">
+      <a:dk1>
+        <a:sysClr val="windowText" lastClr="000000"/>
+      </a:dk1>
+      <a:lt1>
+        <a:sysClr val="window" lastClr="FFFFFF"/>
+      </a:lt1>
+      <a:dk2>
+        <a:srgbClr val="44546A"/>
+      </a:dk2>
+      <a:lt2>
+        <a:srgbClr val="E7E6E6"/>
+      </a:lt2>
+      <a:accent1>
+        <a:srgbClr val="0070C0"/>
+      </a:accent1>
+      <a:accent2>
+        <a:srgbClr val="00B050"/>
+      </a:accent2>
+      <a:accent3>
+        <a:srgbClr val="FFC000"/>
+      </a:accent3>
+      <a:accent4>
+        <a:srgbClr val="C00000"/>
+      </a:accent4>
+      <a:accent5>
+        <a:srgbClr val="FF0000"/>
+      </a:accent5>
+      <a:accent6>
+        <a:srgbClr val="4B2E83"/>
+      </a:accent6>
+      <a:hlink>
+        <a:srgbClr val="0070C0"/>
+      </a:hlink>
+      <a:folHlink>
+        <a:srgbClr val="0070C0"/>
+      </a:folHlink>
+    </a:clrScheme>
+    <a:fontScheme name="Candara-SourceHansSans">
+      <a:majorFont>
+        <a:latin typeface="Candara"/>
+        <a:ea typeface="思源黑体 CN"/>
+        <a:cs typeface=""/>
+      </a:majorFont>
+      <a:minorFont>
+        <a:latin typeface="Candara"/>
+        <a:ea typeface="思源黑体 CN"/>
+        <a:cs typeface=""/>
+      </a:minorFont>
+    </a:fontScheme>
+    <a:fmtScheme name="Subtle Solids">
+      <a:fillStyleLst>
+        <a:solidFill>
+          <a:schemeClr val="phClr"/>
+        </a:solidFill>
+        <a:solidFill>
+          <a:schemeClr val="phClr">
+            <a:tint val="65000"/>
+          </a:schemeClr>
+        </a:solidFill>
+        <a:solidFill>
+          <a:schemeClr val="phClr">
+            <a:shade val="80000"/>
+            <a:satMod val="150000"/>
+          </a:schemeClr>
+        </a:solidFill>
+      </a:fillStyleLst>
+      <a:lnStyleLst>
+        <a:ln w="9525" cap="flat" cmpd="sng" algn="ctr">
+          <a:solidFill>
+            <a:schemeClr val="phClr"/>
+          </a:solidFill>
+          <a:prstDash val="solid"/>
+        </a:ln>
+        <a:ln w="10795" cap="flat" cmpd="sng" algn="ctr">
+          <a:solidFill>
+            <a:schemeClr val="phClr"/>
+          </a:solidFill>
+          <a:prstDash val="solid"/>
+        </a:ln>
+        <a:ln w="17145" cap="flat" cmpd="sng" algn="ctr">
+          <a:solidFill>
+            <a:schemeClr val="phClr">
+              <a:shade val="95000"/>
+              <a:alpha val="50000"/>
+              <a:satMod val="150000"/>
+            </a:schemeClr>
+          </a:solidFill>
+          <a:prstDash val="solid"/>
+        </a:ln>
+      </a:lnStyleLst>
+      <a:effectStyleLst>
+        <a:effectStyle>
+          <a:effectLst/>
+        </a:effectStyle>
+        <a:effectStyle>
+          <a:effectLst/>
+        </a:effectStyle>
+        <a:effectStyle>
+          <a:effectLst>
+            <a:outerShdw blurRad="44450" dist="13970" dir="5400000" algn="ctr" rotWithShape="0">
+              <a:srgbClr val="000000">
+                <a:alpha val="45000"/>
+              </a:srgbClr>
+            </a:outerShdw>
+          </a:effectLst>
+          <a:scene3d>
+            <a:camera prst="orthographicFront">
+              <a:rot lat="0" lon="0" rev="0"/>
+            </a:camera>
+            <a:lightRig rig="twoPt" dir="tl"/>
+          </a:scene3d>
+          <a:sp3d prstMaterial="flat">
+            <a:bevelT w="12700" h="25400" prst="coolSlant"/>
+          </a:sp3d>
+        </a:effectStyle>
+      </a:effectStyleLst>
+      <a:bgFillStyleLst>
+        <a:solidFill>
+          <a:schemeClr val="phClr"/>
+        </a:solidFill>
+        <a:solidFill>
+          <a:schemeClr val="phClr">
+            <a:tint val="95000"/>
+            <a:satMod val="170000"/>
+          </a:schemeClr>
+        </a:solidFill>
+        <a:gradFill rotWithShape="1">
+          <a:gsLst>
+            <a:gs pos="0">
+              <a:schemeClr val="phClr">
+                <a:tint val="93000"/>
+                <a:satMod val="150000"/>
+                <a:shade val="98000"/>
+                <a:lumMod val="102000"/>
+              </a:schemeClr>
+            </a:gs>
+            <a:gs pos="50000">
+              <a:schemeClr val="phClr">
+                <a:tint val="98000"/>
+                <a:satMod val="130000"/>
+                <a:shade val="90000"/>
+                <a:lumMod val="103000"/>
+              </a:schemeClr>
+            </a:gs>
+            <a:gs pos="100000">
+              <a:schemeClr val="phClr">
+                <a:shade val="63000"/>
+                <a:satMod val="120000"/>
+              </a:schemeClr>
+            </a:gs>
+          </a:gsLst>
+          <a:lin ang="5400000" scaled="0"/>
+        </a:gradFill>
+      </a:bgFillStyleLst>
+    </a:fmtScheme>
+  </a:themeElements>
+  <a:objectDefaults>
+    <a:spDef>
+      <a:spPr>
+        <a:solidFill>
+          <a:schemeClr val="bg2"/>
+        </a:solidFill>
+        <a:ln>
+          <a:noFill/>
+        </a:ln>
+      </a:spPr>
+      <a:bodyPr rtlCol="0" anchor="ctr"/>
+      <a:lstStyle>
+        <a:defPPr algn="ctr">
+          <a:defRPr sz="2400" dirty="0" smtClean="0">
+            <a:solidFill>
+              <a:schemeClr val="tx1"/>
+            </a:solidFill>
+          </a:defRPr>
+        </a:defPPr>
+      </a:lstStyle>
+      <a:style>
+        <a:lnRef idx="2">
+          <a:schemeClr val="accent1">
+            <a:shade val="50000"/>
+          </a:schemeClr>
+        </a:lnRef>
+        <a:fillRef idx="1">
+          <a:schemeClr val="accent1"/>
+        </a:fillRef>
+        <a:effectRef idx="0">
+          <a:schemeClr val="accent1"/>
+        </a:effectRef>
+        <a:fontRef idx="minor">
+          <a:schemeClr val="lt1"/>
+        </a:fontRef>
+      </a:style>
+    </a:spDef>
+    <a:lnDef>
+      <a:spPr>
+        <a:ln w="38100">
+          <a:solidFill>
+            <a:schemeClr val="tx1">
+              <a:lumMod val="50000"/>
+              <a:lumOff val="50000"/>
+            </a:schemeClr>
+          </a:solidFill>
+          <a:tailEnd type="triangle" w="lg" len="lg"/>
+        </a:ln>
+      </a:spPr>
+      <a:bodyPr/>
+      <a:lstStyle/>
+      <a:style>
+        <a:lnRef idx="1">
+          <a:schemeClr val="accent1"/>
+        </a:lnRef>
+        <a:fillRef idx="0">
+          <a:schemeClr val="accent1"/>
+        </a:fillRef>
+        <a:effectRef idx="0">
+          <a:schemeClr val="accent1"/>
+        </a:effectRef>
+        <a:fontRef idx="minor">
+          <a:schemeClr val="tx1"/>
+        </a:fontRef>
+      </a:style>
+    </a:lnDef>
+  </a:objectDefaults>
+  <a:extraClrSchemeLst/>
+  <a:extLst>
+    <a:ext uri="{05A4C25C-085E-4340-85A3-A5531E510DB2}">
+      <thm15:themeFamily xmlns:thm15="http://schemas.microsoft.com/office/thememl/2012/main" name="Office Theme" id="{62F939B6-93AF-4DB8-9C6B-D6C7DFDC589F}" vid="{4A3C46E8-61CC-4603-A589-7422A47A8E4A}"/>
+    </a:ext>
+  </a:extLst>
+</a:theme>
+</file>
+
+<file path=ppt/theme/theme4.xml><?xml version="1.0" encoding="utf-8"?>
+<a:theme xmlns:a="http://schemas.openxmlformats.org/drawingml/2006/main" name="Ready with Video">
+  <a:themeElements>
+    <a:clrScheme name="Standard Colors and UW Purple">
+      <a:dk1>
+        <a:sysClr val="windowText" lastClr="000000"/>
+      </a:dk1>
+      <a:lt1>
+        <a:sysClr val="window" lastClr="FFFFFF"/>
+      </a:lt1>
+      <a:dk2>
+        <a:srgbClr val="44546A"/>
+      </a:dk2>
+      <a:lt2>
+        <a:srgbClr val="E7E6E6"/>
+      </a:lt2>
+      <a:accent1>
+        <a:srgbClr val="0070C0"/>
+      </a:accent1>
+      <a:accent2>
+        <a:srgbClr val="00B050"/>
+      </a:accent2>
+      <a:accent3>
+        <a:srgbClr val="FFC000"/>
+      </a:accent3>
+      <a:accent4>
+        <a:srgbClr val="C00000"/>
+      </a:accent4>
+      <a:accent5>
+        <a:srgbClr val="FF0000"/>
+      </a:accent5>
+      <a:accent6>
+        <a:srgbClr val="4B2E83"/>
+      </a:accent6>
+      <a:hlink>
+        <a:srgbClr val="0070C0"/>
+      </a:hlink>
+      <a:folHlink>
+        <a:srgbClr val="0070C0"/>
+      </a:folHlink>
+    </a:clrScheme>
+    <a:fontScheme name="Candara-SourceHansSans">
+      <a:majorFont>
+        <a:latin typeface="Candara"/>
+        <a:ea typeface="思源黑体 CN"/>
+        <a:cs typeface=""/>
+      </a:majorFont>
+      <a:minorFont>
+        <a:latin typeface="Candara"/>
+        <a:ea typeface="思源黑体 CN"/>
+        <a:cs typeface=""/>
+      </a:minorFont>
+    </a:fontScheme>
+    <a:fmtScheme name="Subtle Solids">
+      <a:fillStyleLst>
+        <a:solidFill>
+          <a:schemeClr val="phClr"/>
+        </a:solidFill>
+        <a:solidFill>
+          <a:schemeClr val="phClr">
+            <a:tint val="65000"/>
+          </a:schemeClr>
+        </a:solidFill>
+        <a:solidFill>
+          <a:schemeClr val="phClr">
+            <a:shade val="80000"/>
+            <a:satMod val="150000"/>
+          </a:schemeClr>
+        </a:solidFill>
+      </a:fillStyleLst>
+      <a:lnStyleLst>
+        <a:ln w="9525" cap="flat" cmpd="sng" algn="ctr">
+          <a:solidFill>
+            <a:schemeClr val="phClr"/>
+          </a:solidFill>
+          <a:prstDash val="solid"/>
+        </a:ln>
+        <a:ln w="10795" cap="flat" cmpd="sng" algn="ctr">
+          <a:solidFill>
+            <a:schemeClr val="phClr"/>
+          </a:solidFill>
+          <a:prstDash val="solid"/>
+        </a:ln>
+        <a:ln w="17145" cap="flat" cmpd="sng" algn="ctr">
+          <a:solidFill>
+            <a:schemeClr val="phClr">
+              <a:shade val="95000"/>
+              <a:alpha val="50000"/>
+              <a:satMod val="150000"/>
+            </a:schemeClr>
+          </a:solidFill>
+          <a:prstDash val="solid"/>
+        </a:ln>
+      </a:lnStyleLst>
+      <a:effectStyleLst>
+        <a:effectStyle>
+          <a:effectLst/>
+        </a:effectStyle>
+        <a:effectStyle>
+          <a:effectLst/>
+        </a:effectStyle>
+        <a:effectStyle>
+          <a:effectLst>
+            <a:outerShdw blurRad="44450" dist="13970" dir="5400000" algn="ctr" rotWithShape="0">
+              <a:srgbClr val="000000">
+                <a:alpha val="45000"/>
+              </a:srgbClr>
+            </a:outerShdw>
+          </a:effectLst>
+          <a:scene3d>
+            <a:camera prst="orthographicFront">
+              <a:rot lat="0" lon="0" rev="0"/>
+            </a:camera>
+            <a:lightRig rig="twoPt" dir="tl"/>
+          </a:scene3d>
+          <a:sp3d prstMaterial="flat">
+            <a:bevelT w="12700" h="25400" prst="coolSlant"/>
+          </a:sp3d>
+        </a:effectStyle>
+      </a:effectStyleLst>
+      <a:bgFillStyleLst>
+        <a:solidFill>
+          <a:schemeClr val="phClr"/>
+        </a:solidFill>
+        <a:solidFill>
+          <a:schemeClr val="phClr">
+            <a:tint val="95000"/>
+            <a:satMod val="170000"/>
+          </a:schemeClr>
+        </a:solidFill>
+        <a:gradFill rotWithShape="1">
+          <a:gsLst>
+            <a:gs pos="0">
+              <a:schemeClr val="phClr">
+                <a:tint val="93000"/>
+                <a:satMod val="150000"/>
+                <a:shade val="98000"/>
+                <a:lumMod val="102000"/>
+              </a:schemeClr>
+            </a:gs>
+            <a:gs pos="50000">
+              <a:schemeClr val="phClr">
+                <a:tint val="98000"/>
+                <a:satMod val="130000"/>
+                <a:shade val="90000"/>
+                <a:lumMod val="103000"/>
+              </a:schemeClr>
+            </a:gs>
+            <a:gs pos="100000">
+              <a:schemeClr val="phClr">
+                <a:shade val="63000"/>
+                <a:satMod val="120000"/>
+              </a:schemeClr>
+            </a:gs>
+          </a:gsLst>
+          <a:lin ang="5400000" scaled="0"/>
+        </a:gradFill>
+      </a:bgFillStyleLst>
+    </a:fmtScheme>
+  </a:themeElements>
+  <a:objectDefaults/>
+  <a:extraClrSchemeLst/>
+  <a:extLst>
+    <a:ext uri="{05A4C25C-085E-4340-85A3-A5531E510DB2}">
+      <thm15:themeFamily xmlns:thm15="http://schemas.microsoft.com/office/thememl/2012/main" name="Office Theme" id="{62F939B6-93AF-4DB8-9C6B-D6C7DFDC589F}" vid="{4A3C46E8-61CC-4603-A589-7422A47A8E4A}"/>
+    </a:ext>
+  </a:extLst>
+</a:theme>
 </file>